--- a/Slides/06_JavaScriptTypescript_TrainingPlan.pptx
+++ b/Slides/06_JavaScriptTypescript_TrainingPlan.pptx
@@ -5,7 +5,7 @@
     <p:sldMasterId id="2147483672" r:id="rId1"/>
   </p:sldMasterIdLst>
   <p:notesMasterIdLst>
-    <p:notesMasterId r:id="rId43"/>
+    <p:notesMasterId r:id="rId34"/>
   </p:notesMasterIdLst>
   <p:sldIdLst>
     <p:sldId id="256" r:id="rId2"/>
@@ -23,32 +23,23 @@
     <p:sldId id="317" r:id="rId14"/>
     <p:sldId id="312" r:id="rId15"/>
     <p:sldId id="351" r:id="rId16"/>
-    <p:sldId id="334" r:id="rId17"/>
+    <p:sldId id="357" r:id="rId17"/>
     <p:sldId id="322" r:id="rId18"/>
     <p:sldId id="313" r:id="rId19"/>
     <p:sldId id="352" r:id="rId20"/>
-    <p:sldId id="335" r:id="rId21"/>
+    <p:sldId id="358" r:id="rId21"/>
     <p:sldId id="326" r:id="rId22"/>
-    <p:sldId id="329" r:id="rId23"/>
-    <p:sldId id="314" r:id="rId24"/>
-    <p:sldId id="353" r:id="rId25"/>
-    <p:sldId id="336" r:id="rId26"/>
-    <p:sldId id="337" r:id="rId27"/>
-    <p:sldId id="338" r:id="rId28"/>
-    <p:sldId id="339" r:id="rId29"/>
-    <p:sldId id="340" r:id="rId30"/>
-    <p:sldId id="341" r:id="rId31"/>
-    <p:sldId id="342" r:id="rId32"/>
-    <p:sldId id="354" r:id="rId33"/>
-    <p:sldId id="343" r:id="rId34"/>
-    <p:sldId id="344" r:id="rId35"/>
-    <p:sldId id="345" r:id="rId36"/>
-    <p:sldId id="346" r:id="rId37"/>
-    <p:sldId id="347" r:id="rId38"/>
-    <p:sldId id="355" r:id="rId39"/>
-    <p:sldId id="348" r:id="rId40"/>
-    <p:sldId id="349" r:id="rId41"/>
-    <p:sldId id="356" r:id="rId42"/>
+    <p:sldId id="314" r:id="rId23"/>
+    <p:sldId id="353" r:id="rId24"/>
+    <p:sldId id="359" r:id="rId25"/>
+    <p:sldId id="344" r:id="rId26"/>
+    <p:sldId id="345" r:id="rId27"/>
+    <p:sldId id="346" r:id="rId28"/>
+    <p:sldId id="347" r:id="rId29"/>
+    <p:sldId id="355" r:id="rId30"/>
+    <p:sldId id="360" r:id="rId31"/>
+    <p:sldId id="349" r:id="rId32"/>
+    <p:sldId id="356" r:id="rId33"/>
   </p:sldIdLst>
   <p:sldSz cx="12192000" cy="6858000"/>
   <p:notesSz cx="6858000" cy="9144000"/>
@@ -237,7 +228,7 @@
           <a:p>
             <a:fld id="{7658ED9B-649B-4A15-B2F1-1E96723C7FC4}" type="datetimeFigureOut">
               <a:rPr lang="en-US" smtClean="0"/>
-              <a:t>1/21/2018</a:t>
+              <a:t>2/4/2018</a:t>
             </a:fld>
             <a:endParaRPr lang="en-US"/>
           </a:p>
@@ -1493,7 +1484,7 @@
     </p:spTree>
     <p:extLst>
       <p:ext uri="{BB962C8B-B14F-4D97-AF65-F5344CB8AC3E}">
-        <p14:creationId xmlns:p14="http://schemas.microsoft.com/office/powerpoint/2010/main" val="1414101353"/>
+        <p14:creationId xmlns:p14="http://schemas.microsoft.com/office/powerpoint/2010/main" val="3157514306"/>
       </p:ext>
     </p:extLst>
   </p:cSld>
@@ -2232,7 +2223,7 @@
     </p:spTree>
     <p:extLst>
       <p:ext uri="{BB962C8B-B14F-4D97-AF65-F5344CB8AC3E}">
-        <p14:creationId xmlns:p14="http://schemas.microsoft.com/office/powerpoint/2010/main" val="1659313285"/>
+        <p14:creationId xmlns:p14="http://schemas.microsoft.com/office/powerpoint/2010/main" val="958987325"/>
       </p:ext>
     </p:extLst>
   </p:cSld>
@@ -2408,101 +2399,45 @@
           <a:bodyPr/>
           <a:lstStyle/>
           <a:p>
-            <a:pPr marL="171450" indent="-171450">
+            <a:r>
+              <a:rPr lang="en-US" dirty="0" smtClean="0"/>
+              <a:t>Let’s go through some</a:t>
+            </a:r>
+            <a:r>
+              <a:rPr lang="en-US" baseline="0" dirty="0" smtClean="0"/>
+              <a:t> more examples.</a:t>
+            </a:r>
+          </a:p>
+          <a:p>
+            <a:pPr marL="628650" lvl="1" indent="-171450">
               <a:buFont typeface="Arial" panose="020B0604020202020204" pitchFamily="34" charset="0"/>
               <a:buChar char="•"/>
             </a:pPr>
             <a:r>
               <a:rPr lang="en-US" baseline="0" dirty="0" smtClean="0"/>
-              <a:t>The module design pattern allows you to use functions for more than just an action.</a:t>
-            </a:r>
-          </a:p>
-          <a:p>
-            <a:pPr marL="171450" indent="-171450">
+              <a:t>Create basic functions</a:t>
+            </a:r>
+          </a:p>
+          <a:p>
+            <a:pPr marL="628650" lvl="1" indent="-171450">
               <a:buFont typeface="Arial" panose="020B0604020202020204" pitchFamily="34" charset="0"/>
               <a:buChar char="•"/>
             </a:pPr>
             <a:r>
               <a:rPr lang="en-US" baseline="0" dirty="0" smtClean="0"/>
-              <a:t>It appears to be more like an object.</a:t>
-            </a:r>
-          </a:p>
-          <a:p>
-            <a:pPr marL="171450" indent="-171450">
+              <a:t>Create functions in functions</a:t>
+            </a:r>
+          </a:p>
+          <a:p>
+            <a:pPr marL="628650" lvl="1" indent="-171450">
               <a:buFont typeface="Arial" panose="020B0604020202020204" pitchFamily="34" charset="0"/>
               <a:buChar char="•"/>
             </a:pPr>
             <a:r>
               <a:rPr lang="en-US" baseline="0" dirty="0" smtClean="0"/>
-              <a:t>This is not complete object oriented behavior because there is not inheritance or interfaces, but it is somewhat close.</a:t>
-            </a:r>
-          </a:p>
-          <a:p>
-            <a:pPr marL="171450" indent="-171450">
-              <a:buFont typeface="Arial" panose="020B0604020202020204" pitchFamily="34" charset="0"/>
-              <a:buChar char="•"/>
-            </a:pPr>
-            <a:r>
-              <a:rPr lang="en-US" baseline="0" dirty="0" smtClean="0"/>
-              <a:t>You can fake it.</a:t>
-            </a:r>
-          </a:p>
-          <a:p>
-            <a:pPr marL="171450" indent="-171450">
-              <a:buFont typeface="Arial" panose="020B0604020202020204" pitchFamily="34" charset="0"/>
-              <a:buChar char="•"/>
-            </a:pPr>
-            <a:r>
-              <a:rPr lang="en-US" baseline="0" dirty="0" smtClean="0"/>
-              <a:t>Just be careful because functions won’t act exactly like classes.</a:t>
-            </a:r>
-          </a:p>
-          <a:p>
-            <a:pPr marL="171450" indent="-171450">
-              <a:buFont typeface="Arial" panose="020B0604020202020204" pitchFamily="34" charset="0"/>
-              <a:buChar char="•"/>
-            </a:pPr>
-            <a:r>
-              <a:rPr lang="en-US" baseline="0" dirty="0" smtClean="0"/>
-              <a:t>You do this by creating a function and then adding variables and functions inside.</a:t>
-            </a:r>
-          </a:p>
-          <a:p>
-            <a:pPr marL="171450" indent="-171450">
-              <a:buFont typeface="Arial" panose="020B0604020202020204" pitchFamily="34" charset="0"/>
-              <a:buChar char="•"/>
-            </a:pPr>
-            <a:r>
-              <a:rPr lang="en-US" baseline="0" dirty="0" smtClean="0"/>
-              <a:t>You return the functions so they can be called anywhere using the [function name].[inner function]() name syntax.</a:t>
-            </a:r>
-          </a:p>
-          <a:p>
-            <a:pPr marL="171450" indent="-171450">
-              <a:buFont typeface="Arial" panose="020B0604020202020204" pitchFamily="34" charset="0"/>
-              <a:buChar char="•"/>
-            </a:pPr>
-            <a:r>
-              <a:rPr lang="en-US" baseline="0" dirty="0" smtClean="0"/>
-              <a:t>This is referred to as a closure.</a:t>
-            </a:r>
-          </a:p>
-          <a:p>
-            <a:pPr marL="171450" indent="-171450">
-              <a:buFont typeface="Arial" panose="020B0604020202020204" pitchFamily="34" charset="0"/>
-              <a:buChar char="•"/>
-            </a:pPr>
-            <a:r>
-              <a:rPr lang="en-US" dirty="0" smtClean="0"/>
-              <a:t>Example:  </a:t>
-            </a:r>
-            <a:r>
-              <a:rPr lang="en-US" dirty="0" smtClean="0">
-                <a:hlinkClick r:id="rId3"/>
-              </a:rPr>
-              <a:t>https://toddmotto.com/everything-you-wanted-to-know-about-javascript-scope/</a:t>
-            </a:r>
-            <a:endParaRPr lang="en-US" dirty="0" smtClean="0"/>
+              <a:t>Create closures</a:t>
+            </a:r>
+            <a:endParaRPr lang="en-US" dirty="0"/>
           </a:p>
         </p:txBody>
       </p:sp>
@@ -2521,7 +2456,7 @@
           <a:bodyPr/>
           <a:lstStyle/>
           <a:p>
-            <a:fld id="{90562276-63C7-43F9-8E9E-CFA137F6F839}" type="slidenum">
+            <a:fld id="{E8F9512B-53BD-443C-8F91-F98E68B80672}" type="slidenum">
               <a:rPr lang="en-US" smtClean="0"/>
               <a:t>22</a:t>
             </a:fld>
@@ -2532,7 +2467,7 @@
     </p:spTree>
     <p:extLst>
       <p:ext uri="{BB962C8B-B14F-4D97-AF65-F5344CB8AC3E}">
-        <p14:creationId xmlns:p14="http://schemas.microsoft.com/office/powerpoint/2010/main" val="1506992869"/>
+        <p14:creationId xmlns:p14="http://schemas.microsoft.com/office/powerpoint/2010/main" val="77084830"/>
       </p:ext>
     </p:extLst>
   </p:cSld>
@@ -2586,44 +2521,53 @@
           <a:bodyPr/>
           <a:lstStyle/>
           <a:p>
-            <a:r>
-              <a:rPr lang="en-US" dirty="0" smtClean="0"/>
-              <a:t>Let’s go through some</a:t>
-            </a:r>
-            <a:r>
-              <a:rPr lang="en-US" baseline="0" dirty="0" smtClean="0"/>
-              <a:t> more examples.</a:t>
-            </a:r>
-          </a:p>
-          <a:p>
-            <a:pPr marL="628650" lvl="1" indent="-171450">
+            <a:pPr marL="171450" lvl="0" indent="-171450">
               <a:buFont typeface="Arial" panose="020B0604020202020204" pitchFamily="34" charset="0"/>
               <a:buChar char="•"/>
             </a:pPr>
             <a:r>
-              <a:rPr lang="en-US" baseline="0" dirty="0" smtClean="0"/>
-              <a:t>Create basic functions</a:t>
-            </a:r>
-          </a:p>
-          <a:p>
-            <a:pPr marL="628650" lvl="1" indent="-171450">
+              <a:rPr lang="en-US" sz="1200" kern="1200" dirty="0" smtClean="0">
+                <a:solidFill>
+                  <a:schemeClr val="tx1"/>
+                </a:solidFill>
+                <a:effectLst/>
+                <a:latin typeface="+mn-lt"/>
+                <a:ea typeface="+mn-ea"/>
+                <a:cs typeface="+mn-cs"/>
+              </a:rPr>
+              <a:t>Write a method definition that does not return anything and takes two integers as parameters.</a:t>
+            </a:r>
+          </a:p>
+          <a:p>
+            <a:pPr marL="171450" lvl="0" indent="-171450">
               <a:buFont typeface="Arial" panose="020B0604020202020204" pitchFamily="34" charset="0"/>
               <a:buChar char="•"/>
             </a:pPr>
             <a:r>
-              <a:rPr lang="en-US" baseline="0" dirty="0" smtClean="0"/>
-              <a:t>Create functions in functions</a:t>
-            </a:r>
-          </a:p>
-          <a:p>
-            <a:pPr marL="628650" lvl="1" indent="-171450">
+              <a:rPr lang="en-US" sz="1200" kern="1200" dirty="0" smtClean="0">
+                <a:solidFill>
+                  <a:schemeClr val="tx1"/>
+                </a:solidFill>
+                <a:effectLst/>
+                <a:latin typeface="+mn-lt"/>
+                <a:ea typeface="+mn-ea"/>
+                <a:cs typeface="+mn-cs"/>
+              </a:rPr>
+              <a:t>Write a method definition that returns a string and takes two integers as parameters.</a:t>
+            </a:r>
+          </a:p>
+          <a:p>
+            <a:pPr marL="457200" lvl="1" indent="0">
               <a:buFont typeface="Arial" panose="020B0604020202020204" pitchFamily="34" charset="0"/>
-              <a:buChar char="•"/>
-            </a:pPr>
-            <a:r>
-              <a:rPr lang="en-US" baseline="0" dirty="0" smtClean="0"/>
-              <a:t>Create closures</a:t>
-            </a:r>
+              <a:buNone/>
+            </a:pPr>
+            <a:endParaRPr lang="en-US" dirty="0" smtClean="0"/>
+          </a:p>
+          <a:p>
+            <a:pPr marL="457200" lvl="1" indent="0">
+              <a:buFont typeface="Arial" panose="020B0604020202020204" pitchFamily="34" charset="0"/>
+              <a:buNone/>
+            </a:pPr>
             <a:endParaRPr lang="en-US" dirty="0"/>
           </a:p>
         </p:txBody>
@@ -2643,7 +2587,7 @@
           <a:bodyPr/>
           <a:lstStyle/>
           <a:p>
-            <a:fld id="{E8F9512B-53BD-443C-8F91-F98E68B80672}" type="slidenum">
+            <a:fld id="{226FA58D-4B12-4E7B-A2FA-693CE3EACDFD}" type="slidenum">
               <a:rPr lang="en-US" smtClean="0"/>
               <a:t>23</a:t>
             </a:fld>
@@ -2654,7 +2598,7 @@
     </p:spTree>
     <p:extLst>
       <p:ext uri="{BB962C8B-B14F-4D97-AF65-F5344CB8AC3E}">
-        <p14:creationId xmlns:p14="http://schemas.microsoft.com/office/powerpoint/2010/main" val="77084830"/>
+        <p14:creationId xmlns:p14="http://schemas.microsoft.com/office/powerpoint/2010/main" val="4160319939"/>
       </p:ext>
     </p:extLst>
   </p:cSld>
@@ -2708,52 +2652,9 @@
           <a:bodyPr/>
           <a:lstStyle/>
           <a:p>
-            <a:pPr marL="171450" lvl="0" indent="-171450">
+            <a:pPr marL="171450" indent="-171450">
               <a:buFont typeface="Arial" panose="020B0604020202020204" pitchFamily="34" charset="0"/>
               <a:buChar char="•"/>
-            </a:pPr>
-            <a:r>
-              <a:rPr lang="en-US" sz="1200" kern="1200" dirty="0" smtClean="0">
-                <a:solidFill>
-                  <a:schemeClr val="tx1"/>
-                </a:solidFill>
-                <a:effectLst/>
-                <a:latin typeface="+mn-lt"/>
-                <a:ea typeface="+mn-ea"/>
-                <a:cs typeface="+mn-cs"/>
-              </a:rPr>
-              <a:t>Write a method definition that does not return anything and takes two integers as parameters.</a:t>
-            </a:r>
-          </a:p>
-          <a:p>
-            <a:pPr marL="171450" lvl="0" indent="-171450">
-              <a:buFont typeface="Arial" panose="020B0604020202020204" pitchFamily="34" charset="0"/>
-              <a:buChar char="•"/>
-            </a:pPr>
-            <a:r>
-              <a:rPr lang="en-US" sz="1200" kern="1200" dirty="0" smtClean="0">
-                <a:solidFill>
-                  <a:schemeClr val="tx1"/>
-                </a:solidFill>
-                <a:effectLst/>
-                <a:latin typeface="+mn-lt"/>
-                <a:ea typeface="+mn-ea"/>
-                <a:cs typeface="+mn-cs"/>
-              </a:rPr>
-              <a:t>Write a method definition that returns a string and takes two integers as parameters.</a:t>
-            </a:r>
-          </a:p>
-          <a:p>
-            <a:pPr marL="457200" lvl="1" indent="0">
-              <a:buFont typeface="Arial" panose="020B0604020202020204" pitchFamily="34" charset="0"/>
-              <a:buNone/>
-            </a:pPr>
-            <a:endParaRPr lang="en-US" dirty="0" smtClean="0"/>
-          </a:p>
-          <a:p>
-            <a:pPr marL="457200" lvl="1" indent="0">
-              <a:buFont typeface="Arial" panose="020B0604020202020204" pitchFamily="34" charset="0"/>
-              <a:buNone/>
             </a:pPr>
             <a:endParaRPr lang="en-US" dirty="0"/>
           </a:p>
@@ -2785,7 +2686,7 @@
     </p:spTree>
     <p:extLst>
       <p:ext uri="{BB962C8B-B14F-4D97-AF65-F5344CB8AC3E}">
-        <p14:creationId xmlns:p14="http://schemas.microsoft.com/office/powerpoint/2010/main" val="4160319939"/>
+        <p14:creationId xmlns:p14="http://schemas.microsoft.com/office/powerpoint/2010/main" val="2382750222"/>
       </p:ext>
     </p:extLst>
   </p:cSld>
@@ -2843,7 +2744,90 @@
               <a:buFont typeface="Arial" panose="020B0604020202020204" pitchFamily="34" charset="0"/>
               <a:buChar char="•"/>
             </a:pPr>
-            <a:endParaRPr lang="en-US" dirty="0"/>
+            <a:r>
+              <a:rPr lang="en-US" baseline="0" dirty="0" smtClean="0"/>
+              <a:t>Typescript is a preprocessor it is a superset of the </a:t>
+            </a:r>
+            <a:r>
+              <a:rPr lang="en-US" baseline="0" dirty="0" err="1" smtClean="0"/>
+              <a:t>Javascript</a:t>
+            </a:r>
+            <a:r>
+              <a:rPr lang="en-US" baseline="0" dirty="0" smtClean="0"/>
+              <a:t> language.</a:t>
+            </a:r>
+          </a:p>
+          <a:p>
+            <a:pPr marL="171450" indent="-171450">
+              <a:buFont typeface="Arial" panose="020B0604020202020204" pitchFamily="34" charset="0"/>
+              <a:buChar char="•"/>
+            </a:pPr>
+            <a:r>
+              <a:rPr lang="en-US" baseline="0" dirty="0" smtClean="0"/>
+              <a:t>This means it is a language that uses </a:t>
+            </a:r>
+            <a:r>
+              <a:rPr lang="en-US" baseline="0" dirty="0" err="1" smtClean="0"/>
+              <a:t>Javascript</a:t>
+            </a:r>
+            <a:r>
+              <a:rPr lang="en-US" baseline="0" dirty="0" smtClean="0"/>
+              <a:t>, but adds to it.</a:t>
+            </a:r>
+          </a:p>
+          <a:p>
+            <a:pPr marL="171450" indent="-171450">
+              <a:buFont typeface="Arial" panose="020B0604020202020204" pitchFamily="34" charset="0"/>
+              <a:buChar char="•"/>
+            </a:pPr>
+            <a:r>
+              <a:rPr lang="en-US" baseline="0" dirty="0" smtClean="0"/>
+              <a:t>Before you run the website the </a:t>
+            </a:r>
+            <a:r>
+              <a:rPr lang="en-US" baseline="0" dirty="0" err="1" smtClean="0"/>
+              <a:t>TypeScript</a:t>
+            </a:r>
+            <a:r>
+              <a:rPr lang="en-US" baseline="0" dirty="0" smtClean="0"/>
+              <a:t> files are </a:t>
+            </a:r>
+            <a:r>
+              <a:rPr lang="en-US" baseline="0" dirty="0" err="1" smtClean="0"/>
+              <a:t>transpiled</a:t>
+            </a:r>
+            <a:r>
+              <a:rPr lang="en-US" baseline="0" dirty="0" smtClean="0"/>
+              <a:t> into regular </a:t>
+            </a:r>
+            <a:r>
+              <a:rPr lang="en-US" baseline="0" dirty="0" err="1" smtClean="0"/>
+              <a:t>Javascript</a:t>
+            </a:r>
+            <a:r>
+              <a:rPr lang="en-US" baseline="0" dirty="0" smtClean="0"/>
+              <a:t>.</a:t>
+            </a:r>
+          </a:p>
+          <a:p>
+            <a:pPr marL="171450" indent="-171450">
+              <a:buFont typeface="Arial" panose="020B0604020202020204" pitchFamily="34" charset="0"/>
+              <a:buChar char="•"/>
+            </a:pPr>
+            <a:r>
+              <a:rPr lang="en-US" baseline="0" dirty="0" smtClean="0"/>
+              <a:t>Typescript is strongly typed and offers support for generics, classes, interfaces, and namespaces.</a:t>
+            </a:r>
+          </a:p>
+          <a:p>
+            <a:pPr marL="171450" indent="-171450">
+              <a:buFont typeface="Arial" panose="020B0604020202020204" pitchFamily="34" charset="0"/>
+              <a:buChar char="•"/>
+            </a:pPr>
+            <a:r>
+              <a:rPr lang="en-US" baseline="0" dirty="0" smtClean="0"/>
+              <a:t>This gives the developer the feel of developing in an object oriented language.</a:t>
+            </a:r>
           </a:p>
         </p:txBody>
       </p:sp>
@@ -2862,7 +2846,7 @@
           <a:bodyPr/>
           <a:lstStyle/>
           <a:p>
-            <a:fld id="{226FA58D-4B12-4E7B-A2FA-693CE3EACDFD}" type="slidenum">
+            <a:fld id="{90562276-63C7-43F9-8E9E-CFA137F6F839}" type="slidenum">
               <a:rPr lang="en-US" smtClean="0"/>
               <a:t>25</a:t>
             </a:fld>
@@ -2873,7 +2857,7 @@
     </p:spTree>
     <p:extLst>
       <p:ext uri="{BB962C8B-B14F-4D97-AF65-F5344CB8AC3E}">
-        <p14:creationId xmlns:p14="http://schemas.microsoft.com/office/powerpoint/2010/main" val="457913569"/>
+        <p14:creationId xmlns:p14="http://schemas.microsoft.com/office/powerpoint/2010/main" val="4155806955"/>
       </p:ext>
     </p:extLst>
   </p:cSld>
@@ -2932,8 +2916,16 @@
               <a:buChar char="•"/>
             </a:pPr>
             <a:r>
-              <a:rPr lang="en-US" baseline="0" dirty="0" smtClean="0"/>
-              <a:t>The DOM is the document object model.</a:t>
+              <a:rPr lang="en-US" dirty="0" smtClean="0"/>
+              <a:t>These are the types that can be specified in </a:t>
+            </a:r>
+            <a:r>
+              <a:rPr lang="en-US" dirty="0" err="1" smtClean="0"/>
+              <a:t>TypeScript</a:t>
+            </a:r>
+            <a:r>
+              <a:rPr lang="en-US" dirty="0" smtClean="0"/>
+              <a:t>.</a:t>
             </a:r>
           </a:p>
           <a:p>
@@ -2942,8 +2934,20 @@
               <a:buChar char="•"/>
             </a:pPr>
             <a:r>
+              <a:rPr lang="en-US" dirty="0" smtClean="0"/>
+              <a:t>They mostly</a:t>
+            </a:r>
+            <a:r>
               <a:rPr lang="en-US" baseline="0" dirty="0" smtClean="0"/>
-              <a:t>The browser creates the model when the page is loaded.</a:t>
+              <a:t> map to the </a:t>
+            </a:r>
+            <a:r>
+              <a:rPr lang="en-US" baseline="0" dirty="0" err="1" smtClean="0"/>
+              <a:t>Javascript</a:t>
+            </a:r>
+            <a:r>
+              <a:rPr lang="en-US" baseline="0" dirty="0" smtClean="0"/>
+              <a:t> types.</a:t>
             </a:r>
           </a:p>
           <a:p>
@@ -2953,7 +2957,7 @@
             </a:pPr>
             <a:r>
               <a:rPr lang="en-US" baseline="0" dirty="0" smtClean="0"/>
-              <a:t>The DOM is specified by the W3C standard.</a:t>
+              <a:t>You have Number, String, Boolean, Void, Null, and Undefined.</a:t>
             </a:r>
           </a:p>
           <a:p>
@@ -2963,7 +2967,7 @@
             </a:pPr>
             <a:r>
               <a:rPr lang="en-US" baseline="0" dirty="0" smtClean="0"/>
-              <a:t>There is the Core DOM, XML DOM, and HTML DOM.</a:t>
+              <a:t>Then there are user-defined types.</a:t>
             </a:r>
           </a:p>
           <a:p>
@@ -2973,35 +2977,9 @@
             </a:pPr>
             <a:r>
               <a:rPr lang="en-US" baseline="0" dirty="0" smtClean="0"/>
-              <a:t>We will focus on the HTML DOM</a:t>
-            </a:r>
-          </a:p>
-          <a:p>
-            <a:pPr marL="171450" indent="-171450">
-              <a:buFont typeface="Arial" panose="020B0604020202020204" pitchFamily="34" charset="0"/>
-              <a:buChar char="•"/>
-            </a:pPr>
-            <a:r>
-              <a:rPr lang="en-US" baseline="0" dirty="0" smtClean="0"/>
-              <a:t>In the DOM every element is an object.</a:t>
-            </a:r>
-          </a:p>
-          <a:p>
-            <a:pPr marL="171450" indent="-171450">
-              <a:buFont typeface="Arial" panose="020B0604020202020204" pitchFamily="34" charset="0"/>
-              <a:buChar char="•"/>
-            </a:pPr>
-            <a:r>
-              <a:rPr lang="en-US" dirty="0" smtClean="0"/>
-              <a:t>Diagram:  </a:t>
-            </a:r>
-            <a:r>
-              <a:rPr lang="en-US" dirty="0" smtClean="0">
-                <a:hlinkClick r:id="rId3"/>
-              </a:rPr>
-              <a:t>https://www.w3schools.com/js/js_htmldom.asp</a:t>
-            </a:r>
-            <a:endParaRPr lang="en-US" dirty="0" smtClean="0"/>
+              <a:t>Like in C#, anyone can create user-defined types.</a:t>
+            </a:r>
+            <a:endParaRPr lang="en-US" dirty="0"/>
           </a:p>
         </p:txBody>
       </p:sp>
@@ -3020,7 +2998,7 @@
           <a:bodyPr/>
           <a:lstStyle/>
           <a:p>
-            <a:fld id="{90562276-63C7-43F9-8E9E-CFA137F6F839}" type="slidenum">
+            <a:fld id="{E090B8CA-1AD8-477E-9569-51E0CFA26921}" type="slidenum">
               <a:rPr lang="en-US" smtClean="0"/>
               <a:t>26</a:t>
             </a:fld>
@@ -3031,7 +3009,7 @@
     </p:spTree>
     <p:extLst>
       <p:ext uri="{BB962C8B-B14F-4D97-AF65-F5344CB8AC3E}">
-        <p14:creationId xmlns:p14="http://schemas.microsoft.com/office/powerpoint/2010/main" val="2578434988"/>
+        <p14:creationId xmlns:p14="http://schemas.microsoft.com/office/powerpoint/2010/main" val="2531951673"/>
       </p:ext>
     </p:extLst>
   </p:cSld>
@@ -3091,7 +3069,15 @@
             </a:pPr>
             <a:r>
               <a:rPr lang="en-US" baseline="0" dirty="0" smtClean="0"/>
-              <a:t>Here are different ways to get the elements / objects.</a:t>
+              <a:t>Here is the </a:t>
+            </a:r>
+            <a:r>
+              <a:rPr lang="en-US" baseline="0" dirty="0" err="1" smtClean="0"/>
+              <a:t>TypeScript</a:t>
+            </a:r>
+            <a:r>
+              <a:rPr lang="en-US" baseline="0" dirty="0" smtClean="0"/>
+              <a:t> syntax.</a:t>
             </a:r>
           </a:p>
           <a:p>
@@ -3100,12 +3086,32 @@
               <a:buChar char="•"/>
             </a:pPr>
             <a:r>
+              <a:rPr lang="en-US" baseline="0" dirty="0" smtClean="0"/>
+              <a:t>The files are .</a:t>
+            </a:r>
+            <a:r>
               <a:rPr lang="en-US" baseline="0" dirty="0" err="1" smtClean="0"/>
-              <a:t>getElementById</a:t>
+              <a:t>ts</a:t>
             </a:r>
             <a:r>
               <a:rPr lang="en-US" baseline="0" dirty="0" smtClean="0"/>
-              <a:t> gets the element object based upon its id.</a:t>
+              <a:t> files.  These are the ones that get </a:t>
+            </a:r>
+            <a:r>
+              <a:rPr lang="en-US" baseline="0" dirty="0" err="1" smtClean="0"/>
+              <a:t>transpiled</a:t>
+            </a:r>
+            <a:r>
+              <a:rPr lang="en-US" baseline="0" dirty="0" smtClean="0"/>
+              <a:t> into .</a:t>
+            </a:r>
+            <a:r>
+              <a:rPr lang="en-US" baseline="0" dirty="0" err="1" smtClean="0"/>
+              <a:t>js</a:t>
+            </a:r>
+            <a:r>
+              <a:rPr lang="en-US" baseline="0" dirty="0" smtClean="0"/>
+              <a:t> files.</a:t>
             </a:r>
           </a:p>
           <a:p>
@@ -3114,12 +3120,8 @@
               <a:buChar char="•"/>
             </a:pPr>
             <a:r>
-              <a:rPr lang="en-US" baseline="0" dirty="0" err="1" smtClean="0"/>
-              <a:t>getElementsByTagName</a:t>
-            </a:r>
-            <a:r>
               <a:rPr lang="en-US" baseline="0" dirty="0" smtClean="0"/>
-              <a:t> gets all elements / objects with a particular name</a:t>
+              <a:t>A variable declaration is done by using let followed by the variable name : variable type = the value.</a:t>
             </a:r>
           </a:p>
           <a:p>
@@ -3128,12 +3130,8 @@
               <a:buChar char="•"/>
             </a:pPr>
             <a:r>
-              <a:rPr lang="en-US" baseline="0" dirty="0" err="1" smtClean="0"/>
-              <a:t>getElementsByClassName</a:t>
-            </a:r>
-            <a:r>
               <a:rPr lang="en-US" baseline="0" dirty="0" smtClean="0"/>
-              <a:t> gets all elements / objects with a class name</a:t>
+              <a:t>Functions can also use the type as parameters and as a return type.</a:t>
             </a:r>
           </a:p>
           <a:p>
@@ -3142,72 +3140,9 @@
               <a:buChar char="•"/>
             </a:pPr>
             <a:r>
-              <a:rPr lang="en-US" baseline="0" dirty="0" err="1" smtClean="0"/>
-              <a:t>document.querySelectorAll</a:t>
-            </a:r>
-            <a:r>
               <a:rPr lang="en-US" baseline="0" dirty="0" smtClean="0"/>
-              <a:t> gets all objects based upon the </a:t>
-            </a:r>
-            <a:r>
-              <a:rPr lang="en-US" baseline="0" dirty="0" err="1" smtClean="0"/>
-              <a:t>css</a:t>
-            </a:r>
-            <a:r>
-              <a:rPr lang="en-US" baseline="0" dirty="0" smtClean="0"/>
-              <a:t> selector that you use.</a:t>
-            </a:r>
-          </a:p>
-          <a:p>
-            <a:pPr marL="171450" indent="-171450">
-              <a:buFont typeface="Arial" panose="020B0604020202020204" pitchFamily="34" charset="0"/>
-              <a:buChar char="•"/>
-            </a:pPr>
-            <a:r>
-              <a:rPr lang="en-US" baseline="0" dirty="0" err="1" smtClean="0"/>
-              <a:t>document.forms</a:t>
-            </a:r>
-            <a:r>
-              <a:rPr lang="en-US" baseline="0" dirty="0" smtClean="0"/>
-              <a:t>, images, lines, title get the elements / objects associated with what you think they would.</a:t>
-            </a:r>
-          </a:p>
-          <a:p>
-            <a:pPr marL="171450" marR="0" lvl="0" indent="-171450" algn="l" defTabSz="914400" rtl="0" eaLnBrk="1" fontAlgn="auto" latinLnBrk="0" hangingPunct="1">
-              <a:lnSpc>
-                <a:spcPct val="100000"/>
-              </a:lnSpc>
-              <a:spcBef>
-                <a:spcPts val="0"/>
-              </a:spcBef>
-              <a:spcAft>
-                <a:spcPts val="0"/>
-              </a:spcAft>
-              <a:buClrTx/>
-              <a:buSzTx/>
-              <a:buFont typeface="Arial" panose="020B0604020202020204" pitchFamily="34" charset="0"/>
-              <a:buChar char="•"/>
-              <a:tabLst/>
-              <a:defRPr/>
-            </a:pPr>
-            <a:r>
-              <a:rPr lang="en-US" dirty="0" smtClean="0"/>
-              <a:t>Examples:  </a:t>
-            </a:r>
-            <a:r>
-              <a:rPr lang="en-US" dirty="0" smtClean="0">
-                <a:hlinkClick r:id="rId3"/>
-              </a:rPr>
-              <a:t>https://www.w3schools.com/js/js_htmldom_elements.asp</a:t>
-            </a:r>
-            <a:endParaRPr lang="en-US" baseline="0" dirty="0" smtClean="0"/>
-          </a:p>
-          <a:p>
-            <a:pPr marL="171450" indent="-171450">
-              <a:buFont typeface="Arial" panose="020B0604020202020204" pitchFamily="34" charset="0"/>
-              <a:buChar char="•"/>
-            </a:pPr>
-            <a:endParaRPr lang="en-US" baseline="0" dirty="0" smtClean="0"/>
+              <a:t>Let’s look at the example.</a:t>
+            </a:r>
           </a:p>
         </p:txBody>
       </p:sp>
@@ -3237,7 +3172,7 @@
     </p:spTree>
     <p:extLst>
       <p:ext uri="{BB962C8B-B14F-4D97-AF65-F5344CB8AC3E}">
-        <p14:creationId xmlns:p14="http://schemas.microsoft.com/office/powerpoint/2010/main" val="2205526067"/>
+        <p14:creationId xmlns:p14="http://schemas.microsoft.com/office/powerpoint/2010/main" val="395620764"/>
       </p:ext>
     </p:extLst>
   </p:cSld>
@@ -3291,88 +3226,165 @@
           <a:bodyPr/>
           <a:lstStyle/>
           <a:p>
-            <a:pPr marL="171450" indent="-171450">
+            <a:r>
+              <a:rPr lang="en-US" dirty="0" smtClean="0"/>
+              <a:t>Let’s go</a:t>
+            </a:r>
+            <a:r>
+              <a:rPr lang="en-US" baseline="0" dirty="0" smtClean="0"/>
+              <a:t> through some examples.</a:t>
+            </a:r>
+          </a:p>
+          <a:p>
+            <a:pPr marL="628650" lvl="1" indent="-171450">
               <a:buFont typeface="Arial" panose="020B0604020202020204" pitchFamily="34" charset="0"/>
               <a:buChar char="•"/>
             </a:pPr>
             <a:r>
+              <a:rPr lang="en-US" baseline="0" dirty="0" err="1" smtClean="0"/>
+              <a:t>getByElementID</a:t>
+            </a:r>
+            <a:r>
               <a:rPr lang="en-US" baseline="0" dirty="0" smtClean="0"/>
-              <a:t>You can update the html within an element by using the </a:t>
-            </a:r>
-            <a:r>
-              <a:rPr lang="en-US" baseline="0" dirty="0" err="1" smtClean="0"/>
-              <a:t>innerHTML</a:t>
-            </a:r>
-            <a:r>
-              <a:rPr lang="en-US" baseline="0" dirty="0" smtClean="0"/>
-              <a:t> property.</a:t>
-            </a:r>
-          </a:p>
-          <a:p>
-            <a:pPr marL="171450" indent="-171450">
+              <a:t> example</a:t>
+            </a:r>
+          </a:p>
+          <a:p>
+            <a:pPr marL="628650" lvl="1" indent="-171450">
               <a:buFont typeface="Arial" panose="020B0604020202020204" pitchFamily="34" charset="0"/>
               <a:buChar char="•"/>
             </a:pPr>
             <a:r>
+              <a:rPr lang="en-US" baseline="0" dirty="0" err="1" smtClean="0"/>
+              <a:t>GetByClassName</a:t>
+            </a:r>
+            <a:r>
               <a:rPr lang="en-US" baseline="0" dirty="0" smtClean="0"/>
-              <a:t>You can update attributes by specifying the attribute name or by using the </a:t>
-            </a:r>
-            <a:r>
-              <a:rPr lang="en-US" baseline="0" dirty="0" err="1" smtClean="0"/>
-              <a:t>setAttribute</a:t>
-            </a:r>
-            <a:r>
-              <a:rPr lang="en-US" baseline="0" dirty="0" smtClean="0"/>
-              <a:t> method.</a:t>
-            </a:r>
-          </a:p>
-          <a:p>
-            <a:pPr marL="171450" indent="-171450">
+              <a:t> example</a:t>
+            </a:r>
+          </a:p>
+          <a:p>
+            <a:pPr marL="628650" lvl="1" indent="-171450">
               <a:buFont typeface="Arial" panose="020B0604020202020204" pitchFamily="34" charset="0"/>
               <a:buChar char="•"/>
             </a:pPr>
             <a:r>
+              <a:rPr lang="en-US" baseline="0" dirty="0" err="1" smtClean="0"/>
+              <a:t>Document.QuerySelectorAll</a:t>
+            </a:r>
+            <a:r>
               <a:rPr lang="en-US" baseline="0" dirty="0" smtClean="0"/>
-              <a:t>You can update the style property by specifying the style property followed by the property name.</a:t>
-            </a:r>
-          </a:p>
-          <a:p>
-            <a:pPr marL="171450" marR="0" lvl="0" indent="-171450" algn="l" defTabSz="914400" rtl="0" eaLnBrk="1" fontAlgn="auto" latinLnBrk="0" hangingPunct="1">
-              <a:lnSpc>
-                <a:spcPct val="100000"/>
-              </a:lnSpc>
-              <a:spcBef>
-                <a:spcPts val="0"/>
-              </a:spcBef>
-              <a:spcAft>
-                <a:spcPts val="0"/>
-              </a:spcAft>
-              <a:buClrTx/>
-              <a:buSzTx/>
+              <a:t> example</a:t>
+            </a:r>
+          </a:p>
+          <a:p>
+            <a:pPr marL="628650" lvl="1" indent="-171450">
               <a:buFont typeface="Arial" panose="020B0604020202020204" pitchFamily="34" charset="0"/>
               <a:buChar char="•"/>
-              <a:tabLst/>
-              <a:defRPr/>
-            </a:pPr>
-            <a:r>
-              <a:rPr lang="en-US" dirty="0" smtClean="0"/>
-              <a:t>Examples:  </a:t>
-            </a:r>
-            <a:r>
-              <a:rPr lang="en-US" dirty="0" smtClean="0">
-                <a:hlinkClick r:id="rId3"/>
-              </a:rPr>
-              <a:t>https://www.w3schools.com/js/js_htmldom_html.asp</a:t>
-            </a:r>
-            <a:endParaRPr lang="en-US" dirty="0" smtClean="0"/>
-          </a:p>
-          <a:p>
-            <a:pPr marL="171450" indent="-171450">
+            </a:pPr>
+            <a:r>
+              <a:rPr lang="en-US" baseline="0" dirty="0" smtClean="0"/>
+              <a:t>Inner html update</a:t>
+            </a:r>
+          </a:p>
+          <a:p>
+            <a:pPr marL="628650" lvl="1" indent="-171450">
               <a:buFont typeface="Arial" panose="020B0604020202020204" pitchFamily="34" charset="0"/>
               <a:buChar char="•"/>
             </a:pPr>
+            <a:r>
+              <a:rPr lang="en-US" baseline="0" dirty="0" smtClean="0"/>
+              <a:t>Attribute update</a:t>
+            </a:r>
+          </a:p>
+          <a:p>
+            <a:pPr marL="628650" lvl="1" indent="-171450">
+              <a:buFont typeface="Arial" panose="020B0604020202020204" pitchFamily="34" charset="0"/>
+              <a:buChar char="•"/>
+            </a:pPr>
+            <a:r>
+              <a:rPr lang="en-US" baseline="0" dirty="0" smtClean="0"/>
+              <a:t>Style update</a:t>
+            </a:r>
+          </a:p>
+          <a:p>
+            <a:pPr marL="628650" lvl="1" indent="-171450">
+              <a:buFont typeface="Arial" panose="020B0604020202020204" pitchFamily="34" charset="0"/>
+              <a:buChar char="•"/>
+            </a:pPr>
+            <a:r>
+              <a:rPr lang="en-US" baseline="0" dirty="0" smtClean="0"/>
+              <a:t>Create element</a:t>
+            </a:r>
+          </a:p>
+          <a:p>
+            <a:pPr marL="628650" lvl="1" indent="-171450">
+              <a:buFont typeface="Arial" panose="020B0604020202020204" pitchFamily="34" charset="0"/>
+              <a:buChar char="•"/>
+            </a:pPr>
+            <a:r>
+              <a:rPr lang="en-US" baseline="0" dirty="0" smtClean="0"/>
+              <a:t>Remove child</a:t>
+            </a:r>
+          </a:p>
+          <a:p>
+            <a:pPr marL="628650" lvl="1" indent="-171450">
+              <a:buFont typeface="Arial" panose="020B0604020202020204" pitchFamily="34" charset="0"/>
+              <a:buChar char="•"/>
+            </a:pPr>
+            <a:r>
+              <a:rPr lang="en-US" baseline="0" dirty="0" smtClean="0"/>
+              <a:t>Append child</a:t>
+            </a:r>
+          </a:p>
+          <a:p>
+            <a:pPr marL="628650" lvl="1" indent="-171450">
+              <a:buFont typeface="Arial" panose="020B0604020202020204" pitchFamily="34" charset="0"/>
+              <a:buChar char="•"/>
+            </a:pPr>
+            <a:r>
+              <a:rPr lang="en-US" baseline="0" dirty="0" smtClean="0"/>
+              <a:t>Replace child</a:t>
+            </a:r>
+          </a:p>
+          <a:p>
+            <a:pPr marL="628650" lvl="1" indent="-171450">
+              <a:buFont typeface="Arial" panose="020B0604020202020204" pitchFamily="34" charset="0"/>
+              <a:buChar char="•"/>
+            </a:pPr>
+            <a:r>
+              <a:rPr lang="en-US" baseline="0" dirty="0" smtClean="0"/>
+              <a:t>event</a:t>
+            </a:r>
+          </a:p>
+          <a:p>
+            <a:pPr marL="628650" lvl="1" indent="-171450">
+              <a:buFont typeface="Arial" panose="020B0604020202020204" pitchFamily="34" charset="0"/>
+              <a:buChar char="•"/>
+            </a:pPr>
             <a:endParaRPr lang="en-US" baseline="0" dirty="0" smtClean="0"/>
           </a:p>
+          <a:p>
+            <a:pPr marL="628650" lvl="1" indent="-171450">
+              <a:buFont typeface="Arial" panose="020B0604020202020204" pitchFamily="34" charset="0"/>
+              <a:buChar char="•"/>
+            </a:pPr>
+            <a:endParaRPr lang="en-US" baseline="0" dirty="0" smtClean="0"/>
+          </a:p>
+          <a:p>
+            <a:pPr marL="628650" lvl="1" indent="-171450">
+              <a:buFont typeface="Arial" panose="020B0604020202020204" pitchFamily="34" charset="0"/>
+              <a:buChar char="•"/>
+            </a:pPr>
+            <a:endParaRPr lang="en-US" baseline="0" dirty="0" smtClean="0"/>
+          </a:p>
+          <a:p>
+            <a:pPr marL="628650" lvl="1" indent="-171450">
+              <a:buFont typeface="Arial" panose="020B0604020202020204" pitchFamily="34" charset="0"/>
+              <a:buChar char="•"/>
+            </a:pPr>
+            <a:endParaRPr lang="en-US" dirty="0"/>
+          </a:p>
         </p:txBody>
       </p:sp>
       <p:sp>
@@ -3390,7 +3402,7 @@
           <a:bodyPr/>
           <a:lstStyle/>
           <a:p>
-            <a:fld id="{90562276-63C7-43F9-8E9E-CFA137F6F839}" type="slidenum">
+            <a:fld id="{E4704519-48BF-4605-AA23-905137934897}" type="slidenum">
               <a:rPr lang="en-US" smtClean="0"/>
               <a:t>28</a:t>
             </a:fld>
@@ -3401,7 +3413,7 @@
     </p:spTree>
     <p:extLst>
       <p:ext uri="{BB962C8B-B14F-4D97-AF65-F5344CB8AC3E}">
-        <p14:creationId xmlns:p14="http://schemas.microsoft.com/office/powerpoint/2010/main" val="623695567"/>
+        <p14:creationId xmlns:p14="http://schemas.microsoft.com/office/powerpoint/2010/main" val="2269837769"/>
       </p:ext>
     </p:extLst>
   </p:cSld>
@@ -3455,104 +3467,47 @@
           <a:bodyPr/>
           <a:lstStyle/>
           <a:p>
-            <a:pPr marL="171450" indent="-171450">
+            <a:pPr marL="171450" lvl="0" indent="-171450">
               <a:buFont typeface="Arial" panose="020B0604020202020204" pitchFamily="34" charset="0"/>
               <a:buChar char="•"/>
             </a:pPr>
             <a:r>
-              <a:rPr lang="en-US" baseline="0" dirty="0" smtClean="0"/>
-              <a:t>You can also dynamically creating DOM elements.</a:t>
-            </a:r>
-          </a:p>
-          <a:p>
-            <a:pPr marL="171450" indent="-171450">
+              <a:rPr lang="en-US" sz="1200" kern="1200" dirty="0" smtClean="0">
+                <a:solidFill>
+                  <a:schemeClr val="tx1"/>
+                </a:solidFill>
+                <a:effectLst/>
+                <a:latin typeface="+mn-lt"/>
+                <a:ea typeface="+mn-ea"/>
+                <a:cs typeface="+mn-cs"/>
+              </a:rPr>
+              <a:t>Write on the board a class named Car with a variable named miles and a constructor that set miles to 100.</a:t>
+            </a:r>
+          </a:p>
+          <a:p>
+            <a:pPr marL="171450" lvl="0" indent="-171450">
               <a:buFont typeface="Arial" panose="020B0604020202020204" pitchFamily="34" charset="0"/>
               <a:buChar char="•"/>
             </a:pPr>
             <a:r>
-              <a:rPr lang="en-US" baseline="0" dirty="0" smtClean="0"/>
-              <a:t>Use the </a:t>
-            </a:r>
-            <a:r>
-              <a:rPr lang="en-US" baseline="0" dirty="0" err="1" smtClean="0"/>
-              <a:t>createElement</a:t>
-            </a:r>
-            <a:r>
-              <a:rPr lang="en-US" baseline="0" dirty="0" smtClean="0"/>
-              <a:t> method to create elements.</a:t>
-            </a:r>
-          </a:p>
-          <a:p>
-            <a:pPr marL="171450" indent="-171450">
+              <a:rPr lang="en-US" sz="1200" kern="1200" dirty="0" smtClean="0">
+                <a:solidFill>
+                  <a:schemeClr val="tx1"/>
+                </a:solidFill>
+                <a:effectLst/>
+                <a:latin typeface="+mn-lt"/>
+                <a:ea typeface="+mn-ea"/>
+                <a:cs typeface="+mn-cs"/>
+              </a:rPr>
+              <a:t>Write on the board a function that returns a number and is passed a number called Miles.  The function should be named Drive.</a:t>
+            </a:r>
+          </a:p>
+          <a:p>
+            <a:pPr marL="457200" lvl="1" indent="0">
               <a:buFont typeface="Arial" panose="020B0604020202020204" pitchFamily="34" charset="0"/>
-              <a:buChar char="•"/>
-            </a:pPr>
-            <a:r>
-              <a:rPr lang="en-US" baseline="0" dirty="0" smtClean="0"/>
-              <a:t>Use the </a:t>
-            </a:r>
-            <a:r>
-              <a:rPr lang="en-US" baseline="0" dirty="0" err="1" smtClean="0"/>
-              <a:t>removeChild</a:t>
-            </a:r>
-            <a:r>
-              <a:rPr lang="en-US" baseline="0" dirty="0" smtClean="0"/>
-              <a:t> method to remove a child element.</a:t>
-            </a:r>
-          </a:p>
-          <a:p>
-            <a:pPr marL="171450" indent="-171450">
-              <a:buFont typeface="Arial" panose="020B0604020202020204" pitchFamily="34" charset="0"/>
-              <a:buChar char="•"/>
-            </a:pPr>
-            <a:r>
-              <a:rPr lang="en-US" baseline="0" dirty="0" smtClean="0"/>
-              <a:t>Use the </a:t>
-            </a:r>
-            <a:r>
-              <a:rPr lang="en-US" baseline="0" dirty="0" err="1" smtClean="0"/>
-              <a:t>appendChild</a:t>
-            </a:r>
-            <a:r>
-              <a:rPr lang="en-US" baseline="0" dirty="0" smtClean="0"/>
-              <a:t> method to append an element child.</a:t>
-            </a:r>
-          </a:p>
-          <a:p>
-            <a:pPr marL="171450" indent="-171450">
-              <a:buFont typeface="Arial" panose="020B0604020202020204" pitchFamily="34" charset="0"/>
-              <a:buChar char="•"/>
-            </a:pPr>
-            <a:r>
-              <a:rPr lang="en-US" baseline="0" dirty="0" smtClean="0"/>
-              <a:t>Use the </a:t>
-            </a:r>
-            <a:r>
-              <a:rPr lang="en-US" baseline="0" dirty="0" err="1" smtClean="0"/>
-              <a:t>replaceChild</a:t>
-            </a:r>
-            <a:r>
-              <a:rPr lang="en-US" baseline="0" dirty="0" smtClean="0"/>
-              <a:t> method to replace one element with another.</a:t>
-            </a:r>
-          </a:p>
-          <a:p>
-            <a:pPr marL="171450" indent="-171450">
-              <a:buFont typeface="Arial" panose="020B0604020202020204" pitchFamily="34" charset="0"/>
-              <a:buChar char="•"/>
-            </a:pPr>
-            <a:r>
-              <a:rPr lang="en-US" baseline="0" dirty="0" smtClean="0"/>
-              <a:t>Use </a:t>
-            </a:r>
-            <a:r>
-              <a:rPr lang="en-US" baseline="0" dirty="0" err="1" smtClean="0"/>
-              <a:t>document.Write</a:t>
-            </a:r>
-            <a:r>
-              <a:rPr lang="en-US" baseline="0" dirty="0" smtClean="0"/>
-              <a:t> method to write whatever html that you want.</a:t>
-            </a:r>
+              <a:buNone/>
+            </a:pPr>
+            <a:endParaRPr lang="en-US" dirty="0"/>
           </a:p>
         </p:txBody>
       </p:sp>
@@ -3571,7 +3526,7 @@
           <a:bodyPr/>
           <a:lstStyle/>
           <a:p>
-            <a:fld id="{90562276-63C7-43F9-8E9E-CFA137F6F839}" type="slidenum">
+            <a:fld id="{226FA58D-4B12-4E7B-A2FA-693CE3EACDFD}" type="slidenum">
               <a:rPr lang="en-US" smtClean="0"/>
               <a:t>29</a:t>
             </a:fld>
@@ -3582,7 +3537,7 @@
     </p:spTree>
     <p:extLst>
       <p:ext uri="{BB962C8B-B14F-4D97-AF65-F5344CB8AC3E}">
-        <p14:creationId xmlns:p14="http://schemas.microsoft.com/office/powerpoint/2010/main" val="2323219443"/>
+        <p14:creationId xmlns:p14="http://schemas.microsoft.com/office/powerpoint/2010/main" val="2043354485"/>
       </p:ext>
     </p:extLst>
   </p:cSld>
@@ -3815,40 +3770,7 @@
               <a:buFont typeface="Arial" panose="020B0604020202020204" pitchFamily="34" charset="0"/>
               <a:buChar char="•"/>
             </a:pPr>
-            <a:r>
-              <a:rPr lang="en-US" baseline="0" dirty="0" smtClean="0"/>
-              <a:t>There are multiple ways to handle DOM events.</a:t>
-            </a:r>
-          </a:p>
-          <a:p>
-            <a:pPr marL="171450" indent="-171450">
-              <a:buFont typeface="Arial" panose="020B0604020202020204" pitchFamily="34" charset="0"/>
-              <a:buChar char="•"/>
-            </a:pPr>
-            <a:r>
-              <a:rPr lang="en-US" baseline="0" dirty="0" smtClean="0"/>
-              <a:t>The first is by handling the event within the element itself.</a:t>
-            </a:r>
-          </a:p>
-          <a:p>
-            <a:pPr marL="171450" indent="-171450">
-              <a:buFont typeface="Arial" panose="020B0604020202020204" pitchFamily="34" charset="0"/>
-              <a:buChar char="•"/>
-            </a:pPr>
-            <a:r>
-              <a:rPr lang="en-US" baseline="0" dirty="0" smtClean="0"/>
-              <a:t>Another way is to get the element and specifying the method.</a:t>
-            </a:r>
-          </a:p>
-          <a:p>
-            <a:pPr marL="171450" indent="-171450">
-              <a:buFont typeface="Arial" panose="020B0604020202020204" pitchFamily="34" charset="0"/>
-              <a:buChar char="•"/>
-            </a:pPr>
-            <a:r>
-              <a:rPr lang="en-US" baseline="0" dirty="0" smtClean="0"/>
-              <a:t>Also, you can get the element and add the event listener.</a:t>
-            </a:r>
+            <a:endParaRPr lang="en-US" dirty="0"/>
           </a:p>
         </p:txBody>
       </p:sp>
@@ -3867,7 +3789,7 @@
           <a:bodyPr/>
           <a:lstStyle/>
           <a:p>
-            <a:fld id="{90562276-63C7-43F9-8E9E-CFA137F6F839}" type="slidenum">
+            <a:fld id="{226FA58D-4B12-4E7B-A2FA-693CE3EACDFD}" type="slidenum">
               <a:rPr lang="en-US" smtClean="0"/>
               <a:t>30</a:t>
             </a:fld>
@@ -3878,7 +3800,7 @@
     </p:spTree>
     <p:extLst>
       <p:ext uri="{BB962C8B-B14F-4D97-AF65-F5344CB8AC3E}">
-        <p14:creationId xmlns:p14="http://schemas.microsoft.com/office/powerpoint/2010/main" val="803884936"/>
+        <p14:creationId xmlns:p14="http://schemas.microsoft.com/office/powerpoint/2010/main" val="79784869"/>
       </p:ext>
     </p:extLst>
   </p:cSld>
@@ -3932,163 +3854,352 @@
           <a:bodyPr/>
           <a:lstStyle/>
           <a:p>
-            <a:r>
-              <a:rPr lang="en-US" dirty="0" smtClean="0"/>
-              <a:t>Let’s go</a:t>
-            </a:r>
-            <a:r>
-              <a:rPr lang="en-US" baseline="0" dirty="0" smtClean="0"/>
-              <a:t> through some examples.</a:t>
-            </a:r>
-          </a:p>
-          <a:p>
-            <a:pPr marL="628650" lvl="1" indent="-171450">
+            <a:pPr marL="171450" lvl="0" indent="-171450">
               <a:buFont typeface="Arial" panose="020B0604020202020204" pitchFamily="34" charset="0"/>
               <a:buChar char="•"/>
             </a:pPr>
             <a:r>
-              <a:rPr lang="en-US" baseline="0" dirty="0" err="1" smtClean="0"/>
-              <a:t>getByElementID</a:t>
-            </a:r>
-            <a:r>
-              <a:rPr lang="en-US" baseline="0" dirty="0" smtClean="0"/>
-              <a:t> example</a:t>
-            </a:r>
-          </a:p>
-          <a:p>
-            <a:pPr marL="628650" lvl="1" indent="-171450">
+              <a:rPr lang="en-US" sz="1200" kern="1200" dirty="0" smtClean="0">
+                <a:solidFill>
+                  <a:schemeClr val="tx1"/>
+                </a:solidFill>
+                <a:effectLst/>
+                <a:latin typeface="+mn-lt"/>
+                <a:ea typeface="+mn-ea"/>
+                <a:cs typeface="+mn-cs"/>
+              </a:rPr>
+              <a:t>Write on the board, the html to link to a </a:t>
+            </a:r>
+            <a:r>
+              <a:rPr lang="en-US" sz="1200" kern="1200" dirty="0" err="1" smtClean="0">
+                <a:solidFill>
+                  <a:schemeClr val="tx1"/>
+                </a:solidFill>
+                <a:effectLst/>
+                <a:latin typeface="+mn-lt"/>
+                <a:ea typeface="+mn-ea"/>
+                <a:cs typeface="+mn-cs"/>
+              </a:rPr>
+              <a:t>Javascript</a:t>
+            </a:r>
+            <a:r>
+              <a:rPr lang="en-US" sz="1200" kern="1200" dirty="0" smtClean="0">
+                <a:solidFill>
+                  <a:schemeClr val="tx1"/>
+                </a:solidFill>
+                <a:effectLst/>
+                <a:latin typeface="+mn-lt"/>
+                <a:ea typeface="+mn-ea"/>
+                <a:cs typeface="+mn-cs"/>
+              </a:rPr>
+              <a:t> file name “script.js”</a:t>
+            </a:r>
+          </a:p>
+          <a:p>
+            <a:pPr marL="171450" lvl="0" indent="-171450">
               <a:buFont typeface="Arial" panose="020B0604020202020204" pitchFamily="34" charset="0"/>
               <a:buChar char="•"/>
             </a:pPr>
             <a:r>
-              <a:rPr lang="en-US" baseline="0" dirty="0" err="1" smtClean="0"/>
-              <a:t>GetByClassName</a:t>
-            </a:r>
-            <a:r>
-              <a:rPr lang="en-US" baseline="0" dirty="0" smtClean="0"/>
-              <a:t> example</a:t>
-            </a:r>
-          </a:p>
-          <a:p>
-            <a:pPr marL="628650" lvl="1" indent="-171450">
+              <a:rPr lang="en-US" sz="1200" kern="1200" dirty="0" smtClean="0">
+                <a:solidFill>
+                  <a:schemeClr val="tx1"/>
+                </a:solidFill>
+                <a:effectLst/>
+                <a:latin typeface="+mn-lt"/>
+                <a:ea typeface="+mn-ea"/>
+                <a:cs typeface="+mn-cs"/>
+              </a:rPr>
+              <a:t>Write on the board the symbols for a single line comment.</a:t>
+            </a:r>
+          </a:p>
+          <a:p>
+            <a:pPr marL="171450" lvl="0" indent="-171450">
               <a:buFont typeface="Arial" panose="020B0604020202020204" pitchFamily="34" charset="0"/>
               <a:buChar char="•"/>
             </a:pPr>
             <a:r>
-              <a:rPr lang="en-US" baseline="0" dirty="0" err="1" smtClean="0"/>
-              <a:t>Document.QuerySelectorAll</a:t>
-            </a:r>
-            <a:r>
-              <a:rPr lang="en-US" baseline="0" dirty="0" smtClean="0"/>
-              <a:t> example</a:t>
-            </a:r>
-          </a:p>
-          <a:p>
-            <a:pPr marL="628650" lvl="1" indent="-171450">
+              <a:rPr lang="en-US" sz="1200" kern="1200" dirty="0" smtClean="0">
+                <a:solidFill>
+                  <a:schemeClr val="tx1"/>
+                </a:solidFill>
+                <a:effectLst/>
+                <a:latin typeface="+mn-lt"/>
+                <a:ea typeface="+mn-ea"/>
+                <a:cs typeface="+mn-cs"/>
+              </a:rPr>
+              <a:t>Write on the board the declaration of a string variable with the value “hello world”</a:t>
+            </a:r>
+          </a:p>
+          <a:p>
+            <a:pPr marL="171450" lvl="0" indent="-171450">
               <a:buFont typeface="Arial" panose="020B0604020202020204" pitchFamily="34" charset="0"/>
               <a:buChar char="•"/>
             </a:pPr>
             <a:r>
-              <a:rPr lang="en-US" baseline="0" dirty="0" smtClean="0"/>
-              <a:t>Inner html update</a:t>
-            </a:r>
-          </a:p>
-          <a:p>
-            <a:pPr marL="628650" lvl="1" indent="-171450">
+              <a:rPr lang="en-US" sz="1200" kern="1200" dirty="0" smtClean="0">
+                <a:solidFill>
+                  <a:schemeClr val="tx1"/>
+                </a:solidFill>
+                <a:effectLst/>
+                <a:latin typeface="+mn-lt"/>
+                <a:ea typeface="+mn-ea"/>
+                <a:cs typeface="+mn-cs"/>
+              </a:rPr>
+              <a:t>Write an if statement on the board that checks if a bool variable is true.</a:t>
+            </a:r>
+          </a:p>
+          <a:p>
+            <a:pPr marL="171450" lvl="0" indent="-171450">
               <a:buFont typeface="Arial" panose="020B0604020202020204" pitchFamily="34" charset="0"/>
               <a:buChar char="•"/>
             </a:pPr>
             <a:r>
-              <a:rPr lang="en-US" baseline="0" dirty="0" smtClean="0"/>
-              <a:t>Attribute update</a:t>
-            </a:r>
-          </a:p>
-          <a:p>
-            <a:pPr marL="628650" lvl="1" indent="-171450">
+              <a:rPr lang="en-US" sz="1200" kern="1200" dirty="0" smtClean="0">
+                <a:solidFill>
+                  <a:schemeClr val="tx1"/>
+                </a:solidFill>
+                <a:effectLst/>
+                <a:latin typeface="+mn-lt"/>
+                <a:ea typeface="+mn-ea"/>
+                <a:cs typeface="+mn-cs"/>
+              </a:rPr>
+              <a:t>Write an if else statement on the board that checks if a bool variable is true.</a:t>
+            </a:r>
+          </a:p>
+          <a:p>
+            <a:pPr marL="171450" lvl="0" indent="-171450">
               <a:buFont typeface="Arial" panose="020B0604020202020204" pitchFamily="34" charset="0"/>
               <a:buChar char="•"/>
             </a:pPr>
             <a:r>
-              <a:rPr lang="en-US" baseline="0" dirty="0" smtClean="0"/>
-              <a:t>Style update</a:t>
-            </a:r>
-          </a:p>
-          <a:p>
-            <a:pPr marL="628650" lvl="1" indent="-171450">
+              <a:rPr lang="en-US" sz="1200" kern="1200" dirty="0" smtClean="0">
+                <a:solidFill>
+                  <a:schemeClr val="tx1"/>
+                </a:solidFill>
+                <a:effectLst/>
+                <a:latin typeface="+mn-lt"/>
+                <a:ea typeface="+mn-ea"/>
+                <a:cs typeface="+mn-cs"/>
+              </a:rPr>
+              <a:t>Write a nested if statement on the board that checks two different bool variables.</a:t>
+            </a:r>
+          </a:p>
+          <a:p>
+            <a:pPr marL="171450" lvl="0" indent="-171450">
               <a:buFont typeface="Arial" panose="020B0604020202020204" pitchFamily="34" charset="0"/>
               <a:buChar char="•"/>
             </a:pPr>
             <a:r>
-              <a:rPr lang="en-US" baseline="0" dirty="0" smtClean="0"/>
-              <a:t>Create element</a:t>
-            </a:r>
-          </a:p>
-          <a:p>
-            <a:pPr marL="628650" lvl="1" indent="-171450">
+              <a:rPr lang="en-US" sz="1200" kern="1200" dirty="0" smtClean="0">
+                <a:solidFill>
+                  <a:schemeClr val="tx1"/>
+                </a:solidFill>
+                <a:effectLst/>
+                <a:latin typeface="+mn-lt"/>
+                <a:ea typeface="+mn-ea"/>
+                <a:cs typeface="+mn-cs"/>
+              </a:rPr>
+              <a:t>Write if, else, else if statements to write to the console the text representation of the numbers 1 to 3.</a:t>
+            </a:r>
+          </a:p>
+          <a:p>
+            <a:pPr marL="171450" lvl="0" indent="-171450">
               <a:buFont typeface="Arial" panose="020B0604020202020204" pitchFamily="34" charset="0"/>
               <a:buChar char="•"/>
             </a:pPr>
             <a:r>
-              <a:rPr lang="en-US" baseline="0" dirty="0" smtClean="0"/>
-              <a:t>Remove child</a:t>
-            </a:r>
-          </a:p>
-          <a:p>
-            <a:pPr marL="628650" lvl="1" indent="-171450">
+              <a:rPr lang="en-US" sz="1200" kern="1200" dirty="0" smtClean="0">
+                <a:solidFill>
+                  <a:schemeClr val="tx1"/>
+                </a:solidFill>
+                <a:effectLst/>
+                <a:latin typeface="+mn-lt"/>
+                <a:ea typeface="+mn-ea"/>
+                <a:cs typeface="+mn-cs"/>
+              </a:rPr>
+              <a:t>Write a switch statement to write to the console the text representation of the numbers 1 to 3.</a:t>
+            </a:r>
+          </a:p>
+          <a:p>
+            <a:pPr marL="171450" lvl="0" indent="-171450">
               <a:buFont typeface="Arial" panose="020B0604020202020204" pitchFamily="34" charset="0"/>
               <a:buChar char="•"/>
             </a:pPr>
             <a:r>
-              <a:rPr lang="en-US" baseline="0" dirty="0" smtClean="0"/>
-              <a:t>Append child</a:t>
-            </a:r>
-          </a:p>
-          <a:p>
-            <a:pPr marL="628650" lvl="1" indent="-171450">
+              <a:rPr lang="en-US" sz="1200" kern="1200" dirty="0" smtClean="0">
+                <a:solidFill>
+                  <a:schemeClr val="tx1"/>
+                </a:solidFill>
+                <a:effectLst/>
+                <a:latin typeface="+mn-lt"/>
+                <a:ea typeface="+mn-ea"/>
+                <a:cs typeface="+mn-cs"/>
+              </a:rPr>
+              <a:t>Write on the board a declaration of an array and initialize in with the numbers 1 to 3.</a:t>
+            </a:r>
+          </a:p>
+          <a:p>
+            <a:pPr marL="171450" lvl="0" indent="-171450">
               <a:buFont typeface="Arial" panose="020B0604020202020204" pitchFamily="34" charset="0"/>
               <a:buChar char="•"/>
             </a:pPr>
             <a:r>
-              <a:rPr lang="en-US" baseline="0" dirty="0" smtClean="0"/>
-              <a:t>Replace child</a:t>
-            </a:r>
-          </a:p>
-          <a:p>
-            <a:pPr marL="628650" lvl="1" indent="-171450">
+              <a:rPr lang="en-US" sz="1200" kern="1200" dirty="0" smtClean="0">
+                <a:solidFill>
+                  <a:schemeClr val="tx1"/>
+                </a:solidFill>
+                <a:effectLst/>
+                <a:latin typeface="+mn-lt"/>
+                <a:ea typeface="+mn-ea"/>
+                <a:cs typeface="+mn-cs"/>
+              </a:rPr>
+              <a:t>Write a while loop that loops through an integer array 1 to 3 and writes each number to the console.</a:t>
+            </a:r>
+          </a:p>
+          <a:p>
+            <a:pPr marL="171450" lvl="0" indent="-171450">
               <a:buFont typeface="Arial" panose="020B0604020202020204" pitchFamily="34" charset="0"/>
               <a:buChar char="•"/>
             </a:pPr>
             <a:r>
-              <a:rPr lang="en-US" baseline="0" dirty="0" smtClean="0"/>
-              <a:t>event</a:t>
-            </a:r>
-          </a:p>
-          <a:p>
-            <a:pPr marL="628650" lvl="1" indent="-171450">
+              <a:rPr lang="en-US" sz="1200" kern="1200" dirty="0" smtClean="0">
+                <a:solidFill>
+                  <a:schemeClr val="tx1"/>
+                </a:solidFill>
+                <a:effectLst/>
+                <a:latin typeface="+mn-lt"/>
+                <a:ea typeface="+mn-ea"/>
+                <a:cs typeface="+mn-cs"/>
+              </a:rPr>
+              <a:t>Write a do while loop that loops through an integer array 1 to 3 and writes each number to the console.</a:t>
+            </a:r>
+          </a:p>
+          <a:p>
+            <a:pPr marL="171450" lvl="0" indent="-171450">
               <a:buFont typeface="Arial" panose="020B0604020202020204" pitchFamily="34" charset="0"/>
               <a:buChar char="•"/>
             </a:pPr>
-            <a:endParaRPr lang="en-US" baseline="0" dirty="0" smtClean="0"/>
-          </a:p>
-          <a:p>
-            <a:pPr marL="628650" lvl="1" indent="-171450">
+            <a:r>
+              <a:rPr lang="en-US" sz="1200" kern="1200" dirty="0" smtClean="0">
+                <a:solidFill>
+                  <a:schemeClr val="tx1"/>
+                </a:solidFill>
+                <a:effectLst/>
+                <a:latin typeface="+mn-lt"/>
+                <a:ea typeface="+mn-ea"/>
+                <a:cs typeface="+mn-cs"/>
+              </a:rPr>
+              <a:t>Write a for loop that loops through an integer array 1 to 3 and writes each number to the console.</a:t>
+            </a:r>
+          </a:p>
+          <a:p>
+            <a:pPr marL="171450" lvl="0" indent="-171450">
               <a:buFont typeface="Arial" panose="020B0604020202020204" pitchFamily="34" charset="0"/>
               <a:buChar char="•"/>
             </a:pPr>
-            <a:endParaRPr lang="en-US" baseline="0" dirty="0" smtClean="0"/>
-          </a:p>
-          <a:p>
-            <a:pPr marL="628650" lvl="1" indent="-171450">
+            <a:r>
+              <a:rPr lang="en-US" sz="1200" kern="1200" dirty="0" smtClean="0">
+                <a:solidFill>
+                  <a:schemeClr val="tx1"/>
+                </a:solidFill>
+                <a:effectLst/>
+                <a:latin typeface="+mn-lt"/>
+                <a:ea typeface="+mn-ea"/>
+                <a:cs typeface="+mn-cs"/>
+              </a:rPr>
+              <a:t>Write a for in loop that loops through an integer array 1 to 3 and writes each number to the console.</a:t>
+            </a:r>
+          </a:p>
+          <a:p>
+            <a:pPr marL="171450" lvl="0" indent="-171450">
               <a:buFont typeface="Arial" panose="020B0604020202020204" pitchFamily="34" charset="0"/>
               <a:buChar char="•"/>
             </a:pPr>
-            <a:endParaRPr lang="en-US" baseline="0" dirty="0" smtClean="0"/>
-          </a:p>
-          <a:p>
-            <a:pPr marL="628650" lvl="1" indent="-171450">
+            <a:r>
+              <a:rPr lang="en-US" sz="1200" kern="1200" dirty="0" smtClean="0">
+                <a:solidFill>
+                  <a:schemeClr val="tx1"/>
+                </a:solidFill>
+                <a:effectLst/>
+                <a:latin typeface="+mn-lt"/>
+                <a:ea typeface="+mn-ea"/>
+                <a:cs typeface="+mn-cs"/>
+              </a:rPr>
+              <a:t>Write a method definition that does not return anything and takes two integers as parameters.</a:t>
+            </a:r>
+          </a:p>
+          <a:p>
+            <a:pPr marL="171450" lvl="0" indent="-171450">
               <a:buFont typeface="Arial" panose="020B0604020202020204" pitchFamily="34" charset="0"/>
               <a:buChar char="•"/>
             </a:pPr>
+            <a:r>
+              <a:rPr lang="en-US" sz="1200" kern="1200" dirty="0" smtClean="0">
+                <a:solidFill>
+                  <a:schemeClr val="tx1"/>
+                </a:solidFill>
+                <a:effectLst/>
+                <a:latin typeface="+mn-lt"/>
+                <a:ea typeface="+mn-ea"/>
+                <a:cs typeface="+mn-cs"/>
+              </a:rPr>
+              <a:t>Write a method definition that returns a string and takes two integers as parameters.</a:t>
+            </a:r>
+          </a:p>
+          <a:p>
+            <a:pPr marL="171450" lvl="0" indent="-171450">
+              <a:buFont typeface="Arial" panose="020B0604020202020204" pitchFamily="34" charset="0"/>
+              <a:buChar char="•"/>
+            </a:pPr>
+            <a:r>
+              <a:rPr lang="en-US" sz="1200" kern="1200" dirty="0" smtClean="0">
+                <a:solidFill>
+                  <a:schemeClr val="tx1"/>
+                </a:solidFill>
+                <a:effectLst/>
+                <a:latin typeface="+mn-lt"/>
+                <a:ea typeface="+mn-ea"/>
+                <a:cs typeface="+mn-cs"/>
+              </a:rPr>
+              <a:t>Write </a:t>
+            </a:r>
+            <a:r>
+              <a:rPr lang="en-US" sz="1200" kern="1200" dirty="0" smtClean="0">
+                <a:solidFill>
+                  <a:schemeClr val="tx1"/>
+                </a:solidFill>
+                <a:effectLst/>
+                <a:latin typeface="+mn-lt"/>
+                <a:ea typeface="+mn-ea"/>
+                <a:cs typeface="+mn-cs"/>
+              </a:rPr>
+              <a:t>on the board a class named Car with a variable named miles and a constructor that set miles to 100.</a:t>
+            </a:r>
+          </a:p>
+          <a:p>
+            <a:pPr marL="171450" lvl="0" indent="-171450">
+              <a:buFont typeface="Arial" panose="020B0604020202020204" pitchFamily="34" charset="0"/>
+              <a:buChar char="•"/>
+            </a:pPr>
+            <a:r>
+              <a:rPr lang="en-US" sz="1200" kern="1200" dirty="0" smtClean="0">
+                <a:solidFill>
+                  <a:schemeClr val="tx1"/>
+                </a:solidFill>
+                <a:effectLst/>
+                <a:latin typeface="+mn-lt"/>
+                <a:ea typeface="+mn-ea"/>
+                <a:cs typeface="+mn-cs"/>
+              </a:rPr>
+              <a:t>Write on the board a function that returns a number and is passed a number called Miles.  The function should be named Drive.</a:t>
+            </a:r>
+          </a:p>
+          <a:p>
+            <a:pPr marL="457200" lvl="1" indent="0">
+              <a:buFont typeface="Arial" panose="020B0604020202020204" pitchFamily="34" charset="0"/>
+              <a:buNone/>
+            </a:pPr>
             <a:endParaRPr lang="en-US" dirty="0"/>
           </a:p>
         </p:txBody>
@@ -4108,7 +4219,7 @@
           <a:bodyPr/>
           <a:lstStyle/>
           <a:p>
-            <a:fld id="{E4704519-48BF-4605-AA23-905137934897}" type="slidenum">
+            <a:fld id="{226FA58D-4B12-4E7B-A2FA-693CE3EACDFD}" type="slidenum">
               <a:rPr lang="en-US" smtClean="0"/>
               <a:t>31</a:t>
             </a:fld>
@@ -4119,7 +4230,7 @@
     </p:spTree>
     <p:extLst>
       <p:ext uri="{BB962C8B-B14F-4D97-AF65-F5344CB8AC3E}">
-        <p14:creationId xmlns:p14="http://schemas.microsoft.com/office/powerpoint/2010/main" val="3382251147"/>
+        <p14:creationId xmlns:p14="http://schemas.microsoft.com/office/powerpoint/2010/main" val="2157254006"/>
       </p:ext>
     </p:extLst>
   </p:cSld>
@@ -4173,93 +4284,9 @@
           <a:bodyPr/>
           <a:lstStyle/>
           <a:p>
-            <a:pPr marL="171450" lvl="0" indent="-171450">
+            <a:pPr marL="171450" indent="-171450">
               <a:buFont typeface="Arial" panose="020B0604020202020204" pitchFamily="34" charset="0"/>
               <a:buChar char="•"/>
-            </a:pPr>
-            <a:r>
-              <a:rPr lang="en-US" sz="1200" kern="1200" dirty="0" smtClean="0">
-                <a:solidFill>
-                  <a:schemeClr val="tx1"/>
-                </a:solidFill>
-                <a:effectLst/>
-                <a:latin typeface="+mn-lt"/>
-                <a:ea typeface="+mn-ea"/>
-                <a:cs typeface="+mn-cs"/>
-              </a:rPr>
-              <a:t>Write on the board the code to get an element by id, with an id of </a:t>
-            </a:r>
-            <a:r>
-              <a:rPr lang="en-US" sz="1200" kern="1200" dirty="0" err="1" smtClean="0">
-                <a:solidFill>
-                  <a:schemeClr val="tx1"/>
-                </a:solidFill>
-                <a:effectLst/>
-                <a:latin typeface="+mn-lt"/>
-                <a:ea typeface="+mn-ea"/>
-                <a:cs typeface="+mn-cs"/>
-              </a:rPr>
-              <a:t>LastName</a:t>
-            </a:r>
-            <a:r>
-              <a:rPr lang="en-US" sz="1200" kern="1200" dirty="0" smtClean="0">
-                <a:solidFill>
-                  <a:schemeClr val="tx1"/>
-                </a:solidFill>
-                <a:effectLst/>
-                <a:latin typeface="+mn-lt"/>
-                <a:ea typeface="+mn-ea"/>
-                <a:cs typeface="+mn-cs"/>
-              </a:rPr>
-              <a:t>.</a:t>
-            </a:r>
-          </a:p>
-          <a:p>
-            <a:pPr marL="171450" lvl="0" indent="-171450">
-              <a:buFont typeface="Arial" panose="020B0604020202020204" pitchFamily="34" charset="0"/>
-              <a:buChar char="•"/>
-            </a:pPr>
-            <a:r>
-              <a:rPr lang="en-US" sz="1200" kern="1200" dirty="0" smtClean="0">
-                <a:solidFill>
-                  <a:schemeClr val="tx1"/>
-                </a:solidFill>
-                <a:effectLst/>
-                <a:latin typeface="+mn-lt"/>
-                <a:ea typeface="+mn-ea"/>
-                <a:cs typeface="+mn-cs"/>
-              </a:rPr>
-              <a:t>Write on the board the code to get an element by id, with an id of </a:t>
-            </a:r>
-            <a:r>
-              <a:rPr lang="en-US" sz="1200" kern="1200" dirty="0" err="1" smtClean="0">
-                <a:solidFill>
-                  <a:schemeClr val="tx1"/>
-                </a:solidFill>
-                <a:effectLst/>
-                <a:latin typeface="+mn-lt"/>
-                <a:ea typeface="+mn-ea"/>
-                <a:cs typeface="+mn-cs"/>
-              </a:rPr>
-              <a:t>LastName</a:t>
-            </a:r>
-            <a:r>
-              <a:rPr lang="en-US" sz="1200" kern="1200" dirty="0" smtClean="0">
-                <a:solidFill>
-                  <a:schemeClr val="tx1"/>
-                </a:solidFill>
-                <a:effectLst/>
-                <a:latin typeface="+mn-lt"/>
-                <a:ea typeface="+mn-ea"/>
-                <a:cs typeface="+mn-cs"/>
-              </a:rPr>
-              <a:t>.  Update the inner html to “Smith”</a:t>
-            </a:r>
-          </a:p>
-          <a:p>
-            <a:pPr marL="457200" lvl="1" indent="0">
-              <a:buFont typeface="Arial" panose="020B0604020202020204" pitchFamily="34" charset="0"/>
-              <a:buNone/>
             </a:pPr>
             <a:endParaRPr lang="en-US" dirty="0"/>
           </a:p>
@@ -4291,1034 +4318,7 @@
     </p:spTree>
     <p:extLst>
       <p:ext uri="{BB962C8B-B14F-4D97-AF65-F5344CB8AC3E}">
-        <p14:creationId xmlns:p14="http://schemas.microsoft.com/office/powerpoint/2010/main" val="3405526041"/>
-      </p:ext>
-    </p:extLst>
-  </p:cSld>
-  <p:clrMapOvr>
-    <a:masterClrMapping/>
-  </p:clrMapOvr>
-</p:notes>
-</file>
-
-<file path=ppt/notesSlides/notesSlide33.xml><?xml version="1.0" encoding="utf-8"?>
-<p:notes xmlns:a="http://schemas.openxmlformats.org/drawingml/2006/main" xmlns:r="http://schemas.openxmlformats.org/officeDocument/2006/relationships" xmlns:p="http://schemas.openxmlformats.org/presentationml/2006/main">
-  <p:cSld>
-    <p:spTree>
-      <p:nvGrpSpPr>
-        <p:cNvPr id="1" name=""/>
-        <p:cNvGrpSpPr/>
-        <p:nvPr/>
-      </p:nvGrpSpPr>
-      <p:grpSpPr>
-        <a:xfrm>
-          <a:off x="0" y="0"/>
-          <a:ext cx="0" cy="0"/>
-          <a:chOff x="0" y="0"/>
-          <a:chExt cx="0" cy="0"/>
-        </a:xfrm>
-      </p:grpSpPr>
-      <p:sp>
-        <p:nvSpPr>
-          <p:cNvPr id="2" name="Slide Image Placeholder 1"/>
-          <p:cNvSpPr>
-            <a:spLocks noGrp="1" noRot="1" noChangeAspect="1"/>
-          </p:cNvSpPr>
-          <p:nvPr>
-            <p:ph type="sldImg"/>
-          </p:nvPr>
-        </p:nvSpPr>
-        <p:spPr/>
-      </p:sp>
-      <p:sp>
-        <p:nvSpPr>
-          <p:cNvPr id="3" name="Notes Placeholder 2"/>
-          <p:cNvSpPr>
-            <a:spLocks noGrp="1"/>
-          </p:cNvSpPr>
-          <p:nvPr>
-            <p:ph type="body" idx="1"/>
-          </p:nvPr>
-        </p:nvSpPr>
-        <p:spPr/>
-        <p:txBody>
-          <a:bodyPr/>
-          <a:lstStyle/>
-          <a:p>
-            <a:pPr marL="171450" indent="-171450">
-              <a:buFont typeface="Arial" panose="020B0604020202020204" pitchFamily="34" charset="0"/>
-              <a:buChar char="•"/>
-            </a:pPr>
-            <a:endParaRPr lang="en-US" dirty="0"/>
-          </a:p>
-        </p:txBody>
-      </p:sp>
-      <p:sp>
-        <p:nvSpPr>
-          <p:cNvPr id="4" name="Slide Number Placeholder 3"/>
-          <p:cNvSpPr>
-            <a:spLocks noGrp="1"/>
-          </p:cNvSpPr>
-          <p:nvPr>
-            <p:ph type="sldNum" sz="quarter" idx="10"/>
-          </p:nvPr>
-        </p:nvSpPr>
-        <p:spPr/>
-        <p:txBody>
-          <a:bodyPr/>
-          <a:lstStyle/>
-          <a:p>
-            <a:fld id="{226FA58D-4B12-4E7B-A2FA-693CE3EACDFD}" type="slidenum">
-              <a:rPr lang="en-US" smtClean="0"/>
-              <a:t>33</a:t>
-            </a:fld>
-            <a:endParaRPr lang="en-US"/>
-          </a:p>
-        </p:txBody>
-      </p:sp>
-    </p:spTree>
-    <p:extLst>
-      <p:ext uri="{BB962C8B-B14F-4D97-AF65-F5344CB8AC3E}">
-        <p14:creationId xmlns:p14="http://schemas.microsoft.com/office/powerpoint/2010/main" val="2601620132"/>
-      </p:ext>
-    </p:extLst>
-  </p:cSld>
-  <p:clrMapOvr>
-    <a:masterClrMapping/>
-  </p:clrMapOvr>
-</p:notes>
-</file>
-
-<file path=ppt/notesSlides/notesSlide34.xml><?xml version="1.0" encoding="utf-8"?>
-<p:notes xmlns:a="http://schemas.openxmlformats.org/drawingml/2006/main" xmlns:r="http://schemas.openxmlformats.org/officeDocument/2006/relationships" xmlns:p="http://schemas.openxmlformats.org/presentationml/2006/main">
-  <p:cSld>
-    <p:spTree>
-      <p:nvGrpSpPr>
-        <p:cNvPr id="1" name=""/>
-        <p:cNvGrpSpPr/>
-        <p:nvPr/>
-      </p:nvGrpSpPr>
-      <p:grpSpPr>
-        <a:xfrm>
-          <a:off x="0" y="0"/>
-          <a:ext cx="0" cy="0"/>
-          <a:chOff x="0" y="0"/>
-          <a:chExt cx="0" cy="0"/>
-        </a:xfrm>
-      </p:grpSpPr>
-      <p:sp>
-        <p:nvSpPr>
-          <p:cNvPr id="2" name="Slide Image Placeholder 1"/>
-          <p:cNvSpPr>
-            <a:spLocks noGrp="1" noRot="1" noChangeAspect="1"/>
-          </p:cNvSpPr>
-          <p:nvPr>
-            <p:ph type="sldImg"/>
-          </p:nvPr>
-        </p:nvSpPr>
-        <p:spPr/>
-      </p:sp>
-      <p:sp>
-        <p:nvSpPr>
-          <p:cNvPr id="3" name="Notes Placeholder 2"/>
-          <p:cNvSpPr>
-            <a:spLocks noGrp="1"/>
-          </p:cNvSpPr>
-          <p:nvPr>
-            <p:ph type="body" idx="1"/>
-          </p:nvPr>
-        </p:nvSpPr>
-        <p:spPr/>
-        <p:txBody>
-          <a:bodyPr/>
-          <a:lstStyle/>
-          <a:p>
-            <a:pPr marL="171450" indent="-171450">
-              <a:buFont typeface="Arial" panose="020B0604020202020204" pitchFamily="34" charset="0"/>
-              <a:buChar char="•"/>
-            </a:pPr>
-            <a:r>
-              <a:rPr lang="en-US" baseline="0" dirty="0" smtClean="0"/>
-              <a:t>Typescript is a preprocessor it is a superset of the </a:t>
-            </a:r>
-            <a:r>
-              <a:rPr lang="en-US" baseline="0" dirty="0" err="1" smtClean="0"/>
-              <a:t>Javascript</a:t>
-            </a:r>
-            <a:r>
-              <a:rPr lang="en-US" baseline="0" dirty="0" smtClean="0"/>
-              <a:t> language.</a:t>
-            </a:r>
-          </a:p>
-          <a:p>
-            <a:pPr marL="171450" indent="-171450">
-              <a:buFont typeface="Arial" panose="020B0604020202020204" pitchFamily="34" charset="0"/>
-              <a:buChar char="•"/>
-            </a:pPr>
-            <a:r>
-              <a:rPr lang="en-US" baseline="0" dirty="0" smtClean="0"/>
-              <a:t>This means it is a language that uses </a:t>
-            </a:r>
-            <a:r>
-              <a:rPr lang="en-US" baseline="0" dirty="0" err="1" smtClean="0"/>
-              <a:t>Javascript</a:t>
-            </a:r>
-            <a:r>
-              <a:rPr lang="en-US" baseline="0" dirty="0" smtClean="0"/>
-              <a:t>, but adds to it.</a:t>
-            </a:r>
-          </a:p>
-          <a:p>
-            <a:pPr marL="171450" indent="-171450">
-              <a:buFont typeface="Arial" panose="020B0604020202020204" pitchFamily="34" charset="0"/>
-              <a:buChar char="•"/>
-            </a:pPr>
-            <a:r>
-              <a:rPr lang="en-US" baseline="0" dirty="0" smtClean="0"/>
-              <a:t>Before you run the website the </a:t>
-            </a:r>
-            <a:r>
-              <a:rPr lang="en-US" baseline="0" dirty="0" err="1" smtClean="0"/>
-              <a:t>TypeScript</a:t>
-            </a:r>
-            <a:r>
-              <a:rPr lang="en-US" baseline="0" dirty="0" smtClean="0"/>
-              <a:t> files are </a:t>
-            </a:r>
-            <a:r>
-              <a:rPr lang="en-US" baseline="0" dirty="0" err="1" smtClean="0"/>
-              <a:t>transpiled</a:t>
-            </a:r>
-            <a:r>
-              <a:rPr lang="en-US" baseline="0" dirty="0" smtClean="0"/>
-              <a:t> into regular </a:t>
-            </a:r>
-            <a:r>
-              <a:rPr lang="en-US" baseline="0" dirty="0" err="1" smtClean="0"/>
-              <a:t>Javascript</a:t>
-            </a:r>
-            <a:r>
-              <a:rPr lang="en-US" baseline="0" dirty="0" smtClean="0"/>
-              <a:t>.</a:t>
-            </a:r>
-          </a:p>
-          <a:p>
-            <a:pPr marL="171450" indent="-171450">
-              <a:buFont typeface="Arial" panose="020B0604020202020204" pitchFamily="34" charset="0"/>
-              <a:buChar char="•"/>
-            </a:pPr>
-            <a:r>
-              <a:rPr lang="en-US" baseline="0" dirty="0" smtClean="0"/>
-              <a:t>Typescript is strongly typed and offers support for generics, classes, interfaces, and namespaces.</a:t>
-            </a:r>
-          </a:p>
-          <a:p>
-            <a:pPr marL="171450" indent="-171450">
-              <a:buFont typeface="Arial" panose="020B0604020202020204" pitchFamily="34" charset="0"/>
-              <a:buChar char="•"/>
-            </a:pPr>
-            <a:r>
-              <a:rPr lang="en-US" baseline="0" dirty="0" smtClean="0"/>
-              <a:t>This gives the developer the feel of developing in an object oriented language.</a:t>
-            </a:r>
-          </a:p>
-        </p:txBody>
-      </p:sp>
-      <p:sp>
-        <p:nvSpPr>
-          <p:cNvPr id="4" name="Slide Number Placeholder 3"/>
-          <p:cNvSpPr>
-            <a:spLocks noGrp="1"/>
-          </p:cNvSpPr>
-          <p:nvPr>
-            <p:ph type="sldNum" sz="quarter" idx="10"/>
-          </p:nvPr>
-        </p:nvSpPr>
-        <p:spPr/>
-        <p:txBody>
-          <a:bodyPr/>
-          <a:lstStyle/>
-          <a:p>
-            <a:fld id="{90562276-63C7-43F9-8E9E-CFA137F6F839}" type="slidenum">
-              <a:rPr lang="en-US" smtClean="0"/>
-              <a:t>34</a:t>
-            </a:fld>
-            <a:endParaRPr lang="en-US"/>
-          </a:p>
-        </p:txBody>
-      </p:sp>
-    </p:spTree>
-    <p:extLst>
-      <p:ext uri="{BB962C8B-B14F-4D97-AF65-F5344CB8AC3E}">
-        <p14:creationId xmlns:p14="http://schemas.microsoft.com/office/powerpoint/2010/main" val="4155806955"/>
-      </p:ext>
-    </p:extLst>
-  </p:cSld>
-  <p:clrMapOvr>
-    <a:masterClrMapping/>
-  </p:clrMapOvr>
-</p:notes>
-</file>
-
-<file path=ppt/notesSlides/notesSlide35.xml><?xml version="1.0" encoding="utf-8"?>
-<p:notes xmlns:a="http://schemas.openxmlformats.org/drawingml/2006/main" xmlns:r="http://schemas.openxmlformats.org/officeDocument/2006/relationships" xmlns:p="http://schemas.openxmlformats.org/presentationml/2006/main">
-  <p:cSld>
-    <p:spTree>
-      <p:nvGrpSpPr>
-        <p:cNvPr id="1" name=""/>
-        <p:cNvGrpSpPr/>
-        <p:nvPr/>
-      </p:nvGrpSpPr>
-      <p:grpSpPr>
-        <a:xfrm>
-          <a:off x="0" y="0"/>
-          <a:ext cx="0" cy="0"/>
-          <a:chOff x="0" y="0"/>
-          <a:chExt cx="0" cy="0"/>
-        </a:xfrm>
-      </p:grpSpPr>
-      <p:sp>
-        <p:nvSpPr>
-          <p:cNvPr id="2" name="Slide Image Placeholder 1"/>
-          <p:cNvSpPr>
-            <a:spLocks noGrp="1" noRot="1" noChangeAspect="1"/>
-          </p:cNvSpPr>
-          <p:nvPr>
-            <p:ph type="sldImg"/>
-          </p:nvPr>
-        </p:nvSpPr>
-        <p:spPr/>
-      </p:sp>
-      <p:sp>
-        <p:nvSpPr>
-          <p:cNvPr id="3" name="Notes Placeholder 2"/>
-          <p:cNvSpPr>
-            <a:spLocks noGrp="1"/>
-          </p:cNvSpPr>
-          <p:nvPr>
-            <p:ph type="body" idx="1"/>
-          </p:nvPr>
-        </p:nvSpPr>
-        <p:spPr/>
-        <p:txBody>
-          <a:bodyPr/>
-          <a:lstStyle/>
-          <a:p>
-            <a:pPr marL="171450" indent="-171450">
-              <a:buFont typeface="Arial" panose="020B0604020202020204" pitchFamily="34" charset="0"/>
-              <a:buChar char="•"/>
-            </a:pPr>
-            <a:r>
-              <a:rPr lang="en-US" dirty="0" smtClean="0"/>
-              <a:t>These are the types that can be specified in </a:t>
-            </a:r>
-            <a:r>
-              <a:rPr lang="en-US" dirty="0" err="1" smtClean="0"/>
-              <a:t>TypeScript</a:t>
-            </a:r>
-            <a:r>
-              <a:rPr lang="en-US" dirty="0" smtClean="0"/>
-              <a:t>.</a:t>
-            </a:r>
-          </a:p>
-          <a:p>
-            <a:pPr marL="171450" indent="-171450">
-              <a:buFont typeface="Arial" panose="020B0604020202020204" pitchFamily="34" charset="0"/>
-              <a:buChar char="•"/>
-            </a:pPr>
-            <a:r>
-              <a:rPr lang="en-US" dirty="0" smtClean="0"/>
-              <a:t>They mostly</a:t>
-            </a:r>
-            <a:r>
-              <a:rPr lang="en-US" baseline="0" dirty="0" smtClean="0"/>
-              <a:t> map to the </a:t>
-            </a:r>
-            <a:r>
-              <a:rPr lang="en-US" baseline="0" dirty="0" err="1" smtClean="0"/>
-              <a:t>Javascript</a:t>
-            </a:r>
-            <a:r>
-              <a:rPr lang="en-US" baseline="0" dirty="0" smtClean="0"/>
-              <a:t> types.</a:t>
-            </a:r>
-          </a:p>
-          <a:p>
-            <a:pPr marL="171450" indent="-171450">
-              <a:buFont typeface="Arial" panose="020B0604020202020204" pitchFamily="34" charset="0"/>
-              <a:buChar char="•"/>
-            </a:pPr>
-            <a:r>
-              <a:rPr lang="en-US" baseline="0" dirty="0" smtClean="0"/>
-              <a:t>You have Number, String, Boolean, Void, Null, and Undefined.</a:t>
-            </a:r>
-          </a:p>
-          <a:p>
-            <a:pPr marL="171450" indent="-171450">
-              <a:buFont typeface="Arial" panose="020B0604020202020204" pitchFamily="34" charset="0"/>
-              <a:buChar char="•"/>
-            </a:pPr>
-            <a:r>
-              <a:rPr lang="en-US" baseline="0" dirty="0" smtClean="0"/>
-              <a:t>Then there are user-defined types.</a:t>
-            </a:r>
-          </a:p>
-          <a:p>
-            <a:pPr marL="171450" indent="-171450">
-              <a:buFont typeface="Arial" panose="020B0604020202020204" pitchFamily="34" charset="0"/>
-              <a:buChar char="•"/>
-            </a:pPr>
-            <a:r>
-              <a:rPr lang="en-US" baseline="0" dirty="0" smtClean="0"/>
-              <a:t>Like in C#, anyone can create user-defined types.</a:t>
-            </a:r>
-            <a:endParaRPr lang="en-US" dirty="0"/>
-          </a:p>
-        </p:txBody>
-      </p:sp>
-      <p:sp>
-        <p:nvSpPr>
-          <p:cNvPr id="4" name="Slide Number Placeholder 3"/>
-          <p:cNvSpPr>
-            <a:spLocks noGrp="1"/>
-          </p:cNvSpPr>
-          <p:nvPr>
-            <p:ph type="sldNum" sz="quarter" idx="10"/>
-          </p:nvPr>
-        </p:nvSpPr>
-        <p:spPr/>
-        <p:txBody>
-          <a:bodyPr/>
-          <a:lstStyle/>
-          <a:p>
-            <a:fld id="{E090B8CA-1AD8-477E-9569-51E0CFA26921}" type="slidenum">
-              <a:rPr lang="en-US" smtClean="0"/>
-              <a:t>35</a:t>
-            </a:fld>
-            <a:endParaRPr lang="en-US"/>
-          </a:p>
-        </p:txBody>
-      </p:sp>
-    </p:spTree>
-    <p:extLst>
-      <p:ext uri="{BB962C8B-B14F-4D97-AF65-F5344CB8AC3E}">
-        <p14:creationId xmlns:p14="http://schemas.microsoft.com/office/powerpoint/2010/main" val="2531951673"/>
-      </p:ext>
-    </p:extLst>
-  </p:cSld>
-  <p:clrMapOvr>
-    <a:masterClrMapping/>
-  </p:clrMapOvr>
-</p:notes>
-</file>
-
-<file path=ppt/notesSlides/notesSlide36.xml><?xml version="1.0" encoding="utf-8"?>
-<p:notes xmlns:a="http://schemas.openxmlformats.org/drawingml/2006/main" xmlns:r="http://schemas.openxmlformats.org/officeDocument/2006/relationships" xmlns:p="http://schemas.openxmlformats.org/presentationml/2006/main">
-  <p:cSld>
-    <p:spTree>
-      <p:nvGrpSpPr>
-        <p:cNvPr id="1" name=""/>
-        <p:cNvGrpSpPr/>
-        <p:nvPr/>
-      </p:nvGrpSpPr>
-      <p:grpSpPr>
-        <a:xfrm>
-          <a:off x="0" y="0"/>
-          <a:ext cx="0" cy="0"/>
-          <a:chOff x="0" y="0"/>
-          <a:chExt cx="0" cy="0"/>
-        </a:xfrm>
-      </p:grpSpPr>
-      <p:sp>
-        <p:nvSpPr>
-          <p:cNvPr id="2" name="Slide Image Placeholder 1"/>
-          <p:cNvSpPr>
-            <a:spLocks noGrp="1" noRot="1" noChangeAspect="1"/>
-          </p:cNvSpPr>
-          <p:nvPr>
-            <p:ph type="sldImg"/>
-          </p:nvPr>
-        </p:nvSpPr>
-        <p:spPr/>
-      </p:sp>
-      <p:sp>
-        <p:nvSpPr>
-          <p:cNvPr id="3" name="Notes Placeholder 2"/>
-          <p:cNvSpPr>
-            <a:spLocks noGrp="1"/>
-          </p:cNvSpPr>
-          <p:nvPr>
-            <p:ph type="body" idx="1"/>
-          </p:nvPr>
-        </p:nvSpPr>
-        <p:spPr/>
-        <p:txBody>
-          <a:bodyPr/>
-          <a:lstStyle/>
-          <a:p>
-            <a:pPr marL="171450" indent="-171450">
-              <a:buFont typeface="Arial" panose="020B0604020202020204" pitchFamily="34" charset="0"/>
-              <a:buChar char="•"/>
-            </a:pPr>
-            <a:r>
-              <a:rPr lang="en-US" baseline="0" dirty="0" smtClean="0"/>
-              <a:t>Here is the </a:t>
-            </a:r>
-            <a:r>
-              <a:rPr lang="en-US" baseline="0" dirty="0" err="1" smtClean="0"/>
-              <a:t>TypeScript</a:t>
-            </a:r>
-            <a:r>
-              <a:rPr lang="en-US" baseline="0" dirty="0" smtClean="0"/>
-              <a:t> syntax.</a:t>
-            </a:r>
-          </a:p>
-          <a:p>
-            <a:pPr marL="171450" indent="-171450">
-              <a:buFont typeface="Arial" panose="020B0604020202020204" pitchFamily="34" charset="0"/>
-              <a:buChar char="•"/>
-            </a:pPr>
-            <a:r>
-              <a:rPr lang="en-US" baseline="0" dirty="0" smtClean="0"/>
-              <a:t>The files are .</a:t>
-            </a:r>
-            <a:r>
-              <a:rPr lang="en-US" baseline="0" dirty="0" err="1" smtClean="0"/>
-              <a:t>ts</a:t>
-            </a:r>
-            <a:r>
-              <a:rPr lang="en-US" baseline="0" dirty="0" smtClean="0"/>
-              <a:t> files.  These are the ones that get </a:t>
-            </a:r>
-            <a:r>
-              <a:rPr lang="en-US" baseline="0" dirty="0" err="1" smtClean="0"/>
-              <a:t>transpiled</a:t>
-            </a:r>
-            <a:r>
-              <a:rPr lang="en-US" baseline="0" dirty="0" smtClean="0"/>
-              <a:t> into .</a:t>
-            </a:r>
-            <a:r>
-              <a:rPr lang="en-US" baseline="0" dirty="0" err="1" smtClean="0"/>
-              <a:t>js</a:t>
-            </a:r>
-            <a:r>
-              <a:rPr lang="en-US" baseline="0" dirty="0" smtClean="0"/>
-              <a:t> files.</a:t>
-            </a:r>
-          </a:p>
-          <a:p>
-            <a:pPr marL="171450" indent="-171450">
-              <a:buFont typeface="Arial" panose="020B0604020202020204" pitchFamily="34" charset="0"/>
-              <a:buChar char="•"/>
-            </a:pPr>
-            <a:r>
-              <a:rPr lang="en-US" baseline="0" dirty="0" smtClean="0"/>
-              <a:t>A variable declaration is done by using let followed by the variable name : variable type = the value.</a:t>
-            </a:r>
-          </a:p>
-          <a:p>
-            <a:pPr marL="171450" indent="-171450">
-              <a:buFont typeface="Arial" panose="020B0604020202020204" pitchFamily="34" charset="0"/>
-              <a:buChar char="•"/>
-            </a:pPr>
-            <a:r>
-              <a:rPr lang="en-US" baseline="0" dirty="0" smtClean="0"/>
-              <a:t>Functions can also use the type as parameters and as a return type.</a:t>
-            </a:r>
-          </a:p>
-          <a:p>
-            <a:pPr marL="171450" indent="-171450">
-              <a:buFont typeface="Arial" panose="020B0604020202020204" pitchFamily="34" charset="0"/>
-              <a:buChar char="•"/>
-            </a:pPr>
-            <a:r>
-              <a:rPr lang="en-US" baseline="0" dirty="0" smtClean="0"/>
-              <a:t>Let’s look at the example.</a:t>
-            </a:r>
-          </a:p>
-        </p:txBody>
-      </p:sp>
-      <p:sp>
-        <p:nvSpPr>
-          <p:cNvPr id="4" name="Slide Number Placeholder 3"/>
-          <p:cNvSpPr>
-            <a:spLocks noGrp="1"/>
-          </p:cNvSpPr>
-          <p:nvPr>
-            <p:ph type="sldNum" sz="quarter" idx="10"/>
-          </p:nvPr>
-        </p:nvSpPr>
-        <p:spPr/>
-        <p:txBody>
-          <a:bodyPr/>
-          <a:lstStyle/>
-          <a:p>
-            <a:fld id="{90562276-63C7-43F9-8E9E-CFA137F6F839}" type="slidenum">
-              <a:rPr lang="en-US" smtClean="0"/>
-              <a:t>36</a:t>
-            </a:fld>
-            <a:endParaRPr lang="en-US"/>
-          </a:p>
-        </p:txBody>
-      </p:sp>
-    </p:spTree>
-    <p:extLst>
-      <p:ext uri="{BB962C8B-B14F-4D97-AF65-F5344CB8AC3E}">
-        <p14:creationId xmlns:p14="http://schemas.microsoft.com/office/powerpoint/2010/main" val="395620764"/>
-      </p:ext>
-    </p:extLst>
-  </p:cSld>
-  <p:clrMapOvr>
-    <a:masterClrMapping/>
-  </p:clrMapOvr>
-</p:notes>
-</file>
-
-<file path=ppt/notesSlides/notesSlide37.xml><?xml version="1.0" encoding="utf-8"?>
-<p:notes xmlns:a="http://schemas.openxmlformats.org/drawingml/2006/main" xmlns:r="http://schemas.openxmlformats.org/officeDocument/2006/relationships" xmlns:p="http://schemas.openxmlformats.org/presentationml/2006/main">
-  <p:cSld>
-    <p:spTree>
-      <p:nvGrpSpPr>
-        <p:cNvPr id="1" name=""/>
-        <p:cNvGrpSpPr/>
-        <p:nvPr/>
-      </p:nvGrpSpPr>
-      <p:grpSpPr>
-        <a:xfrm>
-          <a:off x="0" y="0"/>
-          <a:ext cx="0" cy="0"/>
-          <a:chOff x="0" y="0"/>
-          <a:chExt cx="0" cy="0"/>
-        </a:xfrm>
-      </p:grpSpPr>
-      <p:sp>
-        <p:nvSpPr>
-          <p:cNvPr id="2" name="Slide Image Placeholder 1"/>
-          <p:cNvSpPr>
-            <a:spLocks noGrp="1" noRot="1" noChangeAspect="1"/>
-          </p:cNvSpPr>
-          <p:nvPr>
-            <p:ph type="sldImg"/>
-          </p:nvPr>
-        </p:nvSpPr>
-        <p:spPr/>
-      </p:sp>
-      <p:sp>
-        <p:nvSpPr>
-          <p:cNvPr id="3" name="Notes Placeholder 2"/>
-          <p:cNvSpPr>
-            <a:spLocks noGrp="1"/>
-          </p:cNvSpPr>
-          <p:nvPr>
-            <p:ph type="body" idx="1"/>
-          </p:nvPr>
-        </p:nvSpPr>
-        <p:spPr/>
-        <p:txBody>
-          <a:bodyPr/>
-          <a:lstStyle/>
-          <a:p>
-            <a:r>
-              <a:rPr lang="en-US" dirty="0" smtClean="0"/>
-              <a:t>Let’s go</a:t>
-            </a:r>
-            <a:r>
-              <a:rPr lang="en-US" baseline="0" dirty="0" smtClean="0"/>
-              <a:t> through some examples.</a:t>
-            </a:r>
-          </a:p>
-          <a:p>
-            <a:pPr marL="628650" lvl="1" indent="-171450">
-              <a:buFont typeface="Arial" panose="020B0604020202020204" pitchFamily="34" charset="0"/>
-              <a:buChar char="•"/>
-            </a:pPr>
-            <a:r>
-              <a:rPr lang="en-US" baseline="0" dirty="0" err="1" smtClean="0"/>
-              <a:t>getByElementID</a:t>
-            </a:r>
-            <a:r>
-              <a:rPr lang="en-US" baseline="0" dirty="0" smtClean="0"/>
-              <a:t> example</a:t>
-            </a:r>
-          </a:p>
-          <a:p>
-            <a:pPr marL="628650" lvl="1" indent="-171450">
-              <a:buFont typeface="Arial" panose="020B0604020202020204" pitchFamily="34" charset="0"/>
-              <a:buChar char="•"/>
-            </a:pPr>
-            <a:r>
-              <a:rPr lang="en-US" baseline="0" dirty="0" err="1" smtClean="0"/>
-              <a:t>GetByClassName</a:t>
-            </a:r>
-            <a:r>
-              <a:rPr lang="en-US" baseline="0" dirty="0" smtClean="0"/>
-              <a:t> example</a:t>
-            </a:r>
-          </a:p>
-          <a:p>
-            <a:pPr marL="628650" lvl="1" indent="-171450">
-              <a:buFont typeface="Arial" panose="020B0604020202020204" pitchFamily="34" charset="0"/>
-              <a:buChar char="•"/>
-            </a:pPr>
-            <a:r>
-              <a:rPr lang="en-US" baseline="0" dirty="0" err="1" smtClean="0"/>
-              <a:t>Document.QuerySelectorAll</a:t>
-            </a:r>
-            <a:r>
-              <a:rPr lang="en-US" baseline="0" dirty="0" smtClean="0"/>
-              <a:t> example</a:t>
-            </a:r>
-          </a:p>
-          <a:p>
-            <a:pPr marL="628650" lvl="1" indent="-171450">
-              <a:buFont typeface="Arial" panose="020B0604020202020204" pitchFamily="34" charset="0"/>
-              <a:buChar char="•"/>
-            </a:pPr>
-            <a:r>
-              <a:rPr lang="en-US" baseline="0" dirty="0" smtClean="0"/>
-              <a:t>Inner html update</a:t>
-            </a:r>
-          </a:p>
-          <a:p>
-            <a:pPr marL="628650" lvl="1" indent="-171450">
-              <a:buFont typeface="Arial" panose="020B0604020202020204" pitchFamily="34" charset="0"/>
-              <a:buChar char="•"/>
-            </a:pPr>
-            <a:r>
-              <a:rPr lang="en-US" baseline="0" dirty="0" smtClean="0"/>
-              <a:t>Attribute update</a:t>
-            </a:r>
-          </a:p>
-          <a:p>
-            <a:pPr marL="628650" lvl="1" indent="-171450">
-              <a:buFont typeface="Arial" panose="020B0604020202020204" pitchFamily="34" charset="0"/>
-              <a:buChar char="•"/>
-            </a:pPr>
-            <a:r>
-              <a:rPr lang="en-US" baseline="0" dirty="0" smtClean="0"/>
-              <a:t>Style update</a:t>
-            </a:r>
-          </a:p>
-          <a:p>
-            <a:pPr marL="628650" lvl="1" indent="-171450">
-              <a:buFont typeface="Arial" panose="020B0604020202020204" pitchFamily="34" charset="0"/>
-              <a:buChar char="•"/>
-            </a:pPr>
-            <a:r>
-              <a:rPr lang="en-US" baseline="0" dirty="0" smtClean="0"/>
-              <a:t>Create element</a:t>
-            </a:r>
-          </a:p>
-          <a:p>
-            <a:pPr marL="628650" lvl="1" indent="-171450">
-              <a:buFont typeface="Arial" panose="020B0604020202020204" pitchFamily="34" charset="0"/>
-              <a:buChar char="•"/>
-            </a:pPr>
-            <a:r>
-              <a:rPr lang="en-US" baseline="0" dirty="0" smtClean="0"/>
-              <a:t>Remove child</a:t>
-            </a:r>
-          </a:p>
-          <a:p>
-            <a:pPr marL="628650" lvl="1" indent="-171450">
-              <a:buFont typeface="Arial" panose="020B0604020202020204" pitchFamily="34" charset="0"/>
-              <a:buChar char="•"/>
-            </a:pPr>
-            <a:r>
-              <a:rPr lang="en-US" baseline="0" dirty="0" smtClean="0"/>
-              <a:t>Append child</a:t>
-            </a:r>
-          </a:p>
-          <a:p>
-            <a:pPr marL="628650" lvl="1" indent="-171450">
-              <a:buFont typeface="Arial" panose="020B0604020202020204" pitchFamily="34" charset="0"/>
-              <a:buChar char="•"/>
-            </a:pPr>
-            <a:r>
-              <a:rPr lang="en-US" baseline="0" dirty="0" smtClean="0"/>
-              <a:t>Replace child</a:t>
-            </a:r>
-          </a:p>
-          <a:p>
-            <a:pPr marL="628650" lvl="1" indent="-171450">
-              <a:buFont typeface="Arial" panose="020B0604020202020204" pitchFamily="34" charset="0"/>
-              <a:buChar char="•"/>
-            </a:pPr>
-            <a:r>
-              <a:rPr lang="en-US" baseline="0" dirty="0" smtClean="0"/>
-              <a:t>event</a:t>
-            </a:r>
-          </a:p>
-          <a:p>
-            <a:pPr marL="628650" lvl="1" indent="-171450">
-              <a:buFont typeface="Arial" panose="020B0604020202020204" pitchFamily="34" charset="0"/>
-              <a:buChar char="•"/>
-            </a:pPr>
-            <a:endParaRPr lang="en-US" baseline="0" dirty="0" smtClean="0"/>
-          </a:p>
-          <a:p>
-            <a:pPr marL="628650" lvl="1" indent="-171450">
-              <a:buFont typeface="Arial" panose="020B0604020202020204" pitchFamily="34" charset="0"/>
-              <a:buChar char="•"/>
-            </a:pPr>
-            <a:endParaRPr lang="en-US" baseline="0" dirty="0" smtClean="0"/>
-          </a:p>
-          <a:p>
-            <a:pPr marL="628650" lvl="1" indent="-171450">
-              <a:buFont typeface="Arial" panose="020B0604020202020204" pitchFamily="34" charset="0"/>
-              <a:buChar char="•"/>
-            </a:pPr>
-            <a:endParaRPr lang="en-US" baseline="0" dirty="0" smtClean="0"/>
-          </a:p>
-          <a:p>
-            <a:pPr marL="628650" lvl="1" indent="-171450">
-              <a:buFont typeface="Arial" panose="020B0604020202020204" pitchFamily="34" charset="0"/>
-              <a:buChar char="•"/>
-            </a:pPr>
-            <a:endParaRPr lang="en-US" dirty="0"/>
-          </a:p>
-        </p:txBody>
-      </p:sp>
-      <p:sp>
-        <p:nvSpPr>
-          <p:cNvPr id="4" name="Slide Number Placeholder 3"/>
-          <p:cNvSpPr>
-            <a:spLocks noGrp="1"/>
-          </p:cNvSpPr>
-          <p:nvPr>
-            <p:ph type="sldNum" sz="quarter" idx="10"/>
-          </p:nvPr>
-        </p:nvSpPr>
-        <p:spPr/>
-        <p:txBody>
-          <a:bodyPr/>
-          <a:lstStyle/>
-          <a:p>
-            <a:fld id="{E4704519-48BF-4605-AA23-905137934897}" type="slidenum">
-              <a:rPr lang="en-US" smtClean="0"/>
-              <a:t>37</a:t>
-            </a:fld>
-            <a:endParaRPr lang="en-US"/>
-          </a:p>
-        </p:txBody>
-      </p:sp>
-    </p:spTree>
-    <p:extLst>
-      <p:ext uri="{BB962C8B-B14F-4D97-AF65-F5344CB8AC3E}">
-        <p14:creationId xmlns:p14="http://schemas.microsoft.com/office/powerpoint/2010/main" val="2269837769"/>
-      </p:ext>
-    </p:extLst>
-  </p:cSld>
-  <p:clrMapOvr>
-    <a:masterClrMapping/>
-  </p:clrMapOvr>
-</p:notes>
-</file>
-
-<file path=ppt/notesSlides/notesSlide38.xml><?xml version="1.0" encoding="utf-8"?>
-<p:notes xmlns:a="http://schemas.openxmlformats.org/drawingml/2006/main" xmlns:r="http://schemas.openxmlformats.org/officeDocument/2006/relationships" xmlns:p="http://schemas.openxmlformats.org/presentationml/2006/main">
-  <p:cSld>
-    <p:spTree>
-      <p:nvGrpSpPr>
-        <p:cNvPr id="1" name=""/>
-        <p:cNvGrpSpPr/>
-        <p:nvPr/>
-      </p:nvGrpSpPr>
-      <p:grpSpPr>
-        <a:xfrm>
-          <a:off x="0" y="0"/>
-          <a:ext cx="0" cy="0"/>
-          <a:chOff x="0" y="0"/>
-          <a:chExt cx="0" cy="0"/>
-        </a:xfrm>
-      </p:grpSpPr>
-      <p:sp>
-        <p:nvSpPr>
-          <p:cNvPr id="2" name="Slide Image Placeholder 1"/>
-          <p:cNvSpPr>
-            <a:spLocks noGrp="1" noRot="1" noChangeAspect="1"/>
-          </p:cNvSpPr>
-          <p:nvPr>
-            <p:ph type="sldImg"/>
-          </p:nvPr>
-        </p:nvSpPr>
-        <p:spPr/>
-      </p:sp>
-      <p:sp>
-        <p:nvSpPr>
-          <p:cNvPr id="3" name="Notes Placeholder 2"/>
-          <p:cNvSpPr>
-            <a:spLocks noGrp="1"/>
-          </p:cNvSpPr>
-          <p:nvPr>
-            <p:ph type="body" idx="1"/>
-          </p:nvPr>
-        </p:nvSpPr>
-        <p:spPr/>
-        <p:txBody>
-          <a:bodyPr/>
-          <a:lstStyle/>
-          <a:p>
-            <a:pPr marL="171450" lvl="0" indent="-171450">
-              <a:buFont typeface="Arial" panose="020B0604020202020204" pitchFamily="34" charset="0"/>
-              <a:buChar char="•"/>
-            </a:pPr>
-            <a:r>
-              <a:rPr lang="en-US" sz="1200" kern="1200" dirty="0" smtClean="0">
-                <a:solidFill>
-                  <a:schemeClr val="tx1"/>
-                </a:solidFill>
-                <a:effectLst/>
-                <a:latin typeface="+mn-lt"/>
-                <a:ea typeface="+mn-ea"/>
-                <a:cs typeface="+mn-cs"/>
-              </a:rPr>
-              <a:t>Write on the board a class named Car with a variable named miles and a constructor that set miles to 100.</a:t>
-            </a:r>
-          </a:p>
-          <a:p>
-            <a:pPr marL="171450" lvl="0" indent="-171450">
-              <a:buFont typeface="Arial" panose="020B0604020202020204" pitchFamily="34" charset="0"/>
-              <a:buChar char="•"/>
-            </a:pPr>
-            <a:r>
-              <a:rPr lang="en-US" sz="1200" kern="1200" dirty="0" smtClean="0">
-                <a:solidFill>
-                  <a:schemeClr val="tx1"/>
-                </a:solidFill>
-                <a:effectLst/>
-                <a:latin typeface="+mn-lt"/>
-                <a:ea typeface="+mn-ea"/>
-                <a:cs typeface="+mn-cs"/>
-              </a:rPr>
-              <a:t>Write on the board a function that returns a number and is passed a number called Miles.  The function should be named Drive.</a:t>
-            </a:r>
-          </a:p>
-          <a:p>
-            <a:pPr marL="457200" lvl="1" indent="0">
-              <a:buFont typeface="Arial" panose="020B0604020202020204" pitchFamily="34" charset="0"/>
-              <a:buNone/>
-            </a:pPr>
-            <a:endParaRPr lang="en-US" dirty="0"/>
-          </a:p>
-        </p:txBody>
-      </p:sp>
-      <p:sp>
-        <p:nvSpPr>
-          <p:cNvPr id="4" name="Slide Number Placeholder 3"/>
-          <p:cNvSpPr>
-            <a:spLocks noGrp="1"/>
-          </p:cNvSpPr>
-          <p:nvPr>
-            <p:ph type="sldNum" sz="quarter" idx="10"/>
-          </p:nvPr>
-        </p:nvSpPr>
-        <p:spPr/>
-        <p:txBody>
-          <a:bodyPr/>
-          <a:lstStyle/>
-          <a:p>
-            <a:fld id="{226FA58D-4B12-4E7B-A2FA-693CE3EACDFD}" type="slidenum">
-              <a:rPr lang="en-US" smtClean="0"/>
-              <a:t>38</a:t>
-            </a:fld>
-            <a:endParaRPr lang="en-US"/>
-          </a:p>
-        </p:txBody>
-      </p:sp>
-    </p:spTree>
-    <p:extLst>
-      <p:ext uri="{BB962C8B-B14F-4D97-AF65-F5344CB8AC3E}">
-        <p14:creationId xmlns:p14="http://schemas.microsoft.com/office/powerpoint/2010/main" val="2043354485"/>
-      </p:ext>
-    </p:extLst>
-  </p:cSld>
-  <p:clrMapOvr>
-    <a:masterClrMapping/>
-  </p:clrMapOvr>
-</p:notes>
-</file>
-
-<file path=ppt/notesSlides/notesSlide39.xml><?xml version="1.0" encoding="utf-8"?>
-<p:notes xmlns:a="http://schemas.openxmlformats.org/drawingml/2006/main" xmlns:r="http://schemas.openxmlformats.org/officeDocument/2006/relationships" xmlns:p="http://schemas.openxmlformats.org/presentationml/2006/main">
-  <p:cSld>
-    <p:spTree>
-      <p:nvGrpSpPr>
-        <p:cNvPr id="1" name=""/>
-        <p:cNvGrpSpPr/>
-        <p:nvPr/>
-      </p:nvGrpSpPr>
-      <p:grpSpPr>
-        <a:xfrm>
-          <a:off x="0" y="0"/>
-          <a:ext cx="0" cy="0"/>
-          <a:chOff x="0" y="0"/>
-          <a:chExt cx="0" cy="0"/>
-        </a:xfrm>
-      </p:grpSpPr>
-      <p:sp>
-        <p:nvSpPr>
-          <p:cNvPr id="2" name="Slide Image Placeholder 1"/>
-          <p:cNvSpPr>
-            <a:spLocks noGrp="1" noRot="1" noChangeAspect="1"/>
-          </p:cNvSpPr>
-          <p:nvPr>
-            <p:ph type="sldImg"/>
-          </p:nvPr>
-        </p:nvSpPr>
-        <p:spPr/>
-      </p:sp>
-      <p:sp>
-        <p:nvSpPr>
-          <p:cNvPr id="3" name="Notes Placeholder 2"/>
-          <p:cNvSpPr>
-            <a:spLocks noGrp="1"/>
-          </p:cNvSpPr>
-          <p:nvPr>
-            <p:ph type="body" idx="1"/>
-          </p:nvPr>
-        </p:nvSpPr>
-        <p:spPr/>
-        <p:txBody>
-          <a:bodyPr/>
-          <a:lstStyle/>
-          <a:p>
-            <a:pPr marL="171450" indent="-171450">
-              <a:buFont typeface="Arial" panose="020B0604020202020204" pitchFamily="34" charset="0"/>
-              <a:buChar char="•"/>
-            </a:pPr>
-            <a:endParaRPr lang="en-US" dirty="0"/>
-          </a:p>
-        </p:txBody>
-      </p:sp>
-      <p:sp>
-        <p:nvSpPr>
-          <p:cNvPr id="4" name="Slide Number Placeholder 3"/>
-          <p:cNvSpPr>
-            <a:spLocks noGrp="1"/>
-          </p:cNvSpPr>
-          <p:nvPr>
-            <p:ph type="sldNum" sz="quarter" idx="10"/>
-          </p:nvPr>
-        </p:nvSpPr>
-        <p:spPr/>
-        <p:txBody>
-          <a:bodyPr/>
-          <a:lstStyle/>
-          <a:p>
-            <a:fld id="{226FA58D-4B12-4E7B-A2FA-693CE3EACDFD}" type="slidenum">
-              <a:rPr lang="en-US" smtClean="0"/>
-              <a:t>39</a:t>
-            </a:fld>
-            <a:endParaRPr lang="en-US"/>
-          </a:p>
-        </p:txBody>
-      </p:sp>
-    </p:spTree>
-    <p:extLst>
-      <p:ext uri="{BB962C8B-B14F-4D97-AF65-F5344CB8AC3E}">
-        <p14:creationId xmlns:p14="http://schemas.microsoft.com/office/powerpoint/2010/main" val="1199947901"/>
+        <p14:creationId xmlns:p14="http://schemas.microsoft.com/office/powerpoint/2010/main" val="2286655880"/>
       </p:ext>
     </p:extLst>
   </p:cSld>
@@ -5427,596 +4427,6 @@
     <p:extLst>
       <p:ext uri="{BB962C8B-B14F-4D97-AF65-F5344CB8AC3E}">
         <p14:creationId xmlns:p14="http://schemas.microsoft.com/office/powerpoint/2010/main" val="2208337427"/>
-      </p:ext>
-    </p:extLst>
-  </p:cSld>
-  <p:clrMapOvr>
-    <a:masterClrMapping/>
-  </p:clrMapOvr>
-</p:notes>
-</file>
-
-<file path=ppt/notesSlides/notesSlide40.xml><?xml version="1.0" encoding="utf-8"?>
-<p:notes xmlns:a="http://schemas.openxmlformats.org/drawingml/2006/main" xmlns:r="http://schemas.openxmlformats.org/officeDocument/2006/relationships" xmlns:p="http://schemas.openxmlformats.org/presentationml/2006/main">
-  <p:cSld>
-    <p:spTree>
-      <p:nvGrpSpPr>
-        <p:cNvPr id="1" name=""/>
-        <p:cNvGrpSpPr/>
-        <p:nvPr/>
-      </p:nvGrpSpPr>
-      <p:grpSpPr>
-        <a:xfrm>
-          <a:off x="0" y="0"/>
-          <a:ext cx="0" cy="0"/>
-          <a:chOff x="0" y="0"/>
-          <a:chExt cx="0" cy="0"/>
-        </a:xfrm>
-      </p:grpSpPr>
-      <p:sp>
-        <p:nvSpPr>
-          <p:cNvPr id="2" name="Slide Image Placeholder 1"/>
-          <p:cNvSpPr>
-            <a:spLocks noGrp="1" noRot="1" noChangeAspect="1"/>
-          </p:cNvSpPr>
-          <p:nvPr>
-            <p:ph type="sldImg"/>
-          </p:nvPr>
-        </p:nvSpPr>
-        <p:spPr/>
-      </p:sp>
-      <p:sp>
-        <p:nvSpPr>
-          <p:cNvPr id="3" name="Notes Placeholder 2"/>
-          <p:cNvSpPr>
-            <a:spLocks noGrp="1"/>
-          </p:cNvSpPr>
-          <p:nvPr>
-            <p:ph type="body" idx="1"/>
-          </p:nvPr>
-        </p:nvSpPr>
-        <p:spPr/>
-        <p:txBody>
-          <a:bodyPr/>
-          <a:lstStyle/>
-          <a:p>
-            <a:pPr marL="171450" lvl="0" indent="-171450">
-              <a:buFont typeface="Arial" panose="020B0604020202020204" pitchFamily="34" charset="0"/>
-              <a:buChar char="•"/>
-            </a:pPr>
-            <a:r>
-              <a:rPr lang="en-US" sz="1200" kern="1200" dirty="0" smtClean="0">
-                <a:solidFill>
-                  <a:schemeClr val="tx1"/>
-                </a:solidFill>
-                <a:effectLst/>
-                <a:latin typeface="+mn-lt"/>
-                <a:ea typeface="+mn-ea"/>
-                <a:cs typeface="+mn-cs"/>
-              </a:rPr>
-              <a:t>Write on the board, the html to link to a </a:t>
-            </a:r>
-            <a:r>
-              <a:rPr lang="en-US" sz="1200" kern="1200" dirty="0" err="1" smtClean="0">
-                <a:solidFill>
-                  <a:schemeClr val="tx1"/>
-                </a:solidFill>
-                <a:effectLst/>
-                <a:latin typeface="+mn-lt"/>
-                <a:ea typeface="+mn-ea"/>
-                <a:cs typeface="+mn-cs"/>
-              </a:rPr>
-              <a:t>Javascript</a:t>
-            </a:r>
-            <a:r>
-              <a:rPr lang="en-US" sz="1200" kern="1200" dirty="0" smtClean="0">
-                <a:solidFill>
-                  <a:schemeClr val="tx1"/>
-                </a:solidFill>
-                <a:effectLst/>
-                <a:latin typeface="+mn-lt"/>
-                <a:ea typeface="+mn-ea"/>
-                <a:cs typeface="+mn-cs"/>
-              </a:rPr>
-              <a:t> file name “script.js”</a:t>
-            </a:r>
-          </a:p>
-          <a:p>
-            <a:pPr marL="171450" lvl="0" indent="-171450">
-              <a:buFont typeface="Arial" panose="020B0604020202020204" pitchFamily="34" charset="0"/>
-              <a:buChar char="•"/>
-            </a:pPr>
-            <a:r>
-              <a:rPr lang="en-US" sz="1200" kern="1200" dirty="0" smtClean="0">
-                <a:solidFill>
-                  <a:schemeClr val="tx1"/>
-                </a:solidFill>
-                <a:effectLst/>
-                <a:latin typeface="+mn-lt"/>
-                <a:ea typeface="+mn-ea"/>
-                <a:cs typeface="+mn-cs"/>
-              </a:rPr>
-              <a:t>Write on the board the symbols for a single line comment.</a:t>
-            </a:r>
-          </a:p>
-          <a:p>
-            <a:pPr marL="171450" lvl="0" indent="-171450">
-              <a:buFont typeface="Arial" panose="020B0604020202020204" pitchFamily="34" charset="0"/>
-              <a:buChar char="•"/>
-            </a:pPr>
-            <a:r>
-              <a:rPr lang="en-US" sz="1200" kern="1200" dirty="0" smtClean="0">
-                <a:solidFill>
-                  <a:schemeClr val="tx1"/>
-                </a:solidFill>
-                <a:effectLst/>
-                <a:latin typeface="+mn-lt"/>
-                <a:ea typeface="+mn-ea"/>
-                <a:cs typeface="+mn-cs"/>
-              </a:rPr>
-              <a:t>Write on the board the declaration of a string variable with the value “hello world”</a:t>
-            </a:r>
-          </a:p>
-          <a:p>
-            <a:pPr marL="171450" lvl="0" indent="-171450">
-              <a:buFont typeface="Arial" panose="020B0604020202020204" pitchFamily="34" charset="0"/>
-              <a:buChar char="•"/>
-            </a:pPr>
-            <a:r>
-              <a:rPr lang="en-US" sz="1200" kern="1200" dirty="0" smtClean="0">
-                <a:solidFill>
-                  <a:schemeClr val="tx1"/>
-                </a:solidFill>
-                <a:effectLst/>
-                <a:latin typeface="+mn-lt"/>
-                <a:ea typeface="+mn-ea"/>
-                <a:cs typeface="+mn-cs"/>
-              </a:rPr>
-              <a:t>Write an if statement on the board that checks if a bool variable is true.</a:t>
-            </a:r>
-          </a:p>
-          <a:p>
-            <a:pPr marL="171450" lvl="0" indent="-171450">
-              <a:buFont typeface="Arial" panose="020B0604020202020204" pitchFamily="34" charset="0"/>
-              <a:buChar char="•"/>
-            </a:pPr>
-            <a:r>
-              <a:rPr lang="en-US" sz="1200" kern="1200" dirty="0" smtClean="0">
-                <a:solidFill>
-                  <a:schemeClr val="tx1"/>
-                </a:solidFill>
-                <a:effectLst/>
-                <a:latin typeface="+mn-lt"/>
-                <a:ea typeface="+mn-ea"/>
-                <a:cs typeface="+mn-cs"/>
-              </a:rPr>
-              <a:t>Write an if else statement on the board that checks if a bool variable is true.</a:t>
-            </a:r>
-          </a:p>
-          <a:p>
-            <a:pPr marL="171450" lvl="0" indent="-171450">
-              <a:buFont typeface="Arial" panose="020B0604020202020204" pitchFamily="34" charset="0"/>
-              <a:buChar char="•"/>
-            </a:pPr>
-            <a:r>
-              <a:rPr lang="en-US" sz="1200" kern="1200" dirty="0" smtClean="0">
-                <a:solidFill>
-                  <a:schemeClr val="tx1"/>
-                </a:solidFill>
-                <a:effectLst/>
-                <a:latin typeface="+mn-lt"/>
-                <a:ea typeface="+mn-ea"/>
-                <a:cs typeface="+mn-cs"/>
-              </a:rPr>
-              <a:t>Write a nested if statement on the board that checks two different bool variables.</a:t>
-            </a:r>
-          </a:p>
-          <a:p>
-            <a:pPr marL="171450" lvl="0" indent="-171450">
-              <a:buFont typeface="Arial" panose="020B0604020202020204" pitchFamily="34" charset="0"/>
-              <a:buChar char="•"/>
-            </a:pPr>
-            <a:r>
-              <a:rPr lang="en-US" sz="1200" kern="1200" dirty="0" smtClean="0">
-                <a:solidFill>
-                  <a:schemeClr val="tx1"/>
-                </a:solidFill>
-                <a:effectLst/>
-                <a:latin typeface="+mn-lt"/>
-                <a:ea typeface="+mn-ea"/>
-                <a:cs typeface="+mn-cs"/>
-              </a:rPr>
-              <a:t>Write if, else, else if statements to write to the console the text representation of the numbers 1 to 3.</a:t>
-            </a:r>
-          </a:p>
-          <a:p>
-            <a:pPr marL="171450" lvl="0" indent="-171450">
-              <a:buFont typeface="Arial" panose="020B0604020202020204" pitchFamily="34" charset="0"/>
-              <a:buChar char="•"/>
-            </a:pPr>
-            <a:r>
-              <a:rPr lang="en-US" sz="1200" kern="1200" dirty="0" smtClean="0">
-                <a:solidFill>
-                  <a:schemeClr val="tx1"/>
-                </a:solidFill>
-                <a:effectLst/>
-                <a:latin typeface="+mn-lt"/>
-                <a:ea typeface="+mn-ea"/>
-                <a:cs typeface="+mn-cs"/>
-              </a:rPr>
-              <a:t>Write a switch statement to write to the console the text representation of the numbers 1 to 3.</a:t>
-            </a:r>
-          </a:p>
-          <a:p>
-            <a:pPr marL="171450" lvl="0" indent="-171450">
-              <a:buFont typeface="Arial" panose="020B0604020202020204" pitchFamily="34" charset="0"/>
-              <a:buChar char="•"/>
-            </a:pPr>
-            <a:r>
-              <a:rPr lang="en-US" sz="1200" kern="1200" dirty="0" smtClean="0">
-                <a:solidFill>
-                  <a:schemeClr val="tx1"/>
-                </a:solidFill>
-                <a:effectLst/>
-                <a:latin typeface="+mn-lt"/>
-                <a:ea typeface="+mn-ea"/>
-                <a:cs typeface="+mn-cs"/>
-              </a:rPr>
-              <a:t>Write on the board a declaration of an array and initialize in with the numbers 1 to 3.</a:t>
-            </a:r>
-          </a:p>
-          <a:p>
-            <a:pPr marL="171450" lvl="0" indent="-171450">
-              <a:buFont typeface="Arial" panose="020B0604020202020204" pitchFamily="34" charset="0"/>
-              <a:buChar char="•"/>
-            </a:pPr>
-            <a:r>
-              <a:rPr lang="en-US" sz="1200" kern="1200" dirty="0" smtClean="0">
-                <a:solidFill>
-                  <a:schemeClr val="tx1"/>
-                </a:solidFill>
-                <a:effectLst/>
-                <a:latin typeface="+mn-lt"/>
-                <a:ea typeface="+mn-ea"/>
-                <a:cs typeface="+mn-cs"/>
-              </a:rPr>
-              <a:t>Write a while loop that loops through an integer array 1 to 3 and writes each number to the console.</a:t>
-            </a:r>
-          </a:p>
-          <a:p>
-            <a:pPr marL="171450" lvl="0" indent="-171450">
-              <a:buFont typeface="Arial" panose="020B0604020202020204" pitchFamily="34" charset="0"/>
-              <a:buChar char="•"/>
-            </a:pPr>
-            <a:r>
-              <a:rPr lang="en-US" sz="1200" kern="1200" dirty="0" smtClean="0">
-                <a:solidFill>
-                  <a:schemeClr val="tx1"/>
-                </a:solidFill>
-                <a:effectLst/>
-                <a:latin typeface="+mn-lt"/>
-                <a:ea typeface="+mn-ea"/>
-                <a:cs typeface="+mn-cs"/>
-              </a:rPr>
-              <a:t>Write a do while loop that loops through an integer array 1 to 3 and writes each number to the console.</a:t>
-            </a:r>
-          </a:p>
-          <a:p>
-            <a:pPr marL="171450" lvl="0" indent="-171450">
-              <a:buFont typeface="Arial" panose="020B0604020202020204" pitchFamily="34" charset="0"/>
-              <a:buChar char="•"/>
-            </a:pPr>
-            <a:r>
-              <a:rPr lang="en-US" sz="1200" kern="1200" dirty="0" smtClean="0">
-                <a:solidFill>
-                  <a:schemeClr val="tx1"/>
-                </a:solidFill>
-                <a:effectLst/>
-                <a:latin typeface="+mn-lt"/>
-                <a:ea typeface="+mn-ea"/>
-                <a:cs typeface="+mn-cs"/>
-              </a:rPr>
-              <a:t>Write a for loop that loops through an integer array 1 to 3 and writes each number to the console.</a:t>
-            </a:r>
-          </a:p>
-          <a:p>
-            <a:pPr marL="171450" lvl="0" indent="-171450">
-              <a:buFont typeface="Arial" panose="020B0604020202020204" pitchFamily="34" charset="0"/>
-              <a:buChar char="•"/>
-            </a:pPr>
-            <a:r>
-              <a:rPr lang="en-US" sz="1200" kern="1200" dirty="0" smtClean="0">
-                <a:solidFill>
-                  <a:schemeClr val="tx1"/>
-                </a:solidFill>
-                <a:effectLst/>
-                <a:latin typeface="+mn-lt"/>
-                <a:ea typeface="+mn-ea"/>
-                <a:cs typeface="+mn-cs"/>
-              </a:rPr>
-              <a:t>Write a for in loop that loops through an integer array 1 to 3 and writes each number to the console.</a:t>
-            </a:r>
-          </a:p>
-          <a:p>
-            <a:pPr marL="171450" lvl="0" indent="-171450">
-              <a:buFont typeface="Arial" panose="020B0604020202020204" pitchFamily="34" charset="0"/>
-              <a:buChar char="•"/>
-            </a:pPr>
-            <a:r>
-              <a:rPr lang="en-US" sz="1200" kern="1200" dirty="0" smtClean="0">
-                <a:solidFill>
-                  <a:schemeClr val="tx1"/>
-                </a:solidFill>
-                <a:effectLst/>
-                <a:latin typeface="+mn-lt"/>
-                <a:ea typeface="+mn-ea"/>
-                <a:cs typeface="+mn-cs"/>
-              </a:rPr>
-              <a:t>Write a method definition that does not return anything and takes two integers as parameters.</a:t>
-            </a:r>
-          </a:p>
-          <a:p>
-            <a:pPr marL="171450" lvl="0" indent="-171450">
-              <a:buFont typeface="Arial" panose="020B0604020202020204" pitchFamily="34" charset="0"/>
-              <a:buChar char="•"/>
-            </a:pPr>
-            <a:r>
-              <a:rPr lang="en-US" sz="1200" kern="1200" dirty="0" smtClean="0">
-                <a:solidFill>
-                  <a:schemeClr val="tx1"/>
-                </a:solidFill>
-                <a:effectLst/>
-                <a:latin typeface="+mn-lt"/>
-                <a:ea typeface="+mn-ea"/>
-                <a:cs typeface="+mn-cs"/>
-              </a:rPr>
-              <a:t>Write a method definition that returns a string and takes two integers as parameters.</a:t>
-            </a:r>
-          </a:p>
-          <a:p>
-            <a:pPr marL="171450" lvl="0" indent="-171450">
-              <a:buFont typeface="Arial" panose="020B0604020202020204" pitchFamily="34" charset="0"/>
-              <a:buChar char="•"/>
-            </a:pPr>
-            <a:r>
-              <a:rPr lang="en-US" sz="1200" kern="1200" dirty="0" smtClean="0">
-                <a:solidFill>
-                  <a:schemeClr val="tx1"/>
-                </a:solidFill>
-                <a:effectLst/>
-                <a:latin typeface="+mn-lt"/>
-                <a:ea typeface="+mn-ea"/>
-                <a:cs typeface="+mn-cs"/>
-              </a:rPr>
-              <a:t>Write on the board the code to get an element by id, with an id of </a:t>
-            </a:r>
-            <a:r>
-              <a:rPr lang="en-US" sz="1200" kern="1200" dirty="0" err="1" smtClean="0">
-                <a:solidFill>
-                  <a:schemeClr val="tx1"/>
-                </a:solidFill>
-                <a:effectLst/>
-                <a:latin typeface="+mn-lt"/>
-                <a:ea typeface="+mn-ea"/>
-                <a:cs typeface="+mn-cs"/>
-              </a:rPr>
-              <a:t>LastName</a:t>
-            </a:r>
-            <a:r>
-              <a:rPr lang="en-US" sz="1200" kern="1200" dirty="0" smtClean="0">
-                <a:solidFill>
-                  <a:schemeClr val="tx1"/>
-                </a:solidFill>
-                <a:effectLst/>
-                <a:latin typeface="+mn-lt"/>
-                <a:ea typeface="+mn-ea"/>
-                <a:cs typeface="+mn-cs"/>
-              </a:rPr>
-              <a:t>.</a:t>
-            </a:r>
-          </a:p>
-          <a:p>
-            <a:pPr marL="171450" lvl="0" indent="-171450">
-              <a:buFont typeface="Arial" panose="020B0604020202020204" pitchFamily="34" charset="0"/>
-              <a:buChar char="•"/>
-            </a:pPr>
-            <a:r>
-              <a:rPr lang="en-US" sz="1200" kern="1200" dirty="0" smtClean="0">
-                <a:solidFill>
-                  <a:schemeClr val="tx1"/>
-                </a:solidFill>
-                <a:effectLst/>
-                <a:latin typeface="+mn-lt"/>
-                <a:ea typeface="+mn-ea"/>
-                <a:cs typeface="+mn-cs"/>
-              </a:rPr>
-              <a:t>Write on the board the code to get an element by id, with an id of </a:t>
-            </a:r>
-            <a:r>
-              <a:rPr lang="en-US" sz="1200" kern="1200" dirty="0" err="1" smtClean="0">
-                <a:solidFill>
-                  <a:schemeClr val="tx1"/>
-                </a:solidFill>
-                <a:effectLst/>
-                <a:latin typeface="+mn-lt"/>
-                <a:ea typeface="+mn-ea"/>
-                <a:cs typeface="+mn-cs"/>
-              </a:rPr>
-              <a:t>LastName</a:t>
-            </a:r>
-            <a:r>
-              <a:rPr lang="en-US" sz="1200" kern="1200" dirty="0" smtClean="0">
-                <a:solidFill>
-                  <a:schemeClr val="tx1"/>
-                </a:solidFill>
-                <a:effectLst/>
-                <a:latin typeface="+mn-lt"/>
-                <a:ea typeface="+mn-ea"/>
-                <a:cs typeface="+mn-cs"/>
-              </a:rPr>
-              <a:t>.  Update the inner html to “Smith”</a:t>
-            </a:r>
-          </a:p>
-          <a:p>
-            <a:pPr marL="171450" lvl="0" indent="-171450">
-              <a:buFont typeface="Arial" panose="020B0604020202020204" pitchFamily="34" charset="0"/>
-              <a:buChar char="•"/>
-            </a:pPr>
-            <a:r>
-              <a:rPr lang="en-US" sz="1200" kern="1200" dirty="0" smtClean="0">
-                <a:solidFill>
-                  <a:schemeClr val="tx1"/>
-                </a:solidFill>
-                <a:effectLst/>
-                <a:latin typeface="+mn-lt"/>
-                <a:ea typeface="+mn-ea"/>
-                <a:cs typeface="+mn-cs"/>
-              </a:rPr>
-              <a:t>Write on the board a class named Car with a variable named miles and a constructor that set miles to 100.</a:t>
-            </a:r>
-          </a:p>
-          <a:p>
-            <a:pPr marL="171450" lvl="0" indent="-171450">
-              <a:buFont typeface="Arial" panose="020B0604020202020204" pitchFamily="34" charset="0"/>
-              <a:buChar char="•"/>
-            </a:pPr>
-            <a:r>
-              <a:rPr lang="en-US" sz="1200" kern="1200" dirty="0" smtClean="0">
-                <a:solidFill>
-                  <a:schemeClr val="tx1"/>
-                </a:solidFill>
-                <a:effectLst/>
-                <a:latin typeface="+mn-lt"/>
-                <a:ea typeface="+mn-ea"/>
-                <a:cs typeface="+mn-cs"/>
-              </a:rPr>
-              <a:t>Write on the board a function that returns a number and is passed a number called Miles.  The function should be named Drive.</a:t>
-            </a:r>
-          </a:p>
-          <a:p>
-            <a:pPr marL="457200" lvl="1" indent="0">
-              <a:buFont typeface="Arial" panose="020B0604020202020204" pitchFamily="34" charset="0"/>
-              <a:buNone/>
-            </a:pPr>
-            <a:endParaRPr lang="en-US" dirty="0"/>
-          </a:p>
-        </p:txBody>
-      </p:sp>
-      <p:sp>
-        <p:nvSpPr>
-          <p:cNvPr id="4" name="Slide Number Placeholder 3"/>
-          <p:cNvSpPr>
-            <a:spLocks noGrp="1"/>
-          </p:cNvSpPr>
-          <p:nvPr>
-            <p:ph type="sldNum" sz="quarter" idx="10"/>
-          </p:nvPr>
-        </p:nvSpPr>
-        <p:spPr/>
-        <p:txBody>
-          <a:bodyPr/>
-          <a:lstStyle/>
-          <a:p>
-            <a:fld id="{226FA58D-4B12-4E7B-A2FA-693CE3EACDFD}" type="slidenum">
-              <a:rPr lang="en-US" smtClean="0"/>
-              <a:t>40</a:t>
-            </a:fld>
-            <a:endParaRPr lang="en-US"/>
-          </a:p>
-        </p:txBody>
-      </p:sp>
-    </p:spTree>
-    <p:extLst>
-      <p:ext uri="{BB962C8B-B14F-4D97-AF65-F5344CB8AC3E}">
-        <p14:creationId xmlns:p14="http://schemas.microsoft.com/office/powerpoint/2010/main" val="2157254006"/>
-      </p:ext>
-    </p:extLst>
-  </p:cSld>
-  <p:clrMapOvr>
-    <a:masterClrMapping/>
-  </p:clrMapOvr>
-</p:notes>
-</file>
-
-<file path=ppt/notesSlides/notesSlide41.xml><?xml version="1.0" encoding="utf-8"?>
-<p:notes xmlns:a="http://schemas.openxmlformats.org/drawingml/2006/main" xmlns:r="http://schemas.openxmlformats.org/officeDocument/2006/relationships" xmlns:p="http://schemas.openxmlformats.org/presentationml/2006/main">
-  <p:cSld>
-    <p:spTree>
-      <p:nvGrpSpPr>
-        <p:cNvPr id="1" name=""/>
-        <p:cNvGrpSpPr/>
-        <p:nvPr/>
-      </p:nvGrpSpPr>
-      <p:grpSpPr>
-        <a:xfrm>
-          <a:off x="0" y="0"/>
-          <a:ext cx="0" cy="0"/>
-          <a:chOff x="0" y="0"/>
-          <a:chExt cx="0" cy="0"/>
-        </a:xfrm>
-      </p:grpSpPr>
-      <p:sp>
-        <p:nvSpPr>
-          <p:cNvPr id="2" name="Slide Image Placeholder 1"/>
-          <p:cNvSpPr>
-            <a:spLocks noGrp="1" noRot="1" noChangeAspect="1"/>
-          </p:cNvSpPr>
-          <p:nvPr>
-            <p:ph type="sldImg"/>
-          </p:nvPr>
-        </p:nvSpPr>
-        <p:spPr/>
-      </p:sp>
-      <p:sp>
-        <p:nvSpPr>
-          <p:cNvPr id="3" name="Notes Placeholder 2"/>
-          <p:cNvSpPr>
-            <a:spLocks noGrp="1"/>
-          </p:cNvSpPr>
-          <p:nvPr>
-            <p:ph type="body" idx="1"/>
-          </p:nvPr>
-        </p:nvSpPr>
-        <p:spPr/>
-        <p:txBody>
-          <a:bodyPr/>
-          <a:lstStyle/>
-          <a:p>
-            <a:pPr marL="171450" indent="-171450">
-              <a:buFont typeface="Arial" panose="020B0604020202020204" pitchFamily="34" charset="0"/>
-              <a:buChar char="•"/>
-            </a:pPr>
-            <a:endParaRPr lang="en-US" dirty="0"/>
-          </a:p>
-        </p:txBody>
-      </p:sp>
-      <p:sp>
-        <p:nvSpPr>
-          <p:cNvPr id="4" name="Slide Number Placeholder 3"/>
-          <p:cNvSpPr>
-            <a:spLocks noGrp="1"/>
-          </p:cNvSpPr>
-          <p:nvPr>
-            <p:ph type="sldNum" sz="quarter" idx="10"/>
-          </p:nvPr>
-        </p:nvSpPr>
-        <p:spPr/>
-        <p:txBody>
-          <a:bodyPr/>
-          <a:lstStyle/>
-          <a:p>
-            <a:fld id="{226FA58D-4B12-4E7B-A2FA-693CE3EACDFD}" type="slidenum">
-              <a:rPr lang="en-US" smtClean="0"/>
-              <a:t>41</a:t>
-            </a:fld>
-            <a:endParaRPr lang="en-US"/>
-          </a:p>
-        </p:txBody>
-      </p:sp>
-    </p:spTree>
-    <p:extLst>
-      <p:ext uri="{BB962C8B-B14F-4D97-AF65-F5344CB8AC3E}">
-        <p14:creationId xmlns:p14="http://schemas.microsoft.com/office/powerpoint/2010/main" val="2286655880"/>
       </p:ext>
     </p:extLst>
   </p:cSld>
@@ -6960,7 +5370,7 @@
           <a:p>
             <a:fld id="{96FB5D56-0812-4ED5-8B52-3D0DCBF578CB}" type="datetimeFigureOut">
               <a:rPr lang="en-US" smtClean="0"/>
-              <a:t>1/21/2018</a:t>
+              <a:t>2/4/2018</a:t>
             </a:fld>
             <a:endParaRPr lang="en-US"/>
           </a:p>
@@ -7235,7 +5645,7 @@
           <a:p>
             <a:fld id="{96FB5D56-0812-4ED5-8B52-3D0DCBF578CB}" type="datetimeFigureOut">
               <a:rPr lang="en-US" smtClean="0"/>
-              <a:t>1/21/2018</a:t>
+              <a:t>2/4/2018</a:t>
             </a:fld>
             <a:endParaRPr lang="en-US"/>
           </a:p>
@@ -7429,7 +5839,7 @@
           <a:p>
             <a:fld id="{96FB5D56-0812-4ED5-8B52-3D0DCBF578CB}" type="datetimeFigureOut">
               <a:rPr lang="en-US" smtClean="0"/>
-              <a:t>1/21/2018</a:t>
+              <a:t>2/4/2018</a:t>
             </a:fld>
             <a:endParaRPr lang="en-US"/>
           </a:p>
@@ -7702,7 +6112,7 @@
           <a:p>
             <a:fld id="{96FB5D56-0812-4ED5-8B52-3D0DCBF578CB}" type="datetimeFigureOut">
               <a:rPr lang="en-US" smtClean="0"/>
-              <a:t>1/21/2018</a:t>
+              <a:t>2/4/2018</a:t>
             </a:fld>
             <a:endParaRPr lang="en-US"/>
           </a:p>
@@ -8043,7 +6453,7 @@
           <a:p>
             <a:fld id="{96FB5D56-0812-4ED5-8B52-3D0DCBF578CB}" type="datetimeFigureOut">
               <a:rPr lang="en-US" smtClean="0"/>
-              <a:t>1/21/2018</a:t>
+              <a:t>2/4/2018</a:t>
             </a:fld>
             <a:endParaRPr lang="en-US"/>
           </a:p>
@@ -8666,7 +7076,7 @@
           <a:p>
             <a:fld id="{96FB5D56-0812-4ED5-8B52-3D0DCBF578CB}" type="datetimeFigureOut">
               <a:rPr lang="en-US" smtClean="0"/>
-              <a:t>1/21/2018</a:t>
+              <a:t>2/4/2018</a:t>
             </a:fld>
             <a:endParaRPr lang="en-US"/>
           </a:p>
@@ -9526,7 +7936,7 @@
           <a:p>
             <a:fld id="{96FB5D56-0812-4ED5-8B52-3D0DCBF578CB}" type="datetimeFigureOut">
               <a:rPr lang="en-US" smtClean="0"/>
-              <a:t>1/21/2018</a:t>
+              <a:t>2/4/2018</a:t>
             </a:fld>
             <a:endParaRPr lang="en-US"/>
           </a:p>
@@ -9696,7 +8106,7 @@
           <a:p>
             <a:fld id="{96FB5D56-0812-4ED5-8B52-3D0DCBF578CB}" type="datetimeFigureOut">
               <a:rPr lang="en-US" smtClean="0"/>
-              <a:t>1/21/2018</a:t>
+              <a:t>2/4/2018</a:t>
             </a:fld>
             <a:endParaRPr lang="en-US"/>
           </a:p>
@@ -9876,7 +8286,7 @@
           <a:p>
             <a:fld id="{96FB5D56-0812-4ED5-8B52-3D0DCBF578CB}" type="datetimeFigureOut">
               <a:rPr lang="en-US" smtClean="0"/>
-              <a:t>1/21/2018</a:t>
+              <a:t>2/4/2018</a:t>
             </a:fld>
             <a:endParaRPr lang="en-US"/>
           </a:p>
@@ -10046,7 +8456,7 @@
           <a:p>
             <a:fld id="{96FB5D56-0812-4ED5-8B52-3D0DCBF578CB}" type="datetimeFigureOut">
               <a:rPr lang="en-US" smtClean="0"/>
-              <a:t>1/21/2018</a:t>
+              <a:t>2/4/2018</a:t>
             </a:fld>
             <a:endParaRPr lang="en-US"/>
           </a:p>
@@ -10293,7 +8703,7 @@
           <a:p>
             <a:fld id="{96FB5D56-0812-4ED5-8B52-3D0DCBF578CB}" type="datetimeFigureOut">
               <a:rPr lang="en-US" smtClean="0"/>
-              <a:t>1/21/2018</a:t>
+              <a:t>2/4/2018</a:t>
             </a:fld>
             <a:endParaRPr lang="en-US"/>
           </a:p>
@@ -10585,7 +8995,7 @@
           <a:p>
             <a:fld id="{96FB5D56-0812-4ED5-8B52-3D0DCBF578CB}" type="datetimeFigureOut">
               <a:rPr lang="en-US" smtClean="0"/>
-              <a:t>1/21/2018</a:t>
+              <a:t>2/4/2018</a:t>
             </a:fld>
             <a:endParaRPr lang="en-US"/>
           </a:p>
@@ -11029,7 +9439,7 @@
           <a:p>
             <a:fld id="{96FB5D56-0812-4ED5-8B52-3D0DCBF578CB}" type="datetimeFigureOut">
               <a:rPr lang="en-US" smtClean="0"/>
-              <a:t>1/21/2018</a:t>
+              <a:t>2/4/2018</a:t>
             </a:fld>
             <a:endParaRPr lang="en-US"/>
           </a:p>
@@ -11147,7 +9557,7 @@
           <a:p>
             <a:fld id="{96FB5D56-0812-4ED5-8B52-3D0DCBF578CB}" type="datetimeFigureOut">
               <a:rPr lang="en-US" smtClean="0"/>
-              <a:t>1/21/2018</a:t>
+              <a:t>2/4/2018</a:t>
             </a:fld>
             <a:endParaRPr lang="en-US"/>
           </a:p>
@@ -11242,7 +9652,7 @@
           <a:p>
             <a:fld id="{96FB5D56-0812-4ED5-8B52-3D0DCBF578CB}" type="datetimeFigureOut">
               <a:rPr lang="en-US" smtClean="0"/>
-              <a:t>1/21/2018</a:t>
+              <a:t>2/4/2018</a:t>
             </a:fld>
             <a:endParaRPr lang="en-US"/>
           </a:p>
@@ -11521,7 +9931,7 @@
           <a:p>
             <a:fld id="{96FB5D56-0812-4ED5-8B52-3D0DCBF578CB}" type="datetimeFigureOut">
               <a:rPr lang="en-US" smtClean="0"/>
-              <a:t>1/21/2018</a:t>
+              <a:t>2/4/2018</a:t>
             </a:fld>
             <a:endParaRPr lang="en-US"/>
           </a:p>
@@ -11796,7 +10206,7 @@
           <a:p>
             <a:fld id="{96FB5D56-0812-4ED5-8B52-3D0DCBF578CB}" type="datetimeFigureOut">
               <a:rPr lang="en-US" smtClean="0"/>
-              <a:t>1/21/2018</a:t>
+              <a:t>2/4/2018</a:t>
             </a:fld>
             <a:endParaRPr lang="en-US"/>
           </a:p>
@@ -12225,7 +10635,7 @@
           <a:p>
             <a:fld id="{96FB5D56-0812-4ED5-8B52-3D0DCBF578CB}" type="datetimeFigureOut">
               <a:rPr lang="en-US" smtClean="0"/>
-              <a:t>1/21/2018</a:t>
+              <a:t>2/4/2018</a:t>
             </a:fld>
             <a:endParaRPr lang="en-US"/>
           </a:p>
@@ -12901,6 +11311,36 @@
           </a:p>
         </p:txBody>
       </p:sp>
+      <p:pic>
+        <p:nvPicPr>
+          <p:cNvPr id="4" name="Picture 3"/>
+          <p:cNvPicPr>
+            <a:picLocks noChangeAspect="1"/>
+          </p:cNvPicPr>
+          <p:nvPr/>
+        </p:nvPicPr>
+        <p:blipFill>
+          <a:blip r:embed="rId3">
+            <a:extLst>
+              <a:ext uri="{28A0092B-C50C-407E-A947-70E740481C1C}">
+                <a14:useLocalDpi xmlns:a14="http://schemas.microsoft.com/office/drawing/2010/main" val="0"/>
+              </a:ext>
+            </a:extLst>
+          </a:blip>
+          <a:stretch>
+            <a:fillRect/>
+          </a:stretch>
+        </p:blipFill>
+        <p:spPr>
+          <a:xfrm>
+            <a:off x="7950200" y="1447800"/>
+            <a:ext cx="3571240" cy="4529836"/>
+          </a:xfrm>
+          <a:prstGeom prst="rect">
+            <a:avLst/>
+          </a:prstGeom>
+        </p:spPr>
+      </p:pic>
     </p:spTree>
     <p:extLst>
       <p:ext uri="{BB962C8B-B14F-4D97-AF65-F5344CB8AC3E}">
@@ -13291,6 +11731,36 @@
           </a:p>
         </p:txBody>
       </p:sp>
+      <p:pic>
+        <p:nvPicPr>
+          <p:cNvPr id="4" name="Content Placeholder 4"/>
+          <p:cNvPicPr>
+            <a:picLocks noChangeAspect="1"/>
+          </p:cNvPicPr>
+          <p:nvPr/>
+        </p:nvPicPr>
+        <p:blipFill>
+          <a:blip r:embed="rId3">
+            <a:extLst>
+              <a:ext uri="{28A0092B-C50C-407E-A947-70E740481C1C}">
+                <a14:useLocalDpi xmlns:a14="http://schemas.microsoft.com/office/drawing/2010/main" val="0"/>
+              </a:ext>
+            </a:extLst>
+          </a:blip>
+          <a:stretch>
+            <a:fillRect/>
+          </a:stretch>
+        </p:blipFill>
+        <p:spPr>
+          <a:xfrm>
+            <a:off x="1154955" y="563880"/>
+            <a:ext cx="3819192" cy="3055354"/>
+          </a:xfrm>
+          <a:prstGeom prst="rect">
+            <a:avLst/>
+          </a:prstGeom>
+        </p:spPr>
+      </p:pic>
     </p:spTree>
     <p:extLst>
       <p:ext uri="{BB962C8B-B14F-4D97-AF65-F5344CB8AC3E}">
@@ -13374,6 +11844,36 @@
           </a:p>
         </p:txBody>
       </p:sp>
+      <p:pic>
+        <p:nvPicPr>
+          <p:cNvPr id="4" name="Picture 3"/>
+          <p:cNvPicPr>
+            <a:picLocks noChangeAspect="1"/>
+          </p:cNvPicPr>
+          <p:nvPr/>
+        </p:nvPicPr>
+        <p:blipFill>
+          <a:blip r:embed="rId3">
+            <a:extLst>
+              <a:ext uri="{28A0092B-C50C-407E-A947-70E740481C1C}">
+                <a14:useLocalDpi xmlns:a14="http://schemas.microsoft.com/office/drawing/2010/main" val="0"/>
+              </a:ext>
+            </a:extLst>
+          </a:blip>
+          <a:stretch>
+            <a:fillRect/>
+          </a:stretch>
+        </p:blipFill>
+        <p:spPr>
+          <a:xfrm>
+            <a:off x="7950200" y="1447800"/>
+            <a:ext cx="3571240" cy="4529836"/>
+          </a:xfrm>
+          <a:prstGeom prst="rect">
+            <a:avLst/>
+          </a:prstGeom>
+        </p:spPr>
+      </p:pic>
     </p:spTree>
     <p:extLst>
       <p:ext uri="{BB962C8B-B14F-4D97-AF65-F5344CB8AC3E}">
@@ -13428,7 +11928,7 @@
           <a:p>
             <a:r>
               <a:rPr lang="en-US" dirty="0" smtClean="0"/>
-              <a:t>Condition Exercises</a:t>
+              <a:t>Assignment</a:t>
             </a:r>
             <a:endParaRPr lang="en-US" dirty="0"/>
           </a:p>
@@ -13446,8 +11946,8 @@
         </p:nvSpPr>
         <p:spPr>
           <a:xfrm>
-            <a:off x="1103312" y="2060575"/>
-            <a:ext cx="10008033" cy="4195763"/>
+            <a:off x="496388" y="1387975"/>
+            <a:ext cx="7772401" cy="5119408"/>
           </a:xfrm>
         </p:spPr>
         <p:txBody>
@@ -13457,75 +11957,84 @@
           <a:lstStyle/>
           <a:p>
             <a:r>
-              <a:rPr lang="en-US" sz="2800" dirty="0"/>
-              <a:t>Write one </a:t>
-            </a:r>
-            <a:r>
-              <a:rPr lang="en-US" sz="2800" dirty="0" err="1"/>
-              <a:t>int</a:t>
-            </a:r>
-            <a:r>
-              <a:rPr lang="en-US" sz="2800" dirty="0"/>
-              <a:t> variable and set it to a value between 1 and 5.  Write </a:t>
-            </a:r>
-            <a:r>
               <a:rPr lang="en-US" sz="2800" dirty="0" smtClean="0"/>
-              <a:t>if else statements </a:t>
-            </a:r>
-            <a:r>
-              <a:rPr lang="en-US" sz="2800" dirty="0"/>
-              <a:t>that writes the number.  If the </a:t>
-            </a:r>
-            <a:r>
-              <a:rPr lang="en-US" sz="2800" dirty="0" err="1"/>
-              <a:t>int</a:t>
-            </a:r>
-            <a:r>
-              <a:rPr lang="en-US" sz="2800" dirty="0"/>
-              <a:t> is not 1 to 5, write “I don’t know this number”.</a:t>
-            </a:r>
+              <a:t>A status report is needed of all government employees.  Statuses are:</a:t>
+            </a:r>
+          </a:p>
+          <a:p>
+            <a:pPr lvl="1"/>
+            <a:r>
+              <a:rPr lang="en-US" sz="2800" dirty="0" smtClean="0"/>
+              <a:t>1: Alive, 2: Zombie, 3: Dead, 4: Unknown</a:t>
+            </a:r>
+            <a:endParaRPr lang="en-US" sz="2800" dirty="0"/>
           </a:p>
           <a:p>
             <a:pPr lvl="0"/>
             <a:r>
               <a:rPr lang="en-US" sz="2800" dirty="0" smtClean="0"/>
-              <a:t>Write </a:t>
-            </a:r>
-            <a:r>
-              <a:rPr lang="en-US" sz="2800" dirty="0"/>
-              <a:t>one </a:t>
-            </a:r>
-            <a:r>
-              <a:rPr lang="en-US" sz="2800" dirty="0" err="1"/>
-              <a:t>int</a:t>
-            </a:r>
-            <a:r>
-              <a:rPr lang="en-US" sz="2800" dirty="0"/>
-              <a:t> </a:t>
+              <a:t>Given an </a:t>
             </a:r>
             <a:r>
               <a:rPr lang="en-US" sz="2800" dirty="0" smtClean="0"/>
-              <a:t>variable </a:t>
-            </a:r>
-            <a:r>
-              <a:rPr lang="en-US" sz="2800" dirty="0"/>
-              <a:t>and set it to a value between 1 and 5.  Write a switch statement that writes the number.  If the </a:t>
-            </a:r>
-            <a:r>
-              <a:rPr lang="en-US" sz="2800" dirty="0" err="1"/>
-              <a:t>int</a:t>
-            </a:r>
-            <a:r>
-              <a:rPr lang="en-US" sz="2800" dirty="0"/>
-              <a:t> is not 1 to 5, write “I don’t know this number”.</a:t>
-            </a:r>
-          </a:p>
-        </p:txBody>
-      </p:sp>
+              <a:t>number variable</a:t>
+            </a:r>
+            <a:r>
+              <a:rPr lang="en-US" sz="2800" dirty="0" smtClean="0"/>
+              <a:t>, write if else statements and console out the persons status.</a:t>
+            </a:r>
+          </a:p>
+          <a:p>
+            <a:pPr lvl="0"/>
+            <a:r>
+              <a:rPr lang="en-US" sz="2800" dirty="0" smtClean="0"/>
+              <a:t>Using the same </a:t>
+            </a:r>
+            <a:r>
+              <a:rPr lang="en-US" sz="2800" dirty="0" smtClean="0"/>
+              <a:t>number variable</a:t>
+            </a:r>
+            <a:r>
+              <a:rPr lang="en-US" sz="2800" dirty="0" smtClean="0"/>
+              <a:t>, modify your code to perform the same operation with a switch statement.</a:t>
+            </a:r>
+            <a:endParaRPr lang="en-US" sz="2800" dirty="0"/>
+          </a:p>
+        </p:txBody>
+      </p:sp>
+      <p:pic>
+        <p:nvPicPr>
+          <p:cNvPr id="5" name="Content Placeholder 4"/>
+          <p:cNvPicPr>
+            <a:picLocks noGrp="1" noChangeAspect="1"/>
+          </p:cNvPicPr>
+          <p:nvPr>
+            <p:ph sz="half" idx="2"/>
+          </p:nvPr>
+        </p:nvPicPr>
+        <p:blipFill>
+          <a:blip r:embed="rId3">
+            <a:extLst>
+              <a:ext uri="{28A0092B-C50C-407E-A947-70E740481C1C}">
+                <a14:useLocalDpi xmlns:a14="http://schemas.microsoft.com/office/drawing/2010/main" val="0"/>
+              </a:ext>
+            </a:extLst>
+          </a:blip>
+          <a:stretch>
+            <a:fillRect/>
+          </a:stretch>
+        </p:blipFill>
+        <p:spPr>
+          <a:xfrm>
+            <a:off x="8630940" y="1387975"/>
+            <a:ext cx="3179422" cy="5119408"/>
+          </a:xfrm>
+        </p:spPr>
+      </p:pic>
     </p:spTree>
     <p:extLst>
       <p:ext uri="{BB962C8B-B14F-4D97-AF65-F5344CB8AC3E}">
-        <p14:creationId xmlns:p14="http://schemas.microsoft.com/office/powerpoint/2010/main" val="4051790177"/>
+        <p14:creationId xmlns:p14="http://schemas.microsoft.com/office/powerpoint/2010/main" val="2556774148"/>
       </p:ext>
     </p:extLst>
   </p:cSld>
@@ -13692,6 +12201,36 @@
           </a:p>
         </p:txBody>
       </p:sp>
+      <p:pic>
+        <p:nvPicPr>
+          <p:cNvPr id="4" name="Content Placeholder 4"/>
+          <p:cNvPicPr>
+            <a:picLocks noChangeAspect="1"/>
+          </p:cNvPicPr>
+          <p:nvPr/>
+        </p:nvPicPr>
+        <p:blipFill>
+          <a:blip r:embed="rId3">
+            <a:extLst>
+              <a:ext uri="{28A0092B-C50C-407E-A947-70E740481C1C}">
+                <a14:useLocalDpi xmlns:a14="http://schemas.microsoft.com/office/drawing/2010/main" val="0"/>
+              </a:ext>
+            </a:extLst>
+          </a:blip>
+          <a:stretch>
+            <a:fillRect/>
+          </a:stretch>
+        </p:blipFill>
+        <p:spPr>
+          <a:xfrm>
+            <a:off x="1154955" y="563880"/>
+            <a:ext cx="3819192" cy="3055354"/>
+          </a:xfrm>
+          <a:prstGeom prst="rect">
+            <a:avLst/>
+          </a:prstGeom>
+        </p:spPr>
+      </p:pic>
     </p:spTree>
     <p:extLst>
       <p:ext uri="{BB962C8B-B14F-4D97-AF65-F5344CB8AC3E}">
@@ -13775,6 +12314,36 @@
           </a:p>
         </p:txBody>
       </p:sp>
+      <p:pic>
+        <p:nvPicPr>
+          <p:cNvPr id="4" name="Picture 3"/>
+          <p:cNvPicPr>
+            <a:picLocks noChangeAspect="1"/>
+          </p:cNvPicPr>
+          <p:nvPr/>
+        </p:nvPicPr>
+        <p:blipFill>
+          <a:blip r:embed="rId3">
+            <a:extLst>
+              <a:ext uri="{28A0092B-C50C-407E-A947-70E740481C1C}">
+                <a14:useLocalDpi xmlns:a14="http://schemas.microsoft.com/office/drawing/2010/main" val="0"/>
+              </a:ext>
+            </a:extLst>
+          </a:blip>
+          <a:stretch>
+            <a:fillRect/>
+          </a:stretch>
+        </p:blipFill>
+        <p:spPr>
+          <a:xfrm>
+            <a:off x="7950200" y="1447800"/>
+            <a:ext cx="3571240" cy="4529836"/>
+          </a:xfrm>
+          <a:prstGeom prst="rect">
+            <a:avLst/>
+          </a:prstGeom>
+        </p:spPr>
+      </p:pic>
     </p:spTree>
     <p:extLst>
       <p:ext uri="{BB962C8B-B14F-4D97-AF65-F5344CB8AC3E}">
@@ -13957,7 +12526,7 @@
           <a:p>
             <a:r>
               <a:rPr lang="en-US" dirty="0" smtClean="0"/>
-              <a:t>Loop Exercises</a:t>
+              <a:t>Assignment</a:t>
             </a:r>
             <a:endParaRPr lang="en-US" dirty="0"/>
           </a:p>
@@ -13975,74 +12544,94 @@
         </p:nvSpPr>
         <p:spPr>
           <a:xfrm>
-            <a:off x="1103312" y="2060575"/>
-            <a:ext cx="10008033" cy="4195763"/>
+            <a:off x="496388" y="1387975"/>
+            <a:ext cx="7772401" cy="5119408"/>
           </a:xfrm>
         </p:spPr>
         <p:txBody>
           <a:bodyPr>
-            <a:normAutofit/>
+            <a:normAutofit lnSpcReduction="10000"/>
           </a:bodyPr>
           <a:lstStyle/>
           <a:p>
+            <a:r>
+              <a:rPr lang="en-US" sz="2800" dirty="0" smtClean="0"/>
+              <a:t>A status report is needed of all government employees.  Statuses are:</a:t>
+            </a:r>
+          </a:p>
+          <a:p>
+            <a:pPr lvl="1"/>
+            <a:r>
+              <a:rPr lang="en-US" sz="2800" dirty="0" smtClean="0"/>
+              <a:t>1: Alive, 2: Zombie, 3: Dead, 4: Unknown</a:t>
+            </a:r>
+            <a:endParaRPr lang="en-US" sz="2800" dirty="0"/>
+          </a:p>
+          <a:p>
             <a:pPr lvl="0"/>
             <a:r>
-              <a:rPr lang="en-US" sz="2800" dirty="0"/>
-              <a:t>Write a loop that prints out the numbers 1 through 10.  Use each loop type and notice the differences.</a:t>
+              <a:rPr lang="en-US" sz="2800" dirty="0" smtClean="0"/>
+              <a:t>Given an array of </a:t>
+            </a:r>
+            <a:r>
+              <a:rPr lang="en-US" sz="2800" dirty="0" smtClean="0"/>
+              <a:t>number variable</a:t>
+            </a:r>
+            <a:r>
+              <a:rPr lang="en-US" sz="2800" dirty="0" smtClean="0"/>
+              <a:t>, write loops with if else statements and console out everyone’s status.</a:t>
             </a:r>
           </a:p>
           <a:p>
             <a:pPr lvl="0"/>
             <a:r>
-              <a:rPr lang="en-US" sz="2800" dirty="0"/>
-              <a:t>Use </a:t>
-            </a:r>
-            <a:r>
               <a:rPr lang="en-US" sz="2800" dirty="0" smtClean="0"/>
-              <a:t>for in to </a:t>
-            </a:r>
-            <a:r>
-              <a:rPr lang="en-US" sz="2800" dirty="0"/>
-              <a:t>loop through </a:t>
-            </a:r>
+              <a:t>Use all loop types.</a:t>
+            </a:r>
+          </a:p>
+          <a:p>
+            <a:pPr lvl="0"/>
             <a:r>
               <a:rPr lang="en-US" sz="2800" dirty="0" smtClean="0"/>
-              <a:t>an array of </a:t>
-            </a:r>
-            <a:r>
-              <a:rPr lang="en-US" sz="2800" dirty="0"/>
-              <a:t>numbers and write out the number.</a:t>
-            </a:r>
-          </a:p>
-          <a:p>
-            <a:pPr lvl="0"/>
-            <a:r>
-              <a:rPr lang="en-US" sz="2800" dirty="0"/>
-              <a:t>Write a loop that loops through an array of integers and writes out </a:t>
-            </a:r>
-            <a:r>
-              <a:rPr lang="en-US" sz="2800" dirty="0" smtClean="0"/>
-              <a:t>“that’s </a:t>
-            </a:r>
-            <a:r>
-              <a:rPr lang="en-US" sz="2800" dirty="0"/>
-              <a:t>my </a:t>
-            </a:r>
-            <a:r>
-              <a:rPr lang="en-US" sz="2800" dirty="0" smtClean="0"/>
-              <a:t>number”, </a:t>
-            </a:r>
-            <a:r>
-              <a:rPr lang="en-US" sz="2800" dirty="0"/>
-              <a:t>if the number equals 5.</a:t>
-            </a:r>
-          </a:p>
-        </p:txBody>
-      </p:sp>
+              <a:t>Given another array of string variables with names, write out the name and their status.</a:t>
+            </a:r>
+            <a:endParaRPr lang="en-US" sz="2800" dirty="0"/>
+          </a:p>
+        </p:txBody>
+      </p:sp>
+      <p:pic>
+        <p:nvPicPr>
+          <p:cNvPr id="5" name="Content Placeholder 4"/>
+          <p:cNvPicPr>
+            <a:picLocks noGrp="1" noChangeAspect="1"/>
+          </p:cNvPicPr>
+          <p:nvPr>
+            <p:ph sz="half" idx="2"/>
+          </p:nvPr>
+        </p:nvPicPr>
+        <p:blipFill>
+          <a:blip r:embed="rId3">
+            <a:extLst>
+              <a:ext uri="{28A0092B-C50C-407E-A947-70E740481C1C}">
+                <a14:useLocalDpi xmlns:a14="http://schemas.microsoft.com/office/drawing/2010/main" val="0"/>
+              </a:ext>
+            </a:extLst>
+          </a:blip>
+          <a:stretch>
+            <a:fillRect/>
+          </a:stretch>
+        </p:blipFill>
+        <p:spPr>
+          <a:xfrm>
+            <a:off x="8630940" y="1387975"/>
+            <a:ext cx="3179422" cy="5119408"/>
+          </a:xfrm>
+        </p:spPr>
+      </p:pic>
     </p:spTree>
     <p:extLst>
       <p:ext uri="{BB962C8B-B14F-4D97-AF65-F5344CB8AC3E}">
-        <p14:creationId xmlns:p14="http://schemas.microsoft.com/office/powerpoint/2010/main" val="2967846863"/>
+        <p14:creationId xmlns:p14="http://schemas.microsoft.com/office/powerpoint/2010/main" val="2121628647"/>
       </p:ext>
     </p:extLst>
   </p:cSld>
@@ -14255,80 +12844,81 @@
           <a:p>
             <a:r>
               <a:rPr lang="en-US" dirty="0"/>
-              <a:t>f</a:t>
-            </a:r>
+              <a:t>EXAMPLE</a:t>
+            </a:r>
+          </a:p>
+        </p:txBody>
+      </p:sp>
+      <p:sp>
+        <p:nvSpPr>
+          <p:cNvPr id="3" name="Text Placeholder 2"/>
+          <p:cNvSpPr>
+            <a:spLocks noGrp="1"/>
+          </p:cNvSpPr>
+          <p:nvPr>
+            <p:ph type="body" idx="1"/>
+          </p:nvPr>
+        </p:nvSpPr>
+        <p:spPr/>
+        <p:txBody>
+          <a:bodyPr/>
+          <a:lstStyle/>
+          <a:p>
             <a:r>
               <a:rPr lang="en-US" dirty="0" smtClean="0"/>
-              <a:t>unction Objects (Modules)</a:t>
+              <a:t>Functions</a:t>
             </a:r>
             <a:endParaRPr lang="en-US" dirty="0"/>
           </a:p>
         </p:txBody>
       </p:sp>
-      <p:sp>
-        <p:nvSpPr>
-          <p:cNvPr id="3" name="Content Placeholder 2"/>
-          <p:cNvSpPr>
-            <a:spLocks noGrp="1"/>
-          </p:cNvSpPr>
-          <p:nvPr>
-            <p:ph idx="1"/>
-          </p:nvPr>
-        </p:nvSpPr>
-        <p:spPr/>
-        <p:txBody>
-          <a:bodyPr>
-            <a:normAutofit/>
-          </a:bodyPr>
-          <a:lstStyle/>
-          <a:p>
-            <a:r>
-              <a:rPr lang="en-US" sz="2400" dirty="0" smtClean="0"/>
-              <a:t>The module design patterns allow for something like an object</a:t>
-            </a:r>
-          </a:p>
-          <a:p>
-            <a:r>
-              <a:rPr lang="en-US" sz="2400" dirty="0" smtClean="0"/>
-              <a:t>Not quite object oriented, but something similar</a:t>
-            </a:r>
-          </a:p>
-          <a:p>
-            <a:r>
-              <a:rPr lang="en-US" sz="2400" dirty="0" smtClean="0"/>
-              <a:t>Create an overall function for the module</a:t>
-            </a:r>
-          </a:p>
-          <a:p>
-            <a:r>
-              <a:rPr lang="en-US" sz="2400" dirty="0" smtClean="0"/>
-              <a:t>Then add variables and functions inside</a:t>
-            </a:r>
-          </a:p>
-          <a:p>
-            <a:r>
-              <a:rPr lang="en-US" sz="2400" dirty="0" smtClean="0"/>
-              <a:t>Return functions that you want to be public</a:t>
-            </a:r>
-          </a:p>
-          <a:p>
-            <a:r>
-              <a:rPr lang="en-US" sz="2400" dirty="0" smtClean="0"/>
-              <a:t>Get Closure effect</a:t>
-            </a:r>
-          </a:p>
-        </p:txBody>
-      </p:sp>
+      <p:pic>
+        <p:nvPicPr>
+          <p:cNvPr id="4" name="Content Placeholder 4"/>
+          <p:cNvPicPr>
+            <a:picLocks noChangeAspect="1"/>
+          </p:cNvPicPr>
+          <p:nvPr/>
+        </p:nvPicPr>
+        <p:blipFill>
+          <a:blip r:embed="rId3">
+            <a:extLst>
+              <a:ext uri="{28A0092B-C50C-407E-A947-70E740481C1C}">
+                <a14:useLocalDpi xmlns:a14="http://schemas.microsoft.com/office/drawing/2010/main" val="0"/>
+              </a:ext>
+            </a:extLst>
+          </a:blip>
+          <a:stretch>
+            <a:fillRect/>
+          </a:stretch>
+        </p:blipFill>
+        <p:spPr>
+          <a:xfrm>
+            <a:off x="1154955" y="563880"/>
+            <a:ext cx="3819192" cy="3055354"/>
+          </a:xfrm>
+          <a:prstGeom prst="rect">
+            <a:avLst/>
+          </a:prstGeom>
+        </p:spPr>
+      </p:pic>
     </p:spTree>
     <p:extLst>
       <p:ext uri="{BB962C8B-B14F-4D97-AF65-F5344CB8AC3E}">
-        <p14:creationId xmlns:p14="http://schemas.microsoft.com/office/powerpoint/2010/main" val="1236590830"/>
+        <p14:creationId xmlns:p14="http://schemas.microsoft.com/office/powerpoint/2010/main" val="3581534621"/>
       </p:ext>
     </p:extLst>
   </p:cSld>
   <p:clrMapOvr>
     <a:masterClrMapping/>
   </p:clrMapOvr>
+  <p:timing>
+    <p:tnLst>
+      <p:par>
+        <p:cTn id="1" dur="indefinite" restart="never" nodeType="tmRoot"/>
+      </p:par>
+    </p:tnLst>
+  </p:timing>
 </p:sld>
 </file>
 
@@ -14356,29 +12946,30 @@
             <a:spLocks noGrp="1"/>
           </p:cNvSpPr>
           <p:nvPr>
-            <p:ph type="title"/>
-          </p:nvPr>
-        </p:nvSpPr>
-        <p:spPr/>
-        <p:txBody>
-          <a:bodyPr/>
-          <a:lstStyle/>
-          <a:p>
-            <a:r>
-              <a:rPr lang="en-US" dirty="0"/>
-              <a:t>EXAMPLE</a:t>
-            </a:r>
-          </a:p>
-        </p:txBody>
-      </p:sp>
-      <p:sp>
-        <p:nvSpPr>
-          <p:cNvPr id="3" name="Text Placeholder 2"/>
-          <p:cNvSpPr>
-            <a:spLocks noGrp="1"/>
-          </p:cNvSpPr>
-          <p:nvPr>
-            <p:ph type="body" idx="1"/>
+            <p:ph type="ctrTitle"/>
+          </p:nvPr>
+        </p:nvSpPr>
+        <p:spPr/>
+        <p:txBody>
+          <a:bodyPr/>
+          <a:lstStyle/>
+          <a:p>
+            <a:r>
+              <a:rPr lang="en-US" dirty="0" smtClean="0"/>
+              <a:t>ASSESSMENT</a:t>
+            </a:r>
+            <a:endParaRPr lang="en-US" dirty="0"/>
+          </a:p>
+        </p:txBody>
+      </p:sp>
+      <p:sp>
+        <p:nvSpPr>
+          <p:cNvPr id="3" name="Subtitle 2"/>
+          <p:cNvSpPr>
+            <a:spLocks noGrp="1"/>
+          </p:cNvSpPr>
+          <p:nvPr>
+            <p:ph type="subTitle" idx="1"/>
           </p:nvPr>
         </p:nvSpPr>
         <p:spPr/>
@@ -14394,10 +12985,40 @@
           </a:p>
         </p:txBody>
       </p:sp>
+      <p:pic>
+        <p:nvPicPr>
+          <p:cNvPr id="4" name="Picture 3"/>
+          <p:cNvPicPr>
+            <a:picLocks noChangeAspect="1"/>
+          </p:cNvPicPr>
+          <p:nvPr/>
+        </p:nvPicPr>
+        <p:blipFill>
+          <a:blip r:embed="rId3">
+            <a:extLst>
+              <a:ext uri="{28A0092B-C50C-407E-A947-70E740481C1C}">
+                <a14:useLocalDpi xmlns:a14="http://schemas.microsoft.com/office/drawing/2010/main" val="0"/>
+              </a:ext>
+            </a:extLst>
+          </a:blip>
+          <a:stretch>
+            <a:fillRect/>
+          </a:stretch>
+        </p:blipFill>
+        <p:spPr>
+          <a:xfrm>
+            <a:off x="7950200" y="1447800"/>
+            <a:ext cx="3571240" cy="4529836"/>
+          </a:xfrm>
+          <a:prstGeom prst="rect">
+            <a:avLst/>
+          </a:prstGeom>
+        </p:spPr>
+      </p:pic>
     </p:spTree>
     <p:extLst>
       <p:ext uri="{BB962C8B-B14F-4D97-AF65-F5344CB8AC3E}">
-        <p14:creationId xmlns:p14="http://schemas.microsoft.com/office/powerpoint/2010/main" val="3581534621"/>
+        <p14:creationId xmlns:p14="http://schemas.microsoft.com/office/powerpoint/2010/main" val="1119947140"/>
       </p:ext>
     </p:extLst>
   </p:cSld>
@@ -14438,7 +13059,7 @@
             <a:spLocks noGrp="1"/>
           </p:cNvSpPr>
           <p:nvPr>
-            <p:ph type="ctrTitle"/>
+            <p:ph type="title"/>
           </p:nvPr>
         </p:nvSpPr>
         <p:spPr/>
@@ -14448,7 +13069,7 @@
           <a:p>
             <a:r>
               <a:rPr lang="en-US" dirty="0" smtClean="0"/>
-              <a:t>ASSESSMENT</a:t>
+              <a:t>Assignment</a:t>
             </a:r>
             <a:endParaRPr lang="en-US" dirty="0"/>
           </a:p>
@@ -14456,44 +13077,92 @@
       </p:sp>
       <p:sp>
         <p:nvSpPr>
-          <p:cNvPr id="3" name="Subtitle 2"/>
-          <p:cNvSpPr>
-            <a:spLocks noGrp="1"/>
-          </p:cNvSpPr>
-          <p:nvPr>
-            <p:ph type="subTitle" idx="1"/>
-          </p:nvPr>
-        </p:nvSpPr>
-        <p:spPr/>
-        <p:txBody>
-          <a:bodyPr/>
-          <a:lstStyle/>
-          <a:p>
-            <a:r>
-              <a:rPr lang="en-US" dirty="0" smtClean="0"/>
-              <a:t>Functions</a:t>
-            </a:r>
-            <a:endParaRPr lang="en-US" dirty="0"/>
-          </a:p>
-        </p:txBody>
-      </p:sp>
+          <p:cNvPr id="3" name="Content Placeholder 2"/>
+          <p:cNvSpPr>
+            <a:spLocks noGrp="1"/>
+          </p:cNvSpPr>
+          <p:nvPr>
+            <p:ph sz="half" idx="1"/>
+          </p:nvPr>
+        </p:nvSpPr>
+        <p:spPr>
+          <a:xfrm>
+            <a:off x="496388" y="1387975"/>
+            <a:ext cx="7772401" cy="5119408"/>
+          </a:xfrm>
+        </p:spPr>
+        <p:txBody>
+          <a:bodyPr>
+            <a:normAutofit lnSpcReduction="10000"/>
+          </a:bodyPr>
+          <a:lstStyle/>
+          <a:p>
+            <a:r>
+              <a:rPr lang="en-US" sz="2800" dirty="0" smtClean="0"/>
+              <a:t>A status report is needed of all government employees.  Statuses are:</a:t>
+            </a:r>
+          </a:p>
+          <a:p>
+            <a:pPr lvl="1"/>
+            <a:r>
+              <a:rPr lang="en-US" sz="2800" dirty="0" smtClean="0"/>
+              <a:t>1: Alive, 2: Zombie, 3: Dead, 4: Unknown</a:t>
+            </a:r>
+          </a:p>
+          <a:p>
+            <a:r>
+              <a:rPr lang="en-US" sz="3000" dirty="0" smtClean="0"/>
+              <a:t>Modify your previous program to create a method that handles the condition given a parameter for status and for name that returns the concatenated string.</a:t>
+            </a:r>
+          </a:p>
+          <a:p>
+            <a:r>
+              <a:rPr lang="en-US" sz="3000" dirty="0" smtClean="0"/>
+              <a:t>Write a void method that takes a string parameter and writes it to the console.</a:t>
+            </a:r>
+            <a:endParaRPr lang="en-US" sz="3000" dirty="0"/>
+          </a:p>
+        </p:txBody>
+      </p:sp>
+      <p:pic>
+        <p:nvPicPr>
+          <p:cNvPr id="5" name="Content Placeholder 4"/>
+          <p:cNvPicPr>
+            <a:picLocks noGrp="1" noChangeAspect="1"/>
+          </p:cNvPicPr>
+          <p:nvPr>
+            <p:ph sz="half" idx="2"/>
+          </p:nvPr>
+        </p:nvPicPr>
+        <p:blipFill>
+          <a:blip r:embed="rId3">
+            <a:extLst>
+              <a:ext uri="{28A0092B-C50C-407E-A947-70E740481C1C}">
+                <a14:useLocalDpi xmlns:a14="http://schemas.microsoft.com/office/drawing/2010/main" val="0"/>
+              </a:ext>
+            </a:extLst>
+          </a:blip>
+          <a:stretch>
+            <a:fillRect/>
+          </a:stretch>
+        </p:blipFill>
+        <p:spPr>
+          <a:xfrm>
+            <a:off x="8630940" y="1387975"/>
+            <a:ext cx="3179422" cy="5119408"/>
+          </a:xfrm>
+        </p:spPr>
+      </p:pic>
     </p:spTree>
     <p:extLst>
       <p:ext uri="{BB962C8B-B14F-4D97-AF65-F5344CB8AC3E}">
-        <p14:creationId xmlns:p14="http://schemas.microsoft.com/office/powerpoint/2010/main" val="1119947140"/>
+        <p14:creationId xmlns:p14="http://schemas.microsoft.com/office/powerpoint/2010/main" val="1279825703"/>
       </p:ext>
     </p:extLst>
   </p:cSld>
   <p:clrMapOvr>
     <a:masterClrMapping/>
   </p:clrMapOvr>
-  <p:timing>
-    <p:tnLst>
-      <p:par>
-        <p:cTn id="1" dur="indefinite" restart="never" nodeType="tmRoot"/>
-      </p:par>
-    </p:tnLst>
-  </p:timing>
 </p:sld>
 </file>
 
@@ -14531,7 +13200,15 @@
           <a:p>
             <a:r>
               <a:rPr lang="en-US" dirty="0" smtClean="0"/>
-              <a:t>Function Exercises</a:t>
+              <a:t>What is </a:t>
+            </a:r>
+            <a:r>
+              <a:rPr lang="en-US" dirty="0" err="1" smtClean="0"/>
+              <a:t>TypeScript</a:t>
+            </a:r>
+            <a:r>
+              <a:rPr lang="en-US" dirty="0" smtClean="0"/>
+              <a:t>?</a:t>
             </a:r>
             <a:endParaRPr lang="en-US" dirty="0"/>
           </a:p>
@@ -14547,53 +13224,128 @@
             <p:ph sz="half" idx="1"/>
           </p:nvPr>
         </p:nvSpPr>
+        <p:spPr/>
+        <p:txBody>
+          <a:bodyPr>
+            <a:noAutofit/>
+          </a:bodyPr>
+          <a:lstStyle/>
+          <a:p>
+            <a:r>
+              <a:rPr lang="en-US" sz="2000" dirty="0" smtClean="0"/>
+              <a:t>Superset of the </a:t>
+            </a:r>
+            <a:r>
+              <a:rPr lang="en-US" sz="2000" dirty="0" err="1" smtClean="0"/>
+              <a:t>Javascript</a:t>
+            </a:r>
+            <a:r>
+              <a:rPr lang="en-US" sz="2000" dirty="0" smtClean="0"/>
+              <a:t> language</a:t>
+            </a:r>
+          </a:p>
+          <a:p>
+            <a:r>
+              <a:rPr lang="en-US" sz="2000" dirty="0" err="1" smtClean="0"/>
+              <a:t>Transpiler</a:t>
+            </a:r>
+            <a:r>
+              <a:rPr lang="en-US" sz="2000" dirty="0" smtClean="0"/>
+              <a:t> – interprets Typescript to </a:t>
+            </a:r>
+            <a:r>
+              <a:rPr lang="en-US" sz="2000" dirty="0" err="1" smtClean="0"/>
+              <a:t>Javascript</a:t>
+            </a:r>
+            <a:endParaRPr lang="en-US" sz="2000" dirty="0" smtClean="0"/>
+          </a:p>
+          <a:p>
+            <a:r>
+              <a:rPr lang="en-US" sz="2000" dirty="0" smtClean="0"/>
+              <a:t>Strongly Typed</a:t>
+            </a:r>
+          </a:p>
+          <a:p>
+            <a:r>
+              <a:rPr lang="en-US" sz="2000" dirty="0" smtClean="0"/>
+              <a:t>Also Support for:</a:t>
+            </a:r>
+          </a:p>
+          <a:p>
+            <a:pPr lvl="1"/>
+            <a:r>
+              <a:rPr lang="en-US" sz="2000" dirty="0" smtClean="0"/>
+              <a:t>Generics</a:t>
+            </a:r>
+          </a:p>
+          <a:p>
+            <a:pPr lvl="1"/>
+            <a:r>
+              <a:rPr lang="en-US" sz="2000" dirty="0" smtClean="0"/>
+              <a:t>Classes</a:t>
+            </a:r>
+          </a:p>
+          <a:p>
+            <a:pPr lvl="1"/>
+            <a:r>
+              <a:rPr lang="en-US" sz="2000" dirty="0" smtClean="0"/>
+              <a:t>Interfaces</a:t>
+            </a:r>
+          </a:p>
+          <a:p>
+            <a:pPr lvl="1"/>
+            <a:r>
+              <a:rPr lang="en-US" sz="2000" dirty="0" smtClean="0"/>
+              <a:t>Namespaces</a:t>
+            </a:r>
+          </a:p>
+          <a:p>
+            <a:pPr lvl="1"/>
+            <a:r>
+              <a:rPr lang="en-US" sz="2000" dirty="0" err="1" smtClean="0"/>
+              <a:t>Etc</a:t>
+            </a:r>
+            <a:r>
+              <a:rPr lang="en-US" sz="2000" dirty="0" smtClean="0"/>
+              <a:t>…</a:t>
+            </a:r>
+            <a:endParaRPr lang="en-US" sz="2000" dirty="0"/>
+          </a:p>
+        </p:txBody>
+      </p:sp>
+      <p:pic>
+        <p:nvPicPr>
+          <p:cNvPr id="5" name="Content Placeholder 4"/>
+          <p:cNvPicPr>
+            <a:picLocks noGrp="1" noChangeAspect="1"/>
+          </p:cNvPicPr>
+          <p:nvPr>
+            <p:ph sz="half" idx="2"/>
+          </p:nvPr>
+        </p:nvPicPr>
+        <p:blipFill>
+          <a:blip r:embed="rId3">
+            <a:extLst>
+              <a:ext uri="{28A0092B-C50C-407E-A947-70E740481C1C}">
+                <a14:useLocalDpi xmlns:a14="http://schemas.microsoft.com/office/drawing/2010/main" val="0"/>
+              </a:ext>
+            </a:extLst>
+          </a:blip>
+          <a:stretch>
+            <a:fillRect/>
+          </a:stretch>
+        </p:blipFill>
         <p:spPr>
           <a:xfrm>
-            <a:off x="1103312" y="2060575"/>
-            <a:ext cx="10008033" cy="4195763"/>
+            <a:off x="5980008" y="2060574"/>
+            <a:ext cx="5297478" cy="3665855"/>
           </a:xfrm>
         </p:spPr>
-        <p:txBody>
-          <a:bodyPr>
-            <a:normAutofit/>
-          </a:bodyPr>
-          <a:lstStyle/>
-          <a:p>
-            <a:pPr lvl="0"/>
-            <a:r>
-              <a:rPr lang="en-US" sz="2800" dirty="0" smtClean="0"/>
-              <a:t>Write a function to add two numbers.</a:t>
-            </a:r>
-          </a:p>
-          <a:p>
-            <a:pPr lvl="1"/>
-            <a:r>
-              <a:rPr lang="en-US" sz="2600" dirty="0" smtClean="0"/>
-              <a:t>Try calling it with different numbers.</a:t>
-            </a:r>
-            <a:endParaRPr lang="en-US" sz="2600" dirty="0"/>
-          </a:p>
-          <a:p>
-            <a:pPr lvl="0"/>
-            <a:r>
-              <a:rPr lang="en-US" sz="2800" dirty="0" smtClean="0"/>
-              <a:t>Create a function object called Adder with your add function inside of it.</a:t>
-            </a:r>
-          </a:p>
-          <a:p>
-            <a:pPr lvl="1"/>
-            <a:r>
-              <a:rPr lang="en-US" sz="2600" dirty="0" smtClean="0"/>
-              <a:t>Try calling it with different numbers.</a:t>
-            </a:r>
-            <a:endParaRPr lang="en-US" sz="2600" dirty="0"/>
-          </a:p>
-        </p:txBody>
-      </p:sp>
+      </p:pic>
     </p:spTree>
     <p:extLst>
       <p:ext uri="{BB962C8B-B14F-4D97-AF65-F5344CB8AC3E}">
-        <p14:creationId xmlns:p14="http://schemas.microsoft.com/office/powerpoint/2010/main" val="2097872398"/>
+        <p14:creationId xmlns:p14="http://schemas.microsoft.com/office/powerpoint/2010/main" val="1232177377"/>
       </p:ext>
     </p:extLst>
   </p:cSld>
@@ -14637,7 +13389,7 @@
           <a:p>
             <a:r>
               <a:rPr lang="en-US" dirty="0" smtClean="0"/>
-              <a:t>What is the DOM?</a:t>
+              <a:t>Typescript Types</a:t>
             </a:r>
             <a:endParaRPr lang="en-US" dirty="0"/>
           </a:p>
@@ -14650,63 +13402,138 @@
             <a:spLocks noGrp="1"/>
           </p:cNvSpPr>
           <p:nvPr>
-            <p:ph idx="1"/>
+            <p:ph sz="half" idx="1"/>
           </p:nvPr>
         </p:nvSpPr>
         <p:spPr/>
         <p:txBody>
           <a:bodyPr>
-            <a:noAutofit/>
+            <a:normAutofit/>
           </a:bodyPr>
           <a:lstStyle/>
           <a:p>
             <a:r>
-              <a:rPr lang="en-US" sz="2800" dirty="0" smtClean="0"/>
-              <a:t>Document Object Model</a:t>
-            </a:r>
-          </a:p>
-          <a:p>
-            <a:r>
-              <a:rPr lang="en-US" sz="2800" dirty="0" smtClean="0"/>
-              <a:t>Browser creates the model when the page is loaded</a:t>
-            </a:r>
-          </a:p>
-          <a:p>
-            <a:r>
-              <a:rPr lang="en-US" sz="2800" dirty="0" smtClean="0"/>
-              <a:t>W3C Standard</a:t>
-            </a:r>
-          </a:p>
-          <a:p>
-            <a:r>
-              <a:rPr lang="en-US" sz="2800" dirty="0" smtClean="0"/>
-              <a:t>Core DOM, XML DOM, and HTML DOM</a:t>
-            </a:r>
-          </a:p>
-          <a:p>
-            <a:r>
-              <a:rPr lang="en-US" sz="2800" dirty="0" smtClean="0"/>
-              <a:t>Every element is an object</a:t>
-            </a:r>
-          </a:p>
-          <a:p>
-            <a:r>
-              <a:rPr lang="en-US" sz="2800" dirty="0" smtClean="0"/>
-              <a:t>Property is a value to get or set</a:t>
-            </a:r>
-          </a:p>
-          <a:p>
-            <a:r>
-              <a:rPr lang="en-US" sz="2800" dirty="0" smtClean="0"/>
-              <a:t>Method is an action to take</a:t>
-            </a:r>
+              <a:rPr lang="en-US" sz="2400" dirty="0" smtClean="0"/>
+              <a:t>* - any</a:t>
+            </a:r>
+          </a:p>
+          <a:p>
+            <a:r>
+              <a:rPr lang="en-US" sz="2400" dirty="0" smtClean="0"/>
+              <a:t>Built-in Types</a:t>
+            </a:r>
+          </a:p>
+          <a:p>
+            <a:pPr lvl="1"/>
+            <a:r>
+              <a:rPr lang="en-US" sz="2400" dirty="0" smtClean="0"/>
+              <a:t>Number</a:t>
+            </a:r>
+          </a:p>
+          <a:p>
+            <a:pPr lvl="1"/>
+            <a:r>
+              <a:rPr lang="en-US" sz="2400" dirty="0" smtClean="0"/>
+              <a:t>String</a:t>
+            </a:r>
+          </a:p>
+          <a:p>
+            <a:pPr lvl="1"/>
+            <a:r>
+              <a:rPr lang="en-US" sz="2400" dirty="0" smtClean="0"/>
+              <a:t>Boolean</a:t>
+            </a:r>
+          </a:p>
+          <a:p>
+            <a:pPr lvl="1"/>
+            <a:r>
+              <a:rPr lang="en-US" sz="2400" dirty="0" smtClean="0"/>
+              <a:t>Void</a:t>
+            </a:r>
+          </a:p>
+          <a:p>
+            <a:pPr lvl="1"/>
+            <a:r>
+              <a:rPr lang="en-US" sz="2400" dirty="0" smtClean="0"/>
+              <a:t>Null</a:t>
+            </a:r>
+          </a:p>
+          <a:p>
+            <a:pPr lvl="1"/>
+            <a:r>
+              <a:rPr lang="en-US" sz="2400" dirty="0" smtClean="0"/>
+              <a:t>Undefined</a:t>
+            </a:r>
+          </a:p>
+        </p:txBody>
+      </p:sp>
+      <p:sp>
+        <p:nvSpPr>
+          <p:cNvPr id="4" name="Content Placeholder 3"/>
+          <p:cNvSpPr>
+            <a:spLocks noGrp="1"/>
+          </p:cNvSpPr>
+          <p:nvPr>
+            <p:ph sz="half" idx="2"/>
+          </p:nvPr>
+        </p:nvSpPr>
+        <p:spPr/>
+        <p:txBody>
+          <a:bodyPr>
+            <a:normAutofit/>
+          </a:bodyPr>
+          <a:lstStyle/>
+          <a:p>
+            <a:r>
+              <a:rPr lang="en-US" sz="2400" dirty="0"/>
+              <a:t>User-defined Types</a:t>
+            </a:r>
+          </a:p>
+          <a:p>
+            <a:pPr lvl="1"/>
+            <a:r>
+              <a:rPr lang="en-US" sz="2400" dirty="0" err="1"/>
+              <a:t>enum</a:t>
+            </a:r>
+            <a:endParaRPr lang="en-US" sz="2400" dirty="0"/>
+          </a:p>
+          <a:p>
+            <a:pPr lvl="1"/>
+            <a:r>
+              <a:rPr lang="en-US" sz="2400" dirty="0"/>
+              <a:t>class</a:t>
+            </a:r>
+          </a:p>
+          <a:p>
+            <a:pPr lvl="1"/>
+            <a:r>
+              <a:rPr lang="en-US" sz="2400" dirty="0"/>
+              <a:t>Interface</a:t>
+            </a:r>
+          </a:p>
+          <a:p>
+            <a:pPr lvl="1"/>
+            <a:r>
+              <a:rPr lang="en-US" sz="2400" dirty="0"/>
+              <a:t>array</a:t>
+            </a:r>
+          </a:p>
+          <a:p>
+            <a:pPr lvl="1"/>
+            <a:r>
+              <a:rPr lang="en-US" sz="2400" dirty="0"/>
+              <a:t>tuple</a:t>
+            </a:r>
+          </a:p>
+          <a:p>
+            <a:endParaRPr lang="en-US" dirty="0"/>
           </a:p>
         </p:txBody>
       </p:sp>
     </p:spTree>
     <p:extLst>
       <p:ext uri="{BB962C8B-B14F-4D97-AF65-F5344CB8AC3E}">
-        <p14:creationId xmlns:p14="http://schemas.microsoft.com/office/powerpoint/2010/main" val="2806262807"/>
+        <p14:creationId xmlns:p14="http://schemas.microsoft.com/office/powerpoint/2010/main" val="21413965"/>
       </p:ext>
     </p:extLst>
   </p:cSld>
@@ -14749,8 +13576,16 @@
           <a:lstStyle/>
           <a:p>
             <a:r>
+              <a:rPr lang="en-US" dirty="0" err="1" smtClean="0"/>
+              <a:t>TypeScript</a:t>
+            </a:r>
+            <a:r>
+              <a:rPr lang="en-US" dirty="0"/>
+              <a:t> </a:t>
+            </a:r>
+            <a:r>
               <a:rPr lang="en-US" dirty="0" smtClean="0"/>
-              <a:t>Getting DOM Elements/Objects</a:t>
+              <a:t>Syntax</a:t>
             </a:r>
             <a:endParaRPr lang="en-US" dirty="0"/>
           </a:p>
@@ -14769,70 +13604,240 @@
         <p:spPr/>
         <p:txBody>
           <a:bodyPr>
-            <a:normAutofit/>
+            <a:normAutofit fontScale="55000" lnSpcReduction="20000"/>
           </a:bodyPr>
           <a:lstStyle/>
           <a:p>
             <a:r>
-              <a:rPr lang="en-US" dirty="0" err="1" smtClean="0"/>
-              <a:t>getElementById</a:t>
-            </a:r>
-            <a:endParaRPr lang="en-US" dirty="0" smtClean="0"/>
-          </a:p>
-          <a:p>
-            <a:r>
-              <a:rPr lang="en-US" dirty="0" err="1" smtClean="0"/>
-              <a:t>getElementsByTagName</a:t>
-            </a:r>
-            <a:endParaRPr lang="en-US" dirty="0" smtClean="0"/>
-          </a:p>
-          <a:p>
-            <a:r>
-              <a:rPr lang="en-US" dirty="0" err="1" smtClean="0"/>
-              <a:t>getElementsByClassName</a:t>
-            </a:r>
-            <a:endParaRPr lang="en-US" dirty="0" smtClean="0"/>
-          </a:p>
-          <a:p>
-            <a:r>
-              <a:rPr lang="en-US" dirty="0" err="1" smtClean="0"/>
-              <a:t>document.querySelectorAll</a:t>
-            </a:r>
-            <a:endParaRPr lang="en-US" dirty="0" smtClean="0"/>
-          </a:p>
-          <a:p>
-            <a:r>
-              <a:rPr lang="en-US" dirty="0" err="1" smtClean="0"/>
-              <a:t>document.forms</a:t>
-            </a:r>
-            <a:endParaRPr lang="en-US" dirty="0" smtClean="0"/>
-          </a:p>
-          <a:p>
-            <a:r>
-              <a:rPr lang="en-US" dirty="0" err="1" smtClean="0"/>
-              <a:t>document.images</a:t>
-            </a:r>
-            <a:endParaRPr lang="en-US" dirty="0" smtClean="0"/>
-          </a:p>
-          <a:p>
-            <a:r>
-              <a:rPr lang="en-US" dirty="0" err="1" smtClean="0"/>
-              <a:t>document.links</a:t>
-            </a:r>
-            <a:endParaRPr lang="en-US" dirty="0" smtClean="0"/>
-          </a:p>
-          <a:p>
-            <a:r>
-              <a:rPr lang="en-US" dirty="0" err="1" smtClean="0"/>
-              <a:t>document.title</a:t>
-            </a:r>
-            <a:endParaRPr lang="en-US" dirty="0" smtClean="0"/>
-          </a:p>
-          <a:p>
-            <a:r>
-              <a:rPr lang="en-US" dirty="0" smtClean="0"/>
-              <a:t>document.URL</a:t>
-            </a:r>
+              <a:rPr lang="en-US" sz="2900" dirty="0" smtClean="0"/>
+              <a:t>Typescript is written in .</a:t>
+            </a:r>
+            <a:r>
+              <a:rPr lang="en-US" sz="2900" dirty="0" err="1" smtClean="0"/>
+              <a:t>ts</a:t>
+            </a:r>
+            <a:r>
+              <a:rPr lang="en-US" sz="2900" dirty="0" smtClean="0"/>
+              <a:t> files that are </a:t>
+            </a:r>
+            <a:r>
+              <a:rPr lang="en-US" sz="2900" dirty="0" err="1" smtClean="0"/>
+              <a:t>transpiled</a:t>
+            </a:r>
+            <a:r>
+              <a:rPr lang="en-US" sz="2900" dirty="0" smtClean="0"/>
+              <a:t> to .</a:t>
+            </a:r>
+            <a:r>
+              <a:rPr lang="en-US" sz="2900" dirty="0" err="1" smtClean="0"/>
+              <a:t>js</a:t>
+            </a:r>
+            <a:r>
+              <a:rPr lang="en-US" sz="2900" dirty="0" smtClean="0"/>
+              <a:t> files</a:t>
+            </a:r>
+          </a:p>
+          <a:p>
+            <a:r>
+              <a:rPr lang="en-US" sz="2900" dirty="0" smtClean="0"/>
+              <a:t>Also option to create .</a:t>
+            </a:r>
+            <a:r>
+              <a:rPr lang="en-US" sz="2900" dirty="0" err="1" smtClean="0"/>
+              <a:t>d.ts</a:t>
+            </a:r>
+            <a:r>
+              <a:rPr lang="en-US" sz="2900" dirty="0" smtClean="0"/>
+              <a:t> declaration files for </a:t>
+            </a:r>
+            <a:r>
+              <a:rPr lang="en-US" sz="2900" dirty="0" err="1" smtClean="0"/>
+              <a:t>intellisense</a:t>
+            </a:r>
+            <a:endParaRPr lang="en-US" sz="2900" dirty="0" smtClean="0"/>
+          </a:p>
+          <a:p>
+            <a:r>
+              <a:rPr lang="en-US" sz="2900" dirty="0" smtClean="0"/>
+              <a:t>Variable Declaration:  let[name] :[type] = [value];</a:t>
+            </a:r>
+          </a:p>
+          <a:p>
+            <a:pPr marL="0" indent="0">
+              <a:buNone/>
+            </a:pPr>
+            <a:endParaRPr lang="en-US" sz="2900" dirty="0" smtClean="0"/>
+          </a:p>
+          <a:p>
+            <a:pPr marL="0" indent="0">
+              <a:buNone/>
+            </a:pPr>
+            <a:r>
+              <a:rPr lang="en-US" sz="2900" dirty="0" smtClean="0"/>
+              <a:t>Function:  function [name] ([param1]:[type], [param2]:[type]) : [return type] {}</a:t>
+            </a:r>
+          </a:p>
+          <a:p>
+            <a:pPr marL="45720" indent="0">
+              <a:spcBef>
+                <a:spcPts val="100"/>
+              </a:spcBef>
+              <a:buNone/>
+            </a:pPr>
+            <a:endParaRPr lang="en-US" sz="2900" dirty="0" smtClean="0"/>
+          </a:p>
+          <a:p>
+            <a:pPr marL="45720" indent="0">
+              <a:spcBef>
+                <a:spcPts val="100"/>
+              </a:spcBef>
+              <a:buNone/>
+            </a:pPr>
+            <a:r>
+              <a:rPr lang="en-US" sz="2900" dirty="0" smtClean="0"/>
+              <a:t>class [name] {</a:t>
+            </a:r>
+          </a:p>
+          <a:p>
+            <a:pPr marL="45720" indent="0">
+              <a:spcBef>
+                <a:spcPts val="100"/>
+              </a:spcBef>
+              <a:buNone/>
+            </a:pPr>
+            <a:r>
+              <a:rPr lang="en-US" sz="2900" dirty="0" smtClean="0"/>
+              <a:t>  </a:t>
+            </a:r>
+            <a:r>
+              <a:rPr lang="en-US" sz="2900" dirty="0" err="1" smtClean="0"/>
+              <a:t>name:string</a:t>
+            </a:r>
+            <a:r>
+              <a:rPr lang="en-US" sz="2900" dirty="0" smtClean="0"/>
+              <a:t>;</a:t>
+            </a:r>
+          </a:p>
+          <a:p>
+            <a:pPr marL="45720" indent="0">
+              <a:spcBef>
+                <a:spcPts val="100"/>
+              </a:spcBef>
+              <a:buNone/>
+            </a:pPr>
+            <a:endParaRPr lang="en-US" sz="2900" dirty="0"/>
+          </a:p>
+          <a:p>
+            <a:pPr marL="45720" indent="0">
+              <a:spcBef>
+                <a:spcPts val="100"/>
+              </a:spcBef>
+              <a:buNone/>
+            </a:pPr>
+            <a:r>
+              <a:rPr lang="en-US" sz="2900" dirty="0" smtClean="0"/>
+              <a:t>  constructor(</a:t>
+            </a:r>
+            <a:r>
+              <a:rPr lang="en-US" sz="2900" dirty="0" err="1" smtClean="0"/>
+              <a:t>name:string</a:t>
+            </a:r>
+            <a:r>
+              <a:rPr lang="en-US" sz="2900" dirty="0" smtClean="0"/>
+              <a:t>) {</a:t>
+            </a:r>
+          </a:p>
+          <a:p>
+            <a:pPr marL="45720" indent="0">
+              <a:spcBef>
+                <a:spcPts val="100"/>
+              </a:spcBef>
+              <a:buNone/>
+            </a:pPr>
+            <a:r>
+              <a:rPr lang="en-US" sz="2900" dirty="0"/>
+              <a:t> </a:t>
+            </a:r>
+            <a:r>
+              <a:rPr lang="en-US" sz="2900" dirty="0" smtClean="0"/>
+              <a:t>   this.name = name;</a:t>
+            </a:r>
+          </a:p>
+          <a:p>
+            <a:pPr marL="45720" indent="0">
+              <a:spcBef>
+                <a:spcPts val="100"/>
+              </a:spcBef>
+              <a:buNone/>
+            </a:pPr>
+            <a:r>
+              <a:rPr lang="en-US" sz="2900" dirty="0"/>
+              <a:t> </a:t>
+            </a:r>
+            <a:r>
+              <a:rPr lang="en-US" sz="2900" dirty="0" smtClean="0"/>
+              <a:t> }</a:t>
+            </a:r>
+          </a:p>
+          <a:p>
+            <a:pPr marL="45720" indent="0">
+              <a:spcBef>
+                <a:spcPts val="100"/>
+              </a:spcBef>
+              <a:buNone/>
+            </a:pPr>
+            <a:endParaRPr lang="en-US" sz="2900" dirty="0"/>
+          </a:p>
+          <a:p>
+            <a:pPr marL="45720" indent="0">
+              <a:spcBef>
+                <a:spcPts val="100"/>
+              </a:spcBef>
+              <a:buNone/>
+            </a:pPr>
+            <a:r>
+              <a:rPr lang="en-US" sz="2900" dirty="0" smtClean="0"/>
+              <a:t>  write():void {</a:t>
+            </a:r>
+          </a:p>
+          <a:p>
+            <a:pPr marL="45720" indent="0">
+              <a:spcBef>
+                <a:spcPts val="100"/>
+              </a:spcBef>
+              <a:buNone/>
+            </a:pPr>
+            <a:r>
+              <a:rPr lang="en-US" sz="2900" dirty="0" smtClean="0"/>
+              <a:t>    console.log(“Name is “ + this.name);</a:t>
+            </a:r>
+            <a:endParaRPr lang="en-US" sz="2900" dirty="0"/>
+          </a:p>
+          <a:p>
+            <a:pPr marL="45720" indent="0">
+              <a:spcBef>
+                <a:spcPts val="100"/>
+              </a:spcBef>
+              <a:buNone/>
+            </a:pPr>
+            <a:r>
+              <a:rPr lang="en-US" sz="2900" dirty="0" smtClean="0"/>
+              <a:t>  }</a:t>
+            </a:r>
+          </a:p>
+          <a:p>
+            <a:pPr marL="45720" indent="0">
+              <a:spcBef>
+                <a:spcPts val="100"/>
+              </a:spcBef>
+              <a:buNone/>
+            </a:pPr>
+            <a:r>
+              <a:rPr lang="en-US" sz="2900" dirty="0" smtClean="0"/>
+              <a:t>}</a:t>
+            </a:r>
+          </a:p>
+          <a:p>
             <a:endParaRPr lang="en-US" dirty="0"/>
           </a:p>
         </p:txBody>
@@ -14840,7 +13845,7 @@
     </p:spTree>
     <p:extLst>
       <p:ext uri="{BB962C8B-B14F-4D97-AF65-F5344CB8AC3E}">
-        <p14:creationId xmlns:p14="http://schemas.microsoft.com/office/powerpoint/2010/main" val="1861904050"/>
+        <p14:creationId xmlns:p14="http://schemas.microsoft.com/office/powerpoint/2010/main" val="3197906115"/>
       </p:ext>
     </p:extLst>
   </p:cSld>
@@ -14883,101 +13888,82 @@
           <a:lstStyle/>
           <a:p>
             <a:r>
-              <a:rPr lang="en-US" dirty="0" smtClean="0"/>
-              <a:t>Updating DOM</a:t>
+              <a:rPr lang="en-US" dirty="0"/>
+              <a:t>EXAMPLE</a:t>
+            </a:r>
+          </a:p>
+        </p:txBody>
+      </p:sp>
+      <p:sp>
+        <p:nvSpPr>
+          <p:cNvPr id="3" name="Text Placeholder 2"/>
+          <p:cNvSpPr>
+            <a:spLocks noGrp="1"/>
+          </p:cNvSpPr>
+          <p:nvPr>
+            <p:ph type="body" idx="1"/>
+          </p:nvPr>
+        </p:nvSpPr>
+        <p:spPr/>
+        <p:txBody>
+          <a:bodyPr/>
+          <a:lstStyle/>
+          <a:p>
+            <a:r>
+              <a:rPr lang="en-US" dirty="0" err="1" smtClean="0"/>
+              <a:t>TypeScript</a:t>
             </a:r>
             <a:endParaRPr lang="en-US" dirty="0"/>
           </a:p>
         </p:txBody>
       </p:sp>
-      <p:sp>
-        <p:nvSpPr>
-          <p:cNvPr id="3" name="Content Placeholder 2"/>
-          <p:cNvSpPr>
-            <a:spLocks noGrp="1"/>
-          </p:cNvSpPr>
-          <p:nvPr>
-            <p:ph idx="1"/>
-          </p:nvPr>
-        </p:nvSpPr>
-        <p:spPr/>
-        <p:txBody>
-          <a:bodyPr>
-            <a:normAutofit/>
-          </a:bodyPr>
-          <a:lstStyle/>
-          <a:p>
-            <a:r>
-              <a:rPr lang="en-US" sz="2400" dirty="0" err="1"/>
-              <a:t>d</a:t>
-            </a:r>
-            <a:r>
-              <a:rPr lang="en-US" sz="2400" dirty="0" err="1" smtClean="0"/>
-              <a:t>ocument.getElementById</a:t>
-            </a:r>
-            <a:r>
-              <a:rPr lang="en-US" sz="2400" dirty="0" smtClean="0"/>
-              <a:t>([id]).</a:t>
-            </a:r>
-            <a:r>
-              <a:rPr lang="en-US" sz="2400" dirty="0" err="1" smtClean="0"/>
-              <a:t>innerHTML</a:t>
-            </a:r>
-            <a:r>
-              <a:rPr lang="en-US" sz="2400" dirty="0" smtClean="0"/>
-              <a:t> = “”;</a:t>
-            </a:r>
-          </a:p>
-          <a:p>
-            <a:r>
-              <a:rPr lang="en-US" sz="2400" dirty="0" err="1" smtClean="0"/>
-              <a:t>document.getElementById</a:t>
-            </a:r>
-            <a:r>
-              <a:rPr lang="en-US" sz="2400" dirty="0" smtClean="0"/>
-              <a:t>([id]).[attribute] = “”;</a:t>
-            </a:r>
-          </a:p>
-          <a:p>
-            <a:r>
-              <a:rPr lang="en-US" sz="2400" dirty="0" err="1"/>
-              <a:t>document.getElementById</a:t>
-            </a:r>
-            <a:r>
-              <a:rPr lang="en-US" sz="2400" dirty="0"/>
-              <a:t>([id]).</a:t>
-            </a:r>
-            <a:r>
-              <a:rPr lang="en-US" sz="2400" dirty="0" err="1"/>
-              <a:t>setAttribute</a:t>
-            </a:r>
-            <a:r>
-              <a:rPr lang="en-US" sz="2400" dirty="0"/>
-              <a:t>([attribute], “”);</a:t>
-            </a:r>
-          </a:p>
-          <a:p>
-            <a:r>
-              <a:rPr lang="en-US" sz="2400" dirty="0" err="1" smtClean="0"/>
-              <a:t>document.getElementById</a:t>
-            </a:r>
-            <a:r>
-              <a:rPr lang="en-US" sz="2400" dirty="0" smtClean="0"/>
-              <a:t>([id]).style.[property] = “”;</a:t>
-            </a:r>
-          </a:p>
-        </p:txBody>
-      </p:sp>
+      <p:pic>
+        <p:nvPicPr>
+          <p:cNvPr id="4" name="Content Placeholder 4"/>
+          <p:cNvPicPr>
+            <a:picLocks noChangeAspect="1"/>
+          </p:cNvPicPr>
+          <p:nvPr/>
+        </p:nvPicPr>
+        <p:blipFill>
+          <a:blip r:embed="rId3">
+            <a:extLst>
+              <a:ext uri="{28A0092B-C50C-407E-A947-70E740481C1C}">
+                <a14:useLocalDpi xmlns:a14="http://schemas.microsoft.com/office/drawing/2010/main" val="0"/>
+              </a:ext>
+            </a:extLst>
+          </a:blip>
+          <a:stretch>
+            <a:fillRect/>
+          </a:stretch>
+        </p:blipFill>
+        <p:spPr>
+          <a:xfrm>
+            <a:off x="1154955" y="563880"/>
+            <a:ext cx="3819192" cy="3055354"/>
+          </a:xfrm>
+          <a:prstGeom prst="rect">
+            <a:avLst/>
+          </a:prstGeom>
+        </p:spPr>
+      </p:pic>
     </p:spTree>
     <p:extLst>
       <p:ext uri="{BB962C8B-B14F-4D97-AF65-F5344CB8AC3E}">
-        <p14:creationId xmlns:p14="http://schemas.microsoft.com/office/powerpoint/2010/main" val="1806173681"/>
+        <p14:creationId xmlns:p14="http://schemas.microsoft.com/office/powerpoint/2010/main" val="595316779"/>
       </p:ext>
     </p:extLst>
   </p:cSld>
   <p:clrMapOvr>
     <a:masterClrMapping/>
   </p:clrMapOvr>
+  <p:timing>
+    <p:tnLst>
+      <p:par>
+        <p:cTn id="1" dur="indefinite" restart="never" nodeType="tmRoot"/>
+      </p:par>
+    </p:tnLst>
+  </p:timing>
 </p:sld>
 </file>
 
@@ -15005,7 +13991,7 @@
             <a:spLocks noGrp="1"/>
           </p:cNvSpPr>
           <p:nvPr>
-            <p:ph type="title"/>
+            <p:ph type="ctrTitle"/>
           </p:nvPr>
         </p:nvSpPr>
         <p:spPr/>
@@ -15015,7 +14001,7 @@
           <a:p>
             <a:r>
               <a:rPr lang="en-US" dirty="0" smtClean="0"/>
-              <a:t>Creating DOM Elements</a:t>
+              <a:t>ASSESSMENT</a:t>
             </a:r>
             <a:endParaRPr lang="en-US" dirty="0"/>
           </a:p>
@@ -15023,86 +14009,74 @@
       </p:sp>
       <p:sp>
         <p:nvSpPr>
-          <p:cNvPr id="3" name="Content Placeholder 2"/>
-          <p:cNvSpPr>
-            <a:spLocks noGrp="1"/>
-          </p:cNvSpPr>
-          <p:nvPr>
-            <p:ph idx="1"/>
-          </p:nvPr>
-        </p:nvSpPr>
-        <p:spPr/>
-        <p:txBody>
-          <a:bodyPr>
-            <a:normAutofit/>
-          </a:bodyPr>
-          <a:lstStyle/>
-          <a:p>
-            <a:r>
-              <a:rPr lang="en-US" sz="2800" dirty="0" err="1" smtClean="0"/>
-              <a:t>document.createElement</a:t>
-            </a:r>
-            <a:r>
-              <a:rPr lang="en-US" sz="2800" dirty="0" smtClean="0"/>
-              <a:t>(“”);</a:t>
-            </a:r>
-          </a:p>
-          <a:p>
-            <a:r>
-              <a:rPr lang="en-US" sz="2800" dirty="0" err="1" smtClean="0"/>
-              <a:t>document.removeChild</a:t>
-            </a:r>
-            <a:r>
-              <a:rPr lang="en-US" sz="2800" dirty="0" smtClean="0"/>
-              <a:t>(“”);</a:t>
-            </a:r>
-          </a:p>
-          <a:p>
-            <a:r>
-              <a:rPr lang="en-US" sz="2800" dirty="0" err="1" smtClean="0"/>
-              <a:t>document.appendChild</a:t>
-            </a:r>
-            <a:r>
-              <a:rPr lang="en-US" sz="2800" dirty="0" smtClean="0"/>
-              <a:t>(“”);</a:t>
-            </a:r>
-          </a:p>
-          <a:p>
-            <a:r>
-              <a:rPr lang="en-US" sz="2800" dirty="0" err="1" smtClean="0"/>
-              <a:t>document.replaceChild</a:t>
-            </a:r>
-            <a:r>
-              <a:rPr lang="en-US" sz="2800" dirty="0" smtClean="0"/>
-              <a:t>(“”);</a:t>
-            </a:r>
-          </a:p>
-          <a:p>
-            <a:r>
-              <a:rPr lang="en-US" sz="2800" dirty="0" err="1"/>
-              <a:t>d</a:t>
-            </a:r>
-            <a:r>
-              <a:rPr lang="en-US" sz="2800" dirty="0" err="1" smtClean="0"/>
-              <a:t>ocument.write</a:t>
-            </a:r>
-            <a:r>
-              <a:rPr lang="en-US" sz="2800" dirty="0" smtClean="0"/>
-              <a:t>(“”);</a:t>
-            </a:r>
-          </a:p>
-        </p:txBody>
-      </p:sp>
+          <p:cNvPr id="3" name="Subtitle 2"/>
+          <p:cNvSpPr>
+            <a:spLocks noGrp="1"/>
+          </p:cNvSpPr>
+          <p:nvPr>
+            <p:ph type="subTitle" idx="1"/>
+          </p:nvPr>
+        </p:nvSpPr>
+        <p:spPr/>
+        <p:txBody>
+          <a:bodyPr/>
+          <a:lstStyle/>
+          <a:p>
+            <a:r>
+              <a:rPr lang="en-US" dirty="0" err="1" smtClean="0"/>
+              <a:t>TypeScript</a:t>
+            </a:r>
+            <a:endParaRPr lang="en-US" dirty="0"/>
+          </a:p>
+        </p:txBody>
+      </p:sp>
+      <p:pic>
+        <p:nvPicPr>
+          <p:cNvPr id="4" name="Picture 3"/>
+          <p:cNvPicPr>
+            <a:picLocks noChangeAspect="1"/>
+          </p:cNvPicPr>
+          <p:nvPr/>
+        </p:nvPicPr>
+        <p:blipFill>
+          <a:blip r:embed="rId3">
+            <a:extLst>
+              <a:ext uri="{28A0092B-C50C-407E-A947-70E740481C1C}">
+                <a14:useLocalDpi xmlns:a14="http://schemas.microsoft.com/office/drawing/2010/main" val="0"/>
+              </a:ext>
+            </a:extLst>
+          </a:blip>
+          <a:stretch>
+            <a:fillRect/>
+          </a:stretch>
+        </p:blipFill>
+        <p:spPr>
+          <a:xfrm>
+            <a:off x="7950200" y="1447800"/>
+            <a:ext cx="3571240" cy="4529836"/>
+          </a:xfrm>
+          <a:prstGeom prst="rect">
+            <a:avLst/>
+          </a:prstGeom>
+        </p:spPr>
+      </p:pic>
     </p:spTree>
     <p:extLst>
       <p:ext uri="{BB962C8B-B14F-4D97-AF65-F5344CB8AC3E}">
-        <p14:creationId xmlns:p14="http://schemas.microsoft.com/office/powerpoint/2010/main" val="4248091677"/>
+        <p14:creationId xmlns:p14="http://schemas.microsoft.com/office/powerpoint/2010/main" val="926822310"/>
       </p:ext>
     </p:extLst>
   </p:cSld>
   <p:clrMapOvr>
     <a:masterClrMapping/>
   </p:clrMapOvr>
+  <p:timing>
+    <p:tnLst>
+      <p:par>
+        <p:cTn id="1" dur="indefinite" restart="never" nodeType="tmRoot"/>
+      </p:par>
+    </p:tnLst>
+  </p:timing>
 </p:sld>
 </file>
 
@@ -15335,7 +14309,7 @@
           <a:p>
             <a:r>
               <a:rPr lang="en-US" dirty="0" smtClean="0"/>
-              <a:t>Handling DOM Events</a:t>
+              <a:t>Assignment</a:t>
             </a:r>
             <a:endParaRPr lang="en-US" dirty="0"/>
           </a:p>
@@ -15348,10 +14322,15 @@
             <a:spLocks noGrp="1"/>
           </p:cNvSpPr>
           <p:nvPr>
-            <p:ph idx="1"/>
-          </p:nvPr>
-        </p:nvSpPr>
-        <p:spPr/>
+            <p:ph sz="half" idx="1"/>
+          </p:nvPr>
+        </p:nvSpPr>
+        <p:spPr>
+          <a:xfrm>
+            <a:off x="496388" y="1387975"/>
+            <a:ext cx="7772401" cy="5119408"/>
+          </a:xfrm>
+        </p:spPr>
         <p:txBody>
           <a:bodyPr>
             <a:normAutofit/>
@@ -15359,194 +14338,71 @@
           <a:lstStyle/>
           <a:p>
             <a:r>
-              <a:rPr lang="en-US" dirty="0" smtClean="0"/>
-              <a:t>&lt;</a:t>
-            </a:r>
-            <a:r>
-              <a:rPr lang="en-US" dirty="0"/>
-              <a:t>a id=“</a:t>
-            </a:r>
-            <a:r>
-              <a:rPr lang="en-US" dirty="0" err="1"/>
-              <a:t>myLink</a:t>
-            </a:r>
-            <a:r>
-              <a:rPr lang="en-US" dirty="0"/>
-              <a:t>” </a:t>
-            </a:r>
-            <a:r>
-              <a:rPr lang="en-US" dirty="0" err="1"/>
-              <a:t>onclick</a:t>
-            </a:r>
-            <a:r>
-              <a:rPr lang="en-US" dirty="0"/>
-              <a:t>=</a:t>
-            </a:r>
-            <a:r>
-              <a:rPr lang="en-US" dirty="0" err="1"/>
-              <a:t>linkClicked</a:t>
-            </a:r>
-            <a:r>
-              <a:rPr lang="en-US" dirty="0" smtClean="0"/>
-              <a:t>()”&gt;My </a:t>
-            </a:r>
-            <a:r>
-              <a:rPr lang="en-US" dirty="0"/>
-              <a:t>Link&lt;/a</a:t>
-            </a:r>
-            <a:r>
-              <a:rPr lang="en-US" dirty="0" smtClean="0"/>
-              <a:t>&gt;</a:t>
-            </a:r>
-          </a:p>
-          <a:p>
-            <a:r>
-              <a:rPr lang="en-US" dirty="0" smtClean="0"/>
-              <a:t>Or</a:t>
-            </a:r>
-          </a:p>
-          <a:p>
-            <a:r>
-              <a:rPr lang="en-US" dirty="0" err="1" smtClean="0"/>
-              <a:t>document.getElementById</a:t>
-            </a:r>
-            <a:r>
-              <a:rPr lang="en-US" dirty="0" smtClean="0"/>
-              <a:t>(“</a:t>
-            </a:r>
-            <a:r>
-              <a:rPr lang="en-US" dirty="0" err="1" smtClean="0"/>
-              <a:t>myLink</a:t>
-            </a:r>
-            <a:r>
-              <a:rPr lang="en-US" dirty="0" smtClean="0"/>
-              <a:t>”).</a:t>
-            </a:r>
-            <a:r>
-              <a:rPr lang="en-US" dirty="0" err="1" smtClean="0"/>
-              <a:t>onclick</a:t>
-            </a:r>
-            <a:r>
-              <a:rPr lang="en-US" dirty="0" smtClean="0"/>
-              <a:t> = </a:t>
-            </a:r>
-            <a:r>
-              <a:rPr lang="en-US" dirty="0" err="1" smtClean="0"/>
-              <a:t>linkClicked</a:t>
-            </a:r>
-            <a:r>
-              <a:rPr lang="en-US" dirty="0" smtClean="0"/>
-              <a:t>;</a:t>
-            </a:r>
-          </a:p>
-          <a:p>
-            <a:r>
-              <a:rPr lang="en-US" dirty="0" smtClean="0"/>
-              <a:t>Or</a:t>
-            </a:r>
-          </a:p>
-          <a:p>
-            <a:r>
-              <a:rPr lang="en-US" dirty="0" err="1" smtClean="0"/>
-              <a:t>document.getElementById</a:t>
-            </a:r>
-            <a:r>
-              <a:rPr lang="en-US" dirty="0" smtClean="0"/>
-              <a:t>(“</a:t>
-            </a:r>
-            <a:r>
-              <a:rPr lang="en-US" dirty="0" err="1" smtClean="0"/>
-              <a:t>myLink</a:t>
-            </a:r>
-            <a:r>
-              <a:rPr lang="en-US" dirty="0" smtClean="0"/>
-              <a:t>”).</a:t>
-            </a:r>
-            <a:r>
-              <a:rPr lang="en-US" dirty="0" err="1" smtClean="0"/>
-              <a:t>addEventListener</a:t>
-            </a:r>
-            <a:r>
-              <a:rPr lang="en-US" dirty="0" smtClean="0"/>
-              <a:t>(“click”, </a:t>
-            </a:r>
-            <a:r>
-              <a:rPr lang="en-US" dirty="0" err="1" smtClean="0"/>
-              <a:t>linkClicked</a:t>
-            </a:r>
-            <a:r>
-              <a:rPr lang="en-US" dirty="0" smtClean="0"/>
-              <a:t>);</a:t>
-            </a:r>
-          </a:p>
-          <a:p>
-            <a:pPr marL="45720" indent="0">
-              <a:buNone/>
-            </a:pPr>
-            <a:endParaRPr lang="en-US" dirty="0" smtClean="0"/>
-          </a:p>
-          <a:p>
-            <a:pPr marL="45720" indent="0">
-              <a:spcBef>
-                <a:spcPts val="100"/>
-              </a:spcBef>
-              <a:buNone/>
-            </a:pPr>
-            <a:r>
-              <a:rPr lang="en-US" dirty="0" smtClean="0"/>
-              <a:t>function </a:t>
-            </a:r>
-            <a:r>
-              <a:rPr lang="en-US" dirty="0" err="1" smtClean="0"/>
-              <a:t>linkClicked</a:t>
-            </a:r>
-            <a:r>
-              <a:rPr lang="en-US" dirty="0" smtClean="0"/>
-              <a:t>()</a:t>
-            </a:r>
-          </a:p>
-          <a:p>
-            <a:pPr marL="45720" indent="0">
-              <a:spcBef>
-                <a:spcPts val="100"/>
-              </a:spcBef>
-              <a:buNone/>
-            </a:pPr>
-            <a:r>
-              <a:rPr lang="en-US" dirty="0" smtClean="0"/>
-              <a:t>{</a:t>
-            </a:r>
-          </a:p>
-          <a:p>
-            <a:pPr marL="45720" indent="0">
-              <a:spcBef>
-                <a:spcPts val="100"/>
-              </a:spcBef>
-              <a:buNone/>
-            </a:pPr>
-            <a:r>
-              <a:rPr lang="en-US" dirty="0" smtClean="0"/>
-              <a:t>  alert(“link clicked”);</a:t>
-            </a:r>
-          </a:p>
-          <a:p>
-            <a:pPr marL="45720" indent="0">
-              <a:spcBef>
-                <a:spcPts val="100"/>
-              </a:spcBef>
-              <a:buNone/>
-            </a:pPr>
-            <a:r>
-              <a:rPr lang="en-US" dirty="0"/>
-              <a:t>}</a:t>
-            </a:r>
-          </a:p>
-        </p:txBody>
-      </p:sp>
+              <a:rPr lang="en-US" sz="3200" dirty="0" smtClean="0"/>
+              <a:t>A status report is needed of all government employees.  Statuses are:</a:t>
+            </a:r>
+          </a:p>
+          <a:p>
+            <a:pPr lvl="1"/>
+            <a:r>
+              <a:rPr lang="en-US" sz="3200" dirty="0" smtClean="0"/>
+              <a:t>1: Alive, 2: Zombie, 3: Dead, 4: Unknown</a:t>
+            </a:r>
+          </a:p>
+          <a:p>
+            <a:r>
+              <a:rPr lang="en-US" sz="3200" dirty="0" smtClean="0"/>
+              <a:t>Write the same program in </a:t>
+            </a:r>
+            <a:r>
+              <a:rPr lang="en-US" sz="3200" dirty="0" err="1" smtClean="0"/>
+              <a:t>TypeScript</a:t>
+            </a:r>
+            <a:r>
+              <a:rPr lang="en-US" sz="3200" dirty="0" smtClean="0"/>
+              <a:t> Syntax that you just created in JavaScript.  </a:t>
+            </a:r>
+            <a:r>
+              <a:rPr lang="en-US" sz="3200" dirty="0" smtClean="0"/>
+              <a:t>Make use of typing.</a:t>
+            </a:r>
+            <a:endParaRPr lang="en-US" sz="3200" dirty="0"/>
+          </a:p>
+        </p:txBody>
+      </p:sp>
+      <p:pic>
+        <p:nvPicPr>
+          <p:cNvPr id="5" name="Content Placeholder 4"/>
+          <p:cNvPicPr>
+            <a:picLocks noGrp="1" noChangeAspect="1"/>
+          </p:cNvPicPr>
+          <p:nvPr>
+            <p:ph sz="half" idx="2"/>
+          </p:nvPr>
+        </p:nvPicPr>
+        <p:blipFill>
+          <a:blip r:embed="rId3">
+            <a:extLst>
+              <a:ext uri="{28A0092B-C50C-407E-A947-70E740481C1C}">
+                <a14:useLocalDpi xmlns:a14="http://schemas.microsoft.com/office/drawing/2010/main" val="0"/>
+              </a:ext>
+            </a:extLst>
+          </a:blip>
+          <a:stretch>
+            <a:fillRect/>
+          </a:stretch>
+        </p:blipFill>
+        <p:spPr>
+          <a:xfrm>
+            <a:off x="8630940" y="1387975"/>
+            <a:ext cx="3179422" cy="5119408"/>
+          </a:xfrm>
+        </p:spPr>
+      </p:pic>
     </p:spTree>
     <p:extLst>
       <p:ext uri="{BB962C8B-B14F-4D97-AF65-F5344CB8AC3E}">
-        <p14:creationId xmlns:p14="http://schemas.microsoft.com/office/powerpoint/2010/main" val="1339659652"/>
+        <p14:creationId xmlns:p14="http://schemas.microsoft.com/office/powerpoint/2010/main" val="3851105252"/>
       </p:ext>
     </p:extLst>
   </p:cSld>
@@ -15580,29 +14436,7 @@
             <a:spLocks noGrp="1"/>
           </p:cNvSpPr>
           <p:nvPr>
-            <p:ph type="title"/>
-          </p:nvPr>
-        </p:nvSpPr>
-        <p:spPr/>
-        <p:txBody>
-          <a:bodyPr/>
-          <a:lstStyle/>
-          <a:p>
-            <a:r>
-              <a:rPr lang="en-US" dirty="0"/>
-              <a:t>EXAMPLE</a:t>
-            </a:r>
-          </a:p>
-        </p:txBody>
-      </p:sp>
-      <p:sp>
-        <p:nvSpPr>
-          <p:cNvPr id="3" name="Text Placeholder 2"/>
-          <p:cNvSpPr>
-            <a:spLocks noGrp="1"/>
-          </p:cNvSpPr>
-          <p:nvPr>
-            <p:ph type="body" idx="1"/>
+            <p:ph type="ctrTitle"/>
           </p:nvPr>
         </p:nvSpPr>
         <p:spPr/>
@@ -15612,16 +14446,73 @@
           <a:p>
             <a:r>
               <a:rPr lang="en-US" dirty="0" smtClean="0"/>
-              <a:t>DOM</a:t>
+              <a:t>QUICK REVIEW</a:t>
             </a:r>
             <a:endParaRPr lang="en-US" dirty="0"/>
           </a:p>
         </p:txBody>
       </p:sp>
+      <p:sp>
+        <p:nvSpPr>
+          <p:cNvPr id="3" name="Subtitle 2"/>
+          <p:cNvSpPr>
+            <a:spLocks noGrp="1"/>
+          </p:cNvSpPr>
+          <p:nvPr>
+            <p:ph type="subTitle" idx="1"/>
+          </p:nvPr>
+        </p:nvSpPr>
+        <p:spPr/>
+        <p:txBody>
+          <a:bodyPr/>
+          <a:lstStyle/>
+          <a:p>
+            <a:r>
+              <a:rPr lang="en-US" dirty="0" smtClean="0"/>
+              <a:t>JavaScript / </a:t>
+            </a:r>
+            <a:r>
+              <a:rPr lang="en-US" dirty="0" err="1" smtClean="0"/>
+              <a:t>TypeScript</a:t>
+            </a:r>
+            <a:endParaRPr lang="en-US" dirty="0"/>
+          </a:p>
+        </p:txBody>
+      </p:sp>
+      <p:pic>
+        <p:nvPicPr>
+          <p:cNvPr id="4" name="Picture 3"/>
+          <p:cNvPicPr>
+            <a:picLocks noChangeAspect="1"/>
+          </p:cNvPicPr>
+          <p:nvPr/>
+        </p:nvPicPr>
+        <p:blipFill>
+          <a:blip r:embed="rId3">
+            <a:extLst>
+              <a:ext uri="{28A0092B-C50C-407E-A947-70E740481C1C}">
+                <a14:useLocalDpi xmlns:a14="http://schemas.microsoft.com/office/drawing/2010/main" val="0"/>
+              </a:ext>
+            </a:extLst>
+          </a:blip>
+          <a:stretch>
+            <a:fillRect/>
+          </a:stretch>
+        </p:blipFill>
+        <p:spPr>
+          <a:xfrm>
+            <a:off x="8168603" y="1172656"/>
+            <a:ext cx="3624020" cy="5461159"/>
+          </a:xfrm>
+          <a:prstGeom prst="rect">
+            <a:avLst/>
+          </a:prstGeom>
+        </p:spPr>
+      </p:pic>
     </p:spTree>
     <p:extLst>
       <p:ext uri="{BB962C8B-B14F-4D97-AF65-F5344CB8AC3E}">
-        <p14:creationId xmlns:p14="http://schemas.microsoft.com/office/powerpoint/2010/main" val="4065896160"/>
+        <p14:creationId xmlns:p14="http://schemas.microsoft.com/office/powerpoint/2010/main" val="290821773"/>
       </p:ext>
     </p:extLst>
   </p:cSld>
@@ -15662,7 +14553,7 @@
             <a:spLocks noGrp="1"/>
           </p:cNvSpPr>
           <p:nvPr>
-            <p:ph type="ctrTitle"/>
+            <p:ph type="title"/>
           </p:nvPr>
         </p:nvSpPr>
         <p:spPr/>
@@ -15672,90 +14563,7 @@
           <a:p>
             <a:r>
               <a:rPr lang="en-US" dirty="0" smtClean="0"/>
-              <a:t>ASSESSMENT</a:t>
-            </a:r>
-            <a:endParaRPr lang="en-US" dirty="0"/>
-          </a:p>
-        </p:txBody>
-      </p:sp>
-      <p:sp>
-        <p:nvSpPr>
-          <p:cNvPr id="3" name="Subtitle 2"/>
-          <p:cNvSpPr>
-            <a:spLocks noGrp="1"/>
-          </p:cNvSpPr>
-          <p:nvPr>
-            <p:ph type="subTitle" idx="1"/>
-          </p:nvPr>
-        </p:nvSpPr>
-        <p:spPr/>
-        <p:txBody>
-          <a:bodyPr/>
-          <a:lstStyle/>
-          <a:p>
-            <a:r>
-              <a:rPr lang="en-US" dirty="0" smtClean="0"/>
-              <a:t>DOM</a:t>
-            </a:r>
-            <a:endParaRPr lang="en-US" dirty="0"/>
-          </a:p>
-        </p:txBody>
-      </p:sp>
-    </p:spTree>
-    <p:extLst>
-      <p:ext uri="{BB962C8B-B14F-4D97-AF65-F5344CB8AC3E}">
-        <p14:creationId xmlns:p14="http://schemas.microsoft.com/office/powerpoint/2010/main" val="3641816103"/>
-      </p:ext>
-    </p:extLst>
-  </p:cSld>
-  <p:clrMapOvr>
-    <a:masterClrMapping/>
-  </p:clrMapOvr>
-  <p:timing>
-    <p:tnLst>
-      <p:par>
-        <p:cTn id="1" dur="indefinite" restart="never" nodeType="tmRoot"/>
-      </p:par>
-    </p:tnLst>
-  </p:timing>
-</p:sld>
-</file>
-
-<file path=ppt/slides/slide33.xml><?xml version="1.0" encoding="utf-8"?>
-<p:sld xmlns:a="http://schemas.openxmlformats.org/drawingml/2006/main" xmlns:r="http://schemas.openxmlformats.org/officeDocument/2006/relationships" xmlns:p="http://schemas.openxmlformats.org/presentationml/2006/main">
-  <p:cSld>
-    <p:spTree>
-      <p:nvGrpSpPr>
-        <p:cNvPr id="1" name=""/>
-        <p:cNvGrpSpPr/>
-        <p:nvPr/>
-      </p:nvGrpSpPr>
-      <p:grpSpPr>
-        <a:xfrm>
-          <a:off x="0" y="0"/>
-          <a:ext cx="0" cy="0"/>
-          <a:chOff x="0" y="0"/>
-          <a:chExt cx="0" cy="0"/>
-        </a:xfrm>
-      </p:grpSpPr>
-      <p:sp>
-        <p:nvSpPr>
-          <p:cNvPr id="2" name="Title 1"/>
-          <p:cNvSpPr>
-            <a:spLocks noGrp="1"/>
-          </p:cNvSpPr>
-          <p:nvPr>
-            <p:ph type="title"/>
-          </p:nvPr>
-        </p:nvSpPr>
-        <p:spPr/>
-        <p:txBody>
-          <a:bodyPr/>
-          <a:lstStyle/>
-          <a:p>
-            <a:r>
-              <a:rPr lang="en-US" dirty="0" smtClean="0"/>
-              <a:t>DOM Exercises</a:t>
+              <a:t>Additional Resources</a:t>
             </a:r>
             <a:endParaRPr lang="en-US" dirty="0"/>
           </a:p>
@@ -15779,1028 +14587,143 @@
         </p:spPr>
         <p:txBody>
           <a:bodyPr>
-            <a:normAutofit/>
+            <a:normAutofit fontScale="70000" lnSpcReduction="20000"/>
           </a:bodyPr>
           <a:lstStyle/>
           <a:p>
             <a:pPr lvl="0"/>
             <a:r>
-              <a:rPr lang="en-US" sz="2000" dirty="0"/>
-              <a:t>Create a page on the fly.</a:t>
-            </a:r>
+              <a:rPr lang="en-US" sz="2800" dirty="0" err="1" smtClean="0"/>
+              <a:t>JSFiddle</a:t>
+            </a:r>
+            <a:endParaRPr lang="en-US" sz="2800" dirty="0" smtClean="0"/>
           </a:p>
           <a:p>
             <a:pPr lvl="1"/>
             <a:r>
-              <a:rPr lang="en-US" sz="2000" dirty="0"/>
-              <a:t>Start with an empty html page.</a:t>
+              <a:rPr lang="en-US" sz="2600" dirty="0">
+                <a:hlinkClick r:id="rId3"/>
+              </a:rPr>
+              <a:t>https://jsfiddle.net</a:t>
+            </a:r>
+            <a:r>
+              <a:rPr lang="en-US" sz="2600" dirty="0" smtClean="0">
+                <a:hlinkClick r:id="rId3"/>
+              </a:rPr>
+              <a:t>/</a:t>
+            </a:r>
+            <a:endParaRPr lang="en-US" sz="2600" dirty="0" smtClean="0"/>
+          </a:p>
+          <a:p>
+            <a:r>
+              <a:rPr lang="en-US" sz="3000" dirty="0" smtClean="0"/>
+              <a:t>free Code Camp</a:t>
             </a:r>
           </a:p>
           <a:p>
             <a:pPr lvl="1"/>
             <a:r>
-              <a:rPr lang="en-US" sz="2000" dirty="0"/>
-              <a:t>On load, create multiple DOM elements and append them to the document.</a:t>
+              <a:rPr lang="en-US" sz="2600" dirty="0">
+                <a:hlinkClick r:id="rId4"/>
+              </a:rPr>
+              <a:t>https://www.freecodecamp.org</a:t>
+            </a:r>
+            <a:r>
+              <a:rPr lang="en-US" sz="2600" dirty="0" smtClean="0">
+                <a:hlinkClick r:id="rId4"/>
+              </a:rPr>
+              <a:t>/</a:t>
+            </a:r>
+            <a:endParaRPr lang="en-US" sz="2600" dirty="0" smtClean="0"/>
+          </a:p>
+          <a:p>
+            <a:r>
+              <a:rPr lang="en-US" sz="2800" dirty="0" smtClean="0"/>
+              <a:t>Microsoft </a:t>
+            </a:r>
+            <a:r>
+              <a:rPr lang="en-US" sz="2800" dirty="0"/>
+              <a:t>Virtual </a:t>
+            </a:r>
+            <a:r>
+              <a:rPr lang="en-US" sz="2800" dirty="0" smtClean="0"/>
+              <a:t>Academy</a:t>
             </a:r>
           </a:p>
           <a:p>
             <a:pPr lvl="1"/>
             <a:r>
-              <a:rPr lang="en-US" sz="2000" dirty="0"/>
-              <a:t>Ensure that you create two links, “Add text” and “Remove elements”</a:t>
+              <a:rPr lang="en-US" sz="2600" dirty="0">
+                <a:hlinkClick r:id="rId5"/>
+              </a:rPr>
+              <a:t>https://</a:t>
+            </a:r>
+            <a:r>
+              <a:rPr lang="en-US" sz="2600" dirty="0" smtClean="0">
+                <a:hlinkClick r:id="rId5"/>
+              </a:rPr>
+              <a:t>mva.microsoft.com/en-us/training-courses/javascript-fundamentals-for-absolute-beginners-14194</a:t>
+            </a:r>
+            <a:endParaRPr lang="en-US" sz="2600" dirty="0" smtClean="0"/>
+          </a:p>
+          <a:p>
+            <a:r>
+              <a:rPr lang="en-US" sz="3000" dirty="0" smtClean="0"/>
+              <a:t>MDN Web Docs</a:t>
             </a:r>
           </a:p>
           <a:p>
             <a:pPr lvl="1"/>
             <a:r>
-              <a:rPr lang="en-US" sz="2000" dirty="0"/>
-              <a:t>Create events for the two links.</a:t>
-            </a:r>
-          </a:p>
-          <a:p>
-            <a:pPr lvl="2"/>
-            <a:r>
-              <a:rPr lang="en-US" sz="2000" dirty="0"/>
-              <a:t>The click of Add text should add the words “more text” to your page.</a:t>
-            </a:r>
-          </a:p>
-          <a:p>
-            <a:pPr lvl="2"/>
-            <a:r>
-              <a:rPr lang="en-US" sz="2000" dirty="0"/>
-              <a:t>The click of Remove elements should remove elements from the document.</a:t>
-            </a:r>
+              <a:rPr lang="en-US" sz="2600" dirty="0">
+                <a:hlinkClick r:id="rId6"/>
+              </a:rPr>
+              <a:t>https://</a:t>
+            </a:r>
+            <a:r>
+              <a:rPr lang="en-US" sz="2600" dirty="0" smtClean="0">
+                <a:hlinkClick r:id="rId6"/>
+              </a:rPr>
+              <a:t>developer.mozilla.org/en-US/docs/Web/JavaScript/Language_Resources</a:t>
+            </a:r>
+            <a:endParaRPr lang="en-US" sz="2600" dirty="0" smtClean="0"/>
+          </a:p>
+          <a:p>
+            <a:r>
+              <a:rPr lang="en-US" sz="3000" dirty="0" err="1" smtClean="0"/>
+              <a:t>TypeScript</a:t>
+            </a:r>
+            <a:r>
+              <a:rPr lang="en-US" sz="3000" dirty="0" smtClean="0"/>
+              <a:t> Documentation</a:t>
+            </a:r>
+          </a:p>
+          <a:p>
+            <a:pPr lvl="1"/>
+            <a:r>
+              <a:rPr lang="en-US" sz="2800" dirty="0">
+                <a:hlinkClick r:id="rId7"/>
+              </a:rPr>
+              <a:t>https://</a:t>
+            </a:r>
+            <a:r>
+              <a:rPr lang="en-US" sz="2800" dirty="0" smtClean="0">
+                <a:hlinkClick r:id="rId7"/>
+              </a:rPr>
+              <a:t>www.typescriptlang.org/docs/home.html</a:t>
+            </a:r>
+            <a:endParaRPr lang="en-US" sz="2800" dirty="0"/>
+          </a:p>
+          <a:p>
+            <a:pPr lvl="1"/>
+            <a:endParaRPr lang="en-US" sz="2800" dirty="0" smtClean="0"/>
           </a:p>
         </p:txBody>
       </p:sp>
     </p:spTree>
     <p:extLst>
       <p:ext uri="{BB962C8B-B14F-4D97-AF65-F5344CB8AC3E}">
-        <p14:creationId xmlns:p14="http://schemas.microsoft.com/office/powerpoint/2010/main" val="2825178181"/>
-      </p:ext>
-    </p:extLst>
-  </p:cSld>
-  <p:clrMapOvr>
-    <a:masterClrMapping/>
-  </p:clrMapOvr>
-</p:sld>
-</file>
-
-<file path=ppt/slides/slide34.xml><?xml version="1.0" encoding="utf-8"?>
-<p:sld xmlns:a="http://schemas.openxmlformats.org/drawingml/2006/main" xmlns:r="http://schemas.openxmlformats.org/officeDocument/2006/relationships" xmlns:p="http://schemas.openxmlformats.org/presentationml/2006/main">
-  <p:cSld>
-    <p:spTree>
-      <p:nvGrpSpPr>
-        <p:cNvPr id="1" name=""/>
-        <p:cNvGrpSpPr/>
-        <p:nvPr/>
-      </p:nvGrpSpPr>
-      <p:grpSpPr>
-        <a:xfrm>
-          <a:off x="0" y="0"/>
-          <a:ext cx="0" cy="0"/>
-          <a:chOff x="0" y="0"/>
-          <a:chExt cx="0" cy="0"/>
-        </a:xfrm>
-      </p:grpSpPr>
-      <p:sp>
-        <p:nvSpPr>
-          <p:cNvPr id="2" name="Title 1"/>
-          <p:cNvSpPr>
-            <a:spLocks noGrp="1"/>
-          </p:cNvSpPr>
-          <p:nvPr>
-            <p:ph type="title"/>
-          </p:nvPr>
-        </p:nvSpPr>
-        <p:spPr/>
-        <p:txBody>
-          <a:bodyPr/>
-          <a:lstStyle/>
-          <a:p>
-            <a:r>
-              <a:rPr lang="en-US" dirty="0" smtClean="0"/>
-              <a:t>What is </a:t>
-            </a:r>
-            <a:r>
-              <a:rPr lang="en-US" dirty="0" err="1" smtClean="0"/>
-              <a:t>TypeScript</a:t>
-            </a:r>
-            <a:r>
-              <a:rPr lang="en-US" dirty="0" smtClean="0"/>
-              <a:t>?</a:t>
-            </a:r>
-            <a:endParaRPr lang="en-US" dirty="0"/>
-          </a:p>
-        </p:txBody>
-      </p:sp>
-      <p:sp>
-        <p:nvSpPr>
-          <p:cNvPr id="3" name="Content Placeholder 2"/>
-          <p:cNvSpPr>
-            <a:spLocks noGrp="1"/>
-          </p:cNvSpPr>
-          <p:nvPr>
-            <p:ph sz="half" idx="1"/>
-          </p:nvPr>
-        </p:nvSpPr>
-        <p:spPr/>
-        <p:txBody>
-          <a:bodyPr>
-            <a:noAutofit/>
-          </a:bodyPr>
-          <a:lstStyle/>
-          <a:p>
-            <a:r>
-              <a:rPr lang="en-US" sz="2000" dirty="0" smtClean="0"/>
-              <a:t>Superset of the </a:t>
-            </a:r>
-            <a:r>
-              <a:rPr lang="en-US" sz="2000" dirty="0" err="1" smtClean="0"/>
-              <a:t>Javascript</a:t>
-            </a:r>
-            <a:r>
-              <a:rPr lang="en-US" sz="2000" dirty="0" smtClean="0"/>
-              <a:t> language</a:t>
-            </a:r>
-          </a:p>
-          <a:p>
-            <a:r>
-              <a:rPr lang="en-US" sz="2000" dirty="0" err="1" smtClean="0"/>
-              <a:t>Transpiler</a:t>
-            </a:r>
-            <a:r>
-              <a:rPr lang="en-US" sz="2000" dirty="0" smtClean="0"/>
-              <a:t> – interprets Typescript to </a:t>
-            </a:r>
-            <a:r>
-              <a:rPr lang="en-US" sz="2000" dirty="0" err="1" smtClean="0"/>
-              <a:t>Javascript</a:t>
-            </a:r>
-            <a:endParaRPr lang="en-US" sz="2000" dirty="0" smtClean="0"/>
-          </a:p>
-          <a:p>
-            <a:r>
-              <a:rPr lang="en-US" sz="2000" dirty="0" smtClean="0"/>
-              <a:t>Strongly Typed</a:t>
-            </a:r>
-          </a:p>
-          <a:p>
-            <a:r>
-              <a:rPr lang="en-US" sz="2000" dirty="0" smtClean="0"/>
-              <a:t>Also Support for:</a:t>
-            </a:r>
-          </a:p>
-          <a:p>
-            <a:pPr lvl="1"/>
-            <a:r>
-              <a:rPr lang="en-US" sz="2000" dirty="0" smtClean="0"/>
-              <a:t>Generics</a:t>
-            </a:r>
-          </a:p>
-          <a:p>
-            <a:pPr lvl="1"/>
-            <a:r>
-              <a:rPr lang="en-US" sz="2000" dirty="0" smtClean="0"/>
-              <a:t>Classes</a:t>
-            </a:r>
-          </a:p>
-          <a:p>
-            <a:pPr lvl="1"/>
-            <a:r>
-              <a:rPr lang="en-US" sz="2000" dirty="0" smtClean="0"/>
-              <a:t>Interfaces</a:t>
-            </a:r>
-          </a:p>
-          <a:p>
-            <a:pPr lvl="1"/>
-            <a:r>
-              <a:rPr lang="en-US" sz="2000" dirty="0" smtClean="0"/>
-              <a:t>Namespaces</a:t>
-            </a:r>
-          </a:p>
-          <a:p>
-            <a:pPr lvl="1"/>
-            <a:r>
-              <a:rPr lang="en-US" sz="2000" dirty="0" err="1" smtClean="0"/>
-              <a:t>Etc</a:t>
-            </a:r>
-            <a:r>
-              <a:rPr lang="en-US" sz="2000" dirty="0" smtClean="0"/>
-              <a:t>…</a:t>
-            </a:r>
-            <a:endParaRPr lang="en-US" sz="2000" dirty="0"/>
-          </a:p>
-        </p:txBody>
-      </p:sp>
-      <p:pic>
-        <p:nvPicPr>
-          <p:cNvPr id="5" name="Content Placeholder 4"/>
-          <p:cNvPicPr>
-            <a:picLocks noGrp="1" noChangeAspect="1"/>
-          </p:cNvPicPr>
-          <p:nvPr>
-            <p:ph sz="half" idx="2"/>
-          </p:nvPr>
-        </p:nvPicPr>
-        <p:blipFill>
-          <a:blip r:embed="rId3">
-            <a:extLst>
-              <a:ext uri="{28A0092B-C50C-407E-A947-70E740481C1C}">
-                <a14:useLocalDpi xmlns:a14="http://schemas.microsoft.com/office/drawing/2010/main" val="0"/>
-              </a:ext>
-            </a:extLst>
-          </a:blip>
-          <a:stretch>
-            <a:fillRect/>
-          </a:stretch>
-        </p:blipFill>
-        <p:spPr>
-          <a:xfrm>
-            <a:off x="5980008" y="2060574"/>
-            <a:ext cx="5297478" cy="3665855"/>
-          </a:xfrm>
-        </p:spPr>
-      </p:pic>
-    </p:spTree>
-    <p:extLst>
-      <p:ext uri="{BB962C8B-B14F-4D97-AF65-F5344CB8AC3E}">
-        <p14:creationId xmlns:p14="http://schemas.microsoft.com/office/powerpoint/2010/main" val="1232177377"/>
-      </p:ext>
-    </p:extLst>
-  </p:cSld>
-  <p:clrMapOvr>
-    <a:masterClrMapping/>
-  </p:clrMapOvr>
-</p:sld>
-</file>
-
-<file path=ppt/slides/slide35.xml><?xml version="1.0" encoding="utf-8"?>
-<p:sld xmlns:a="http://schemas.openxmlformats.org/drawingml/2006/main" xmlns:r="http://schemas.openxmlformats.org/officeDocument/2006/relationships" xmlns:p="http://schemas.openxmlformats.org/presentationml/2006/main">
-  <p:cSld>
-    <p:spTree>
-      <p:nvGrpSpPr>
-        <p:cNvPr id="1" name=""/>
-        <p:cNvGrpSpPr/>
-        <p:nvPr/>
-      </p:nvGrpSpPr>
-      <p:grpSpPr>
-        <a:xfrm>
-          <a:off x="0" y="0"/>
-          <a:ext cx="0" cy="0"/>
-          <a:chOff x="0" y="0"/>
-          <a:chExt cx="0" cy="0"/>
-        </a:xfrm>
-      </p:grpSpPr>
-      <p:sp>
-        <p:nvSpPr>
-          <p:cNvPr id="2" name="Title 1"/>
-          <p:cNvSpPr>
-            <a:spLocks noGrp="1"/>
-          </p:cNvSpPr>
-          <p:nvPr>
-            <p:ph type="title"/>
-          </p:nvPr>
-        </p:nvSpPr>
-        <p:spPr/>
-        <p:txBody>
-          <a:bodyPr/>
-          <a:lstStyle/>
-          <a:p>
-            <a:r>
-              <a:rPr lang="en-US" dirty="0" smtClean="0"/>
-              <a:t>Typescript Types</a:t>
-            </a:r>
-            <a:endParaRPr lang="en-US" dirty="0"/>
-          </a:p>
-        </p:txBody>
-      </p:sp>
-      <p:sp>
-        <p:nvSpPr>
-          <p:cNvPr id="3" name="Content Placeholder 2"/>
-          <p:cNvSpPr>
-            <a:spLocks noGrp="1"/>
-          </p:cNvSpPr>
-          <p:nvPr>
-            <p:ph sz="half" idx="1"/>
-          </p:nvPr>
-        </p:nvSpPr>
-        <p:spPr/>
-        <p:txBody>
-          <a:bodyPr>
-            <a:normAutofit/>
-          </a:bodyPr>
-          <a:lstStyle/>
-          <a:p>
-            <a:r>
-              <a:rPr lang="en-US" sz="2400" dirty="0" smtClean="0"/>
-              <a:t>* - any</a:t>
-            </a:r>
-          </a:p>
-          <a:p>
-            <a:r>
-              <a:rPr lang="en-US" sz="2400" dirty="0" smtClean="0"/>
-              <a:t>Built-in Types</a:t>
-            </a:r>
-          </a:p>
-          <a:p>
-            <a:pPr lvl="1"/>
-            <a:r>
-              <a:rPr lang="en-US" sz="2400" dirty="0" smtClean="0"/>
-              <a:t>Number</a:t>
-            </a:r>
-          </a:p>
-          <a:p>
-            <a:pPr lvl="1"/>
-            <a:r>
-              <a:rPr lang="en-US" sz="2400" dirty="0" smtClean="0"/>
-              <a:t>String</a:t>
-            </a:r>
-          </a:p>
-          <a:p>
-            <a:pPr lvl="1"/>
-            <a:r>
-              <a:rPr lang="en-US" sz="2400" dirty="0" smtClean="0"/>
-              <a:t>Boolean</a:t>
-            </a:r>
-          </a:p>
-          <a:p>
-            <a:pPr lvl="1"/>
-            <a:r>
-              <a:rPr lang="en-US" sz="2400" dirty="0" smtClean="0"/>
-              <a:t>Void</a:t>
-            </a:r>
-          </a:p>
-          <a:p>
-            <a:pPr lvl="1"/>
-            <a:r>
-              <a:rPr lang="en-US" sz="2400" dirty="0" smtClean="0"/>
-              <a:t>Null</a:t>
-            </a:r>
-          </a:p>
-          <a:p>
-            <a:pPr lvl="1"/>
-            <a:r>
-              <a:rPr lang="en-US" sz="2400" dirty="0" smtClean="0"/>
-              <a:t>Undefined</a:t>
-            </a:r>
-          </a:p>
-        </p:txBody>
-      </p:sp>
-      <p:sp>
-        <p:nvSpPr>
-          <p:cNvPr id="4" name="Content Placeholder 3"/>
-          <p:cNvSpPr>
-            <a:spLocks noGrp="1"/>
-          </p:cNvSpPr>
-          <p:nvPr>
-            <p:ph sz="half" idx="2"/>
-          </p:nvPr>
-        </p:nvSpPr>
-        <p:spPr/>
-        <p:txBody>
-          <a:bodyPr>
-            <a:normAutofit/>
-          </a:bodyPr>
-          <a:lstStyle/>
-          <a:p>
-            <a:r>
-              <a:rPr lang="en-US" sz="2400" dirty="0"/>
-              <a:t>User-defined Types</a:t>
-            </a:r>
-          </a:p>
-          <a:p>
-            <a:pPr lvl="1"/>
-            <a:r>
-              <a:rPr lang="en-US" sz="2400" dirty="0" err="1"/>
-              <a:t>enum</a:t>
-            </a:r>
-            <a:endParaRPr lang="en-US" sz="2400" dirty="0"/>
-          </a:p>
-          <a:p>
-            <a:pPr lvl="1"/>
-            <a:r>
-              <a:rPr lang="en-US" sz="2400" dirty="0"/>
-              <a:t>class</a:t>
-            </a:r>
-          </a:p>
-          <a:p>
-            <a:pPr lvl="1"/>
-            <a:r>
-              <a:rPr lang="en-US" sz="2400" dirty="0"/>
-              <a:t>Interface</a:t>
-            </a:r>
-          </a:p>
-          <a:p>
-            <a:pPr lvl="1"/>
-            <a:r>
-              <a:rPr lang="en-US" sz="2400" dirty="0"/>
-              <a:t>array</a:t>
-            </a:r>
-          </a:p>
-          <a:p>
-            <a:pPr lvl="1"/>
-            <a:r>
-              <a:rPr lang="en-US" sz="2400" dirty="0"/>
-              <a:t>tuple</a:t>
-            </a:r>
-          </a:p>
-          <a:p>
-            <a:endParaRPr lang="en-US" dirty="0"/>
-          </a:p>
-        </p:txBody>
-      </p:sp>
-    </p:spTree>
-    <p:extLst>
-      <p:ext uri="{BB962C8B-B14F-4D97-AF65-F5344CB8AC3E}">
-        <p14:creationId xmlns:p14="http://schemas.microsoft.com/office/powerpoint/2010/main" val="21413965"/>
-      </p:ext>
-    </p:extLst>
-  </p:cSld>
-  <p:clrMapOvr>
-    <a:masterClrMapping/>
-  </p:clrMapOvr>
-</p:sld>
-</file>
-
-<file path=ppt/slides/slide36.xml><?xml version="1.0" encoding="utf-8"?>
-<p:sld xmlns:a="http://schemas.openxmlformats.org/drawingml/2006/main" xmlns:r="http://schemas.openxmlformats.org/officeDocument/2006/relationships" xmlns:p="http://schemas.openxmlformats.org/presentationml/2006/main">
-  <p:cSld>
-    <p:spTree>
-      <p:nvGrpSpPr>
-        <p:cNvPr id="1" name=""/>
-        <p:cNvGrpSpPr/>
-        <p:nvPr/>
-      </p:nvGrpSpPr>
-      <p:grpSpPr>
-        <a:xfrm>
-          <a:off x="0" y="0"/>
-          <a:ext cx="0" cy="0"/>
-          <a:chOff x="0" y="0"/>
-          <a:chExt cx="0" cy="0"/>
-        </a:xfrm>
-      </p:grpSpPr>
-      <p:sp>
-        <p:nvSpPr>
-          <p:cNvPr id="2" name="Title 1"/>
-          <p:cNvSpPr>
-            <a:spLocks noGrp="1"/>
-          </p:cNvSpPr>
-          <p:nvPr>
-            <p:ph type="title"/>
-          </p:nvPr>
-        </p:nvSpPr>
-        <p:spPr/>
-        <p:txBody>
-          <a:bodyPr/>
-          <a:lstStyle/>
-          <a:p>
-            <a:r>
-              <a:rPr lang="en-US" dirty="0" err="1" smtClean="0"/>
-              <a:t>TypeScript</a:t>
-            </a:r>
-            <a:r>
-              <a:rPr lang="en-US" dirty="0"/>
-              <a:t> </a:t>
-            </a:r>
-            <a:r>
-              <a:rPr lang="en-US" dirty="0" smtClean="0"/>
-              <a:t>Syntax</a:t>
-            </a:r>
-            <a:endParaRPr lang="en-US" dirty="0"/>
-          </a:p>
-        </p:txBody>
-      </p:sp>
-      <p:sp>
-        <p:nvSpPr>
-          <p:cNvPr id="3" name="Content Placeholder 2"/>
-          <p:cNvSpPr>
-            <a:spLocks noGrp="1"/>
-          </p:cNvSpPr>
-          <p:nvPr>
-            <p:ph idx="1"/>
-          </p:nvPr>
-        </p:nvSpPr>
-        <p:spPr/>
-        <p:txBody>
-          <a:bodyPr>
-            <a:normAutofit fontScale="55000" lnSpcReduction="20000"/>
-          </a:bodyPr>
-          <a:lstStyle/>
-          <a:p>
-            <a:r>
-              <a:rPr lang="en-US" sz="2900" dirty="0" smtClean="0"/>
-              <a:t>Typescript is written in .</a:t>
-            </a:r>
-            <a:r>
-              <a:rPr lang="en-US" sz="2900" dirty="0" err="1" smtClean="0"/>
-              <a:t>ts</a:t>
-            </a:r>
-            <a:r>
-              <a:rPr lang="en-US" sz="2900" dirty="0" smtClean="0"/>
-              <a:t> files that are </a:t>
-            </a:r>
-            <a:r>
-              <a:rPr lang="en-US" sz="2900" dirty="0" err="1" smtClean="0"/>
-              <a:t>transpiled</a:t>
-            </a:r>
-            <a:r>
-              <a:rPr lang="en-US" sz="2900" dirty="0" smtClean="0"/>
-              <a:t> to .</a:t>
-            </a:r>
-            <a:r>
-              <a:rPr lang="en-US" sz="2900" dirty="0" err="1" smtClean="0"/>
-              <a:t>js</a:t>
-            </a:r>
-            <a:r>
-              <a:rPr lang="en-US" sz="2900" dirty="0" smtClean="0"/>
-              <a:t> files</a:t>
-            </a:r>
-          </a:p>
-          <a:p>
-            <a:r>
-              <a:rPr lang="en-US" sz="2900" dirty="0" smtClean="0"/>
-              <a:t>Also option to create .</a:t>
-            </a:r>
-            <a:r>
-              <a:rPr lang="en-US" sz="2900" dirty="0" err="1" smtClean="0"/>
-              <a:t>d.ts</a:t>
-            </a:r>
-            <a:r>
-              <a:rPr lang="en-US" sz="2900" dirty="0" smtClean="0"/>
-              <a:t> declaration files for </a:t>
-            </a:r>
-            <a:r>
-              <a:rPr lang="en-US" sz="2900" dirty="0" err="1" smtClean="0"/>
-              <a:t>intellisense</a:t>
-            </a:r>
-            <a:endParaRPr lang="en-US" sz="2900" dirty="0" smtClean="0"/>
-          </a:p>
-          <a:p>
-            <a:r>
-              <a:rPr lang="en-US" sz="2900" dirty="0" smtClean="0"/>
-              <a:t>Variable Declaration:  let[name] :[type] = [value];</a:t>
-            </a:r>
-          </a:p>
-          <a:p>
-            <a:pPr marL="0" indent="0">
-              <a:buNone/>
-            </a:pPr>
-            <a:endParaRPr lang="en-US" sz="2900" dirty="0" smtClean="0"/>
-          </a:p>
-          <a:p>
-            <a:pPr marL="0" indent="0">
-              <a:buNone/>
-            </a:pPr>
-            <a:r>
-              <a:rPr lang="en-US" sz="2900" dirty="0" smtClean="0"/>
-              <a:t>Function:  function [name] ([param1]:[type], [param2]:[type]) : [return type] {}</a:t>
-            </a:r>
-          </a:p>
-          <a:p>
-            <a:pPr marL="45720" indent="0">
-              <a:spcBef>
-                <a:spcPts val="100"/>
-              </a:spcBef>
-              <a:buNone/>
-            </a:pPr>
-            <a:endParaRPr lang="en-US" sz="2900" dirty="0" smtClean="0"/>
-          </a:p>
-          <a:p>
-            <a:pPr marL="45720" indent="0">
-              <a:spcBef>
-                <a:spcPts val="100"/>
-              </a:spcBef>
-              <a:buNone/>
-            </a:pPr>
-            <a:r>
-              <a:rPr lang="en-US" sz="2900" dirty="0" smtClean="0"/>
-              <a:t>class [name] {</a:t>
-            </a:r>
-          </a:p>
-          <a:p>
-            <a:pPr marL="45720" indent="0">
-              <a:spcBef>
-                <a:spcPts val="100"/>
-              </a:spcBef>
-              <a:buNone/>
-            </a:pPr>
-            <a:r>
-              <a:rPr lang="en-US" sz="2900" dirty="0" smtClean="0"/>
-              <a:t>  </a:t>
-            </a:r>
-            <a:r>
-              <a:rPr lang="en-US" sz="2900" dirty="0" err="1" smtClean="0"/>
-              <a:t>name:string</a:t>
-            </a:r>
-            <a:r>
-              <a:rPr lang="en-US" sz="2900" dirty="0" smtClean="0"/>
-              <a:t>;</a:t>
-            </a:r>
-          </a:p>
-          <a:p>
-            <a:pPr marL="45720" indent="0">
-              <a:spcBef>
-                <a:spcPts val="100"/>
-              </a:spcBef>
-              <a:buNone/>
-            </a:pPr>
-            <a:endParaRPr lang="en-US" sz="2900" dirty="0"/>
-          </a:p>
-          <a:p>
-            <a:pPr marL="45720" indent="0">
-              <a:spcBef>
-                <a:spcPts val="100"/>
-              </a:spcBef>
-              <a:buNone/>
-            </a:pPr>
-            <a:r>
-              <a:rPr lang="en-US" sz="2900" dirty="0" smtClean="0"/>
-              <a:t>  constructor(</a:t>
-            </a:r>
-            <a:r>
-              <a:rPr lang="en-US" sz="2900" dirty="0" err="1" smtClean="0"/>
-              <a:t>name:string</a:t>
-            </a:r>
-            <a:r>
-              <a:rPr lang="en-US" sz="2900" dirty="0" smtClean="0"/>
-              <a:t>) {</a:t>
-            </a:r>
-          </a:p>
-          <a:p>
-            <a:pPr marL="45720" indent="0">
-              <a:spcBef>
-                <a:spcPts val="100"/>
-              </a:spcBef>
-              <a:buNone/>
-            </a:pPr>
-            <a:r>
-              <a:rPr lang="en-US" sz="2900" dirty="0"/>
-              <a:t> </a:t>
-            </a:r>
-            <a:r>
-              <a:rPr lang="en-US" sz="2900" dirty="0" smtClean="0"/>
-              <a:t>   this.name = name;</a:t>
-            </a:r>
-          </a:p>
-          <a:p>
-            <a:pPr marL="45720" indent="0">
-              <a:spcBef>
-                <a:spcPts val="100"/>
-              </a:spcBef>
-              <a:buNone/>
-            </a:pPr>
-            <a:r>
-              <a:rPr lang="en-US" sz="2900" dirty="0"/>
-              <a:t> </a:t>
-            </a:r>
-            <a:r>
-              <a:rPr lang="en-US" sz="2900" dirty="0" smtClean="0"/>
-              <a:t> }</a:t>
-            </a:r>
-          </a:p>
-          <a:p>
-            <a:pPr marL="45720" indent="0">
-              <a:spcBef>
-                <a:spcPts val="100"/>
-              </a:spcBef>
-              <a:buNone/>
-            </a:pPr>
-            <a:endParaRPr lang="en-US" sz="2900" dirty="0"/>
-          </a:p>
-          <a:p>
-            <a:pPr marL="45720" indent="0">
-              <a:spcBef>
-                <a:spcPts val="100"/>
-              </a:spcBef>
-              <a:buNone/>
-            </a:pPr>
-            <a:r>
-              <a:rPr lang="en-US" sz="2900" dirty="0" smtClean="0"/>
-              <a:t>  write():void {</a:t>
-            </a:r>
-          </a:p>
-          <a:p>
-            <a:pPr marL="45720" indent="0">
-              <a:spcBef>
-                <a:spcPts val="100"/>
-              </a:spcBef>
-              <a:buNone/>
-            </a:pPr>
-            <a:r>
-              <a:rPr lang="en-US" sz="2900" dirty="0" smtClean="0"/>
-              <a:t>    console.log(“Name is “ + this.name);</a:t>
-            </a:r>
-            <a:endParaRPr lang="en-US" sz="2900" dirty="0"/>
-          </a:p>
-          <a:p>
-            <a:pPr marL="45720" indent="0">
-              <a:spcBef>
-                <a:spcPts val="100"/>
-              </a:spcBef>
-              <a:buNone/>
-            </a:pPr>
-            <a:r>
-              <a:rPr lang="en-US" sz="2900" dirty="0" smtClean="0"/>
-              <a:t>  }</a:t>
-            </a:r>
-          </a:p>
-          <a:p>
-            <a:pPr marL="45720" indent="0">
-              <a:spcBef>
-                <a:spcPts val="100"/>
-              </a:spcBef>
-              <a:buNone/>
-            </a:pPr>
-            <a:r>
-              <a:rPr lang="en-US" sz="2900" dirty="0" smtClean="0"/>
-              <a:t>}</a:t>
-            </a:r>
-          </a:p>
-          <a:p>
-            <a:endParaRPr lang="en-US" dirty="0"/>
-          </a:p>
-        </p:txBody>
-      </p:sp>
-    </p:spTree>
-    <p:extLst>
-      <p:ext uri="{BB962C8B-B14F-4D97-AF65-F5344CB8AC3E}">
-        <p14:creationId xmlns:p14="http://schemas.microsoft.com/office/powerpoint/2010/main" val="3197906115"/>
-      </p:ext>
-    </p:extLst>
-  </p:cSld>
-  <p:clrMapOvr>
-    <a:masterClrMapping/>
-  </p:clrMapOvr>
-</p:sld>
-</file>
-
-<file path=ppt/slides/slide37.xml><?xml version="1.0" encoding="utf-8"?>
-<p:sld xmlns:a="http://schemas.openxmlformats.org/drawingml/2006/main" xmlns:r="http://schemas.openxmlformats.org/officeDocument/2006/relationships" xmlns:p="http://schemas.openxmlformats.org/presentationml/2006/main">
-  <p:cSld>
-    <p:spTree>
-      <p:nvGrpSpPr>
-        <p:cNvPr id="1" name=""/>
-        <p:cNvGrpSpPr/>
-        <p:nvPr/>
-      </p:nvGrpSpPr>
-      <p:grpSpPr>
-        <a:xfrm>
-          <a:off x="0" y="0"/>
-          <a:ext cx="0" cy="0"/>
-          <a:chOff x="0" y="0"/>
-          <a:chExt cx="0" cy="0"/>
-        </a:xfrm>
-      </p:grpSpPr>
-      <p:sp>
-        <p:nvSpPr>
-          <p:cNvPr id="2" name="Title 1"/>
-          <p:cNvSpPr>
-            <a:spLocks noGrp="1"/>
-          </p:cNvSpPr>
-          <p:nvPr>
-            <p:ph type="title"/>
-          </p:nvPr>
-        </p:nvSpPr>
-        <p:spPr/>
-        <p:txBody>
-          <a:bodyPr/>
-          <a:lstStyle/>
-          <a:p>
-            <a:r>
-              <a:rPr lang="en-US" dirty="0"/>
-              <a:t>EXAMPLE</a:t>
-            </a:r>
-          </a:p>
-        </p:txBody>
-      </p:sp>
-      <p:sp>
-        <p:nvSpPr>
-          <p:cNvPr id="3" name="Text Placeholder 2"/>
-          <p:cNvSpPr>
-            <a:spLocks noGrp="1"/>
-          </p:cNvSpPr>
-          <p:nvPr>
-            <p:ph type="body" idx="1"/>
-          </p:nvPr>
-        </p:nvSpPr>
-        <p:spPr/>
-        <p:txBody>
-          <a:bodyPr/>
-          <a:lstStyle/>
-          <a:p>
-            <a:r>
-              <a:rPr lang="en-US" dirty="0" err="1" smtClean="0"/>
-              <a:t>TypeScript</a:t>
-            </a:r>
-            <a:endParaRPr lang="en-US" dirty="0"/>
-          </a:p>
-        </p:txBody>
-      </p:sp>
-    </p:spTree>
-    <p:extLst>
-      <p:ext uri="{BB962C8B-B14F-4D97-AF65-F5344CB8AC3E}">
-        <p14:creationId xmlns:p14="http://schemas.microsoft.com/office/powerpoint/2010/main" val="595316779"/>
-      </p:ext>
-    </p:extLst>
-  </p:cSld>
-  <p:clrMapOvr>
-    <a:masterClrMapping/>
-  </p:clrMapOvr>
-  <p:timing>
-    <p:tnLst>
-      <p:par>
-        <p:cTn id="1" dur="indefinite" restart="never" nodeType="tmRoot"/>
-      </p:par>
-    </p:tnLst>
-  </p:timing>
-</p:sld>
-</file>
-
-<file path=ppt/slides/slide38.xml><?xml version="1.0" encoding="utf-8"?>
-<p:sld xmlns:a="http://schemas.openxmlformats.org/drawingml/2006/main" xmlns:r="http://schemas.openxmlformats.org/officeDocument/2006/relationships" xmlns:p="http://schemas.openxmlformats.org/presentationml/2006/main">
-  <p:cSld>
-    <p:spTree>
-      <p:nvGrpSpPr>
-        <p:cNvPr id="1" name=""/>
-        <p:cNvGrpSpPr/>
-        <p:nvPr/>
-      </p:nvGrpSpPr>
-      <p:grpSpPr>
-        <a:xfrm>
-          <a:off x="0" y="0"/>
-          <a:ext cx="0" cy="0"/>
-          <a:chOff x="0" y="0"/>
-          <a:chExt cx="0" cy="0"/>
-        </a:xfrm>
-      </p:grpSpPr>
-      <p:sp>
-        <p:nvSpPr>
-          <p:cNvPr id="2" name="Title 1"/>
-          <p:cNvSpPr>
-            <a:spLocks noGrp="1"/>
-          </p:cNvSpPr>
-          <p:nvPr>
-            <p:ph type="ctrTitle"/>
-          </p:nvPr>
-        </p:nvSpPr>
-        <p:spPr/>
-        <p:txBody>
-          <a:bodyPr/>
-          <a:lstStyle/>
-          <a:p>
-            <a:r>
-              <a:rPr lang="en-US" dirty="0" smtClean="0"/>
-              <a:t>ASSESSMENT</a:t>
-            </a:r>
-            <a:endParaRPr lang="en-US" dirty="0"/>
-          </a:p>
-        </p:txBody>
-      </p:sp>
-      <p:sp>
-        <p:nvSpPr>
-          <p:cNvPr id="3" name="Subtitle 2"/>
-          <p:cNvSpPr>
-            <a:spLocks noGrp="1"/>
-          </p:cNvSpPr>
-          <p:nvPr>
-            <p:ph type="subTitle" idx="1"/>
-          </p:nvPr>
-        </p:nvSpPr>
-        <p:spPr/>
-        <p:txBody>
-          <a:bodyPr/>
-          <a:lstStyle/>
-          <a:p>
-            <a:r>
-              <a:rPr lang="en-US" dirty="0" err="1" smtClean="0"/>
-              <a:t>TypeScript</a:t>
-            </a:r>
-            <a:endParaRPr lang="en-US" dirty="0"/>
-          </a:p>
-        </p:txBody>
-      </p:sp>
-    </p:spTree>
-    <p:extLst>
-      <p:ext uri="{BB962C8B-B14F-4D97-AF65-F5344CB8AC3E}">
-        <p14:creationId xmlns:p14="http://schemas.microsoft.com/office/powerpoint/2010/main" val="926822310"/>
-      </p:ext>
-    </p:extLst>
-  </p:cSld>
-  <p:clrMapOvr>
-    <a:masterClrMapping/>
-  </p:clrMapOvr>
-  <p:timing>
-    <p:tnLst>
-      <p:par>
-        <p:cTn id="1" dur="indefinite" restart="never" nodeType="tmRoot"/>
-      </p:par>
-    </p:tnLst>
-  </p:timing>
-</p:sld>
-</file>
-
-<file path=ppt/slides/slide39.xml><?xml version="1.0" encoding="utf-8"?>
-<p:sld xmlns:a="http://schemas.openxmlformats.org/drawingml/2006/main" xmlns:r="http://schemas.openxmlformats.org/officeDocument/2006/relationships" xmlns:p="http://schemas.openxmlformats.org/presentationml/2006/main">
-  <p:cSld>
-    <p:spTree>
-      <p:nvGrpSpPr>
-        <p:cNvPr id="1" name=""/>
-        <p:cNvGrpSpPr/>
-        <p:nvPr/>
-      </p:nvGrpSpPr>
-      <p:grpSpPr>
-        <a:xfrm>
-          <a:off x="0" y="0"/>
-          <a:ext cx="0" cy="0"/>
-          <a:chOff x="0" y="0"/>
-          <a:chExt cx="0" cy="0"/>
-        </a:xfrm>
-      </p:grpSpPr>
-      <p:sp>
-        <p:nvSpPr>
-          <p:cNvPr id="2" name="Title 1"/>
-          <p:cNvSpPr>
-            <a:spLocks noGrp="1"/>
-          </p:cNvSpPr>
-          <p:nvPr>
-            <p:ph type="title"/>
-          </p:nvPr>
-        </p:nvSpPr>
-        <p:spPr/>
-        <p:txBody>
-          <a:bodyPr/>
-          <a:lstStyle/>
-          <a:p>
-            <a:r>
-              <a:rPr lang="en-US" dirty="0" err="1" smtClean="0"/>
-              <a:t>TypeScript</a:t>
-            </a:r>
-            <a:r>
-              <a:rPr lang="en-US" dirty="0" smtClean="0"/>
-              <a:t> Function Exercises</a:t>
-            </a:r>
-            <a:endParaRPr lang="en-US" dirty="0"/>
-          </a:p>
-        </p:txBody>
-      </p:sp>
-      <p:sp>
-        <p:nvSpPr>
-          <p:cNvPr id="3" name="Content Placeholder 2"/>
-          <p:cNvSpPr>
-            <a:spLocks noGrp="1"/>
-          </p:cNvSpPr>
-          <p:nvPr>
-            <p:ph sz="half" idx="1"/>
-          </p:nvPr>
-        </p:nvSpPr>
-        <p:spPr>
-          <a:xfrm>
-            <a:off x="1103312" y="2060575"/>
-            <a:ext cx="10008033" cy="4195763"/>
-          </a:xfrm>
-        </p:spPr>
-        <p:txBody>
-          <a:bodyPr>
-            <a:normAutofit/>
-          </a:bodyPr>
-          <a:lstStyle/>
-          <a:p>
-            <a:pPr lvl="0"/>
-            <a:r>
-              <a:rPr lang="en-US" sz="2800" dirty="0" smtClean="0"/>
-              <a:t>Write a function to add two numbers.</a:t>
-            </a:r>
-          </a:p>
-          <a:p>
-            <a:pPr lvl="1"/>
-            <a:r>
-              <a:rPr lang="en-US" sz="2600" dirty="0" smtClean="0"/>
-              <a:t>Try calling it with different numbers.</a:t>
-            </a:r>
-            <a:endParaRPr lang="en-US" sz="2600" dirty="0"/>
-          </a:p>
-          <a:p>
-            <a:pPr lvl="0"/>
-            <a:r>
-              <a:rPr lang="en-US" sz="2800" dirty="0" smtClean="0"/>
-              <a:t>Create a class called Adder with your add function inside of it.</a:t>
-            </a:r>
-          </a:p>
-          <a:p>
-            <a:pPr lvl="1"/>
-            <a:r>
-              <a:rPr lang="en-US" sz="2600" dirty="0" smtClean="0"/>
-              <a:t>Try calling it with different numbers.</a:t>
-            </a:r>
-            <a:endParaRPr lang="en-US" sz="2600" dirty="0"/>
-          </a:p>
-        </p:txBody>
-      </p:sp>
-    </p:spTree>
-    <p:extLst>
-      <p:ext uri="{BB962C8B-B14F-4D97-AF65-F5344CB8AC3E}">
-        <p14:creationId xmlns:p14="http://schemas.microsoft.com/office/powerpoint/2010/main" val="3385733072"/>
+        <p14:creationId xmlns:p14="http://schemas.microsoft.com/office/powerpoint/2010/main" val="187092781"/>
       </p:ext>
     </p:extLst>
   </p:cSld>
@@ -16939,297 +14862,6 @@
     <p:extLst>
       <p:ext uri="{BB962C8B-B14F-4D97-AF65-F5344CB8AC3E}">
         <p14:creationId xmlns:p14="http://schemas.microsoft.com/office/powerpoint/2010/main" val="563764553"/>
-      </p:ext>
-    </p:extLst>
-  </p:cSld>
-  <p:clrMapOvr>
-    <a:masterClrMapping/>
-  </p:clrMapOvr>
-</p:sld>
-</file>
-
-<file path=ppt/slides/slide40.xml><?xml version="1.0" encoding="utf-8"?>
-<p:sld xmlns:a="http://schemas.openxmlformats.org/drawingml/2006/main" xmlns:r="http://schemas.openxmlformats.org/officeDocument/2006/relationships" xmlns:p="http://schemas.openxmlformats.org/presentationml/2006/main">
-  <p:cSld>
-    <p:spTree>
-      <p:nvGrpSpPr>
-        <p:cNvPr id="1" name=""/>
-        <p:cNvGrpSpPr/>
-        <p:nvPr/>
-      </p:nvGrpSpPr>
-      <p:grpSpPr>
-        <a:xfrm>
-          <a:off x="0" y="0"/>
-          <a:ext cx="0" cy="0"/>
-          <a:chOff x="0" y="0"/>
-          <a:chExt cx="0" cy="0"/>
-        </a:xfrm>
-      </p:grpSpPr>
-      <p:sp>
-        <p:nvSpPr>
-          <p:cNvPr id="2" name="Title 1"/>
-          <p:cNvSpPr>
-            <a:spLocks noGrp="1"/>
-          </p:cNvSpPr>
-          <p:nvPr>
-            <p:ph type="ctrTitle"/>
-          </p:nvPr>
-        </p:nvSpPr>
-        <p:spPr/>
-        <p:txBody>
-          <a:bodyPr/>
-          <a:lstStyle/>
-          <a:p>
-            <a:r>
-              <a:rPr lang="en-US" dirty="0" smtClean="0"/>
-              <a:t>REVIEW GAME</a:t>
-            </a:r>
-            <a:endParaRPr lang="en-US" dirty="0"/>
-          </a:p>
-        </p:txBody>
-      </p:sp>
-      <p:sp>
-        <p:nvSpPr>
-          <p:cNvPr id="3" name="Subtitle 2"/>
-          <p:cNvSpPr>
-            <a:spLocks noGrp="1"/>
-          </p:cNvSpPr>
-          <p:nvPr>
-            <p:ph type="subTitle" idx="1"/>
-          </p:nvPr>
-        </p:nvSpPr>
-        <p:spPr/>
-        <p:txBody>
-          <a:bodyPr/>
-          <a:lstStyle/>
-          <a:p>
-            <a:r>
-              <a:rPr lang="en-US" dirty="0" smtClean="0"/>
-              <a:t>JavaScript / </a:t>
-            </a:r>
-            <a:r>
-              <a:rPr lang="en-US" dirty="0" err="1" smtClean="0"/>
-              <a:t>TypeScript</a:t>
-            </a:r>
-            <a:endParaRPr lang="en-US" dirty="0"/>
-          </a:p>
-        </p:txBody>
-      </p:sp>
-    </p:spTree>
-    <p:extLst>
-      <p:ext uri="{BB962C8B-B14F-4D97-AF65-F5344CB8AC3E}">
-        <p14:creationId xmlns:p14="http://schemas.microsoft.com/office/powerpoint/2010/main" val="290821773"/>
-      </p:ext>
-    </p:extLst>
-  </p:cSld>
-  <p:clrMapOvr>
-    <a:masterClrMapping/>
-  </p:clrMapOvr>
-  <p:timing>
-    <p:tnLst>
-      <p:par>
-        <p:cTn id="1" dur="indefinite" restart="never" nodeType="tmRoot"/>
-      </p:par>
-    </p:tnLst>
-  </p:timing>
-</p:sld>
-</file>
-
-<file path=ppt/slides/slide41.xml><?xml version="1.0" encoding="utf-8"?>
-<p:sld xmlns:a="http://schemas.openxmlformats.org/drawingml/2006/main" xmlns:r="http://schemas.openxmlformats.org/officeDocument/2006/relationships" xmlns:p="http://schemas.openxmlformats.org/presentationml/2006/main">
-  <p:cSld>
-    <p:spTree>
-      <p:nvGrpSpPr>
-        <p:cNvPr id="1" name=""/>
-        <p:cNvGrpSpPr/>
-        <p:nvPr/>
-      </p:nvGrpSpPr>
-      <p:grpSpPr>
-        <a:xfrm>
-          <a:off x="0" y="0"/>
-          <a:ext cx="0" cy="0"/>
-          <a:chOff x="0" y="0"/>
-          <a:chExt cx="0" cy="0"/>
-        </a:xfrm>
-      </p:grpSpPr>
-      <p:sp>
-        <p:nvSpPr>
-          <p:cNvPr id="2" name="Title 1"/>
-          <p:cNvSpPr>
-            <a:spLocks noGrp="1"/>
-          </p:cNvSpPr>
-          <p:nvPr>
-            <p:ph type="title"/>
-          </p:nvPr>
-        </p:nvSpPr>
-        <p:spPr/>
-        <p:txBody>
-          <a:bodyPr/>
-          <a:lstStyle/>
-          <a:p>
-            <a:r>
-              <a:rPr lang="en-US" dirty="0" smtClean="0"/>
-              <a:t>Additional Resources</a:t>
-            </a:r>
-            <a:endParaRPr lang="en-US" dirty="0"/>
-          </a:p>
-        </p:txBody>
-      </p:sp>
-      <p:sp>
-        <p:nvSpPr>
-          <p:cNvPr id="3" name="Content Placeholder 2"/>
-          <p:cNvSpPr>
-            <a:spLocks noGrp="1"/>
-          </p:cNvSpPr>
-          <p:nvPr>
-            <p:ph sz="half" idx="1"/>
-          </p:nvPr>
-        </p:nvSpPr>
-        <p:spPr>
-          <a:xfrm>
-            <a:off x="1103312" y="2060575"/>
-            <a:ext cx="10008033" cy="4195763"/>
-          </a:xfrm>
-        </p:spPr>
-        <p:txBody>
-          <a:bodyPr>
-            <a:normAutofit fontScale="70000" lnSpcReduction="20000"/>
-          </a:bodyPr>
-          <a:lstStyle/>
-          <a:p>
-            <a:pPr lvl="0"/>
-            <a:r>
-              <a:rPr lang="en-US" sz="2800" dirty="0" err="1" smtClean="0"/>
-              <a:t>JSFiddle</a:t>
-            </a:r>
-            <a:endParaRPr lang="en-US" sz="2800" dirty="0" smtClean="0"/>
-          </a:p>
-          <a:p>
-            <a:pPr lvl="1"/>
-            <a:r>
-              <a:rPr lang="en-US" sz="2600" dirty="0">
-                <a:hlinkClick r:id="rId3"/>
-              </a:rPr>
-              <a:t>https://jsfiddle.net</a:t>
-            </a:r>
-            <a:r>
-              <a:rPr lang="en-US" sz="2600" dirty="0" smtClean="0">
-                <a:hlinkClick r:id="rId3"/>
-              </a:rPr>
-              <a:t>/</a:t>
-            </a:r>
-            <a:endParaRPr lang="en-US" sz="2600" dirty="0" smtClean="0"/>
-          </a:p>
-          <a:p>
-            <a:r>
-              <a:rPr lang="en-US" sz="3000" dirty="0" smtClean="0"/>
-              <a:t>free Code Camp</a:t>
-            </a:r>
-          </a:p>
-          <a:p>
-            <a:pPr lvl="1"/>
-            <a:r>
-              <a:rPr lang="en-US" sz="2600" dirty="0">
-                <a:hlinkClick r:id="rId4"/>
-              </a:rPr>
-              <a:t>https://www.freecodecamp.org</a:t>
-            </a:r>
-            <a:r>
-              <a:rPr lang="en-US" sz="2600" dirty="0" smtClean="0">
-                <a:hlinkClick r:id="rId4"/>
-              </a:rPr>
-              <a:t>/</a:t>
-            </a:r>
-            <a:endParaRPr lang="en-US" sz="2600" dirty="0" smtClean="0"/>
-          </a:p>
-          <a:p>
-            <a:r>
-              <a:rPr lang="en-US" sz="2800" dirty="0" smtClean="0"/>
-              <a:t>Microsoft </a:t>
-            </a:r>
-            <a:r>
-              <a:rPr lang="en-US" sz="2800" dirty="0"/>
-              <a:t>Virtual </a:t>
-            </a:r>
-            <a:r>
-              <a:rPr lang="en-US" sz="2800" dirty="0" smtClean="0"/>
-              <a:t>Academy</a:t>
-            </a:r>
-          </a:p>
-          <a:p>
-            <a:pPr lvl="1"/>
-            <a:r>
-              <a:rPr lang="en-US" sz="2600" dirty="0">
-                <a:hlinkClick r:id="rId5"/>
-              </a:rPr>
-              <a:t>https://</a:t>
-            </a:r>
-            <a:r>
-              <a:rPr lang="en-US" sz="2600" dirty="0" smtClean="0">
-                <a:hlinkClick r:id="rId5"/>
-              </a:rPr>
-              <a:t>mva.microsoft.com/en-us/training-courses/javascript-fundamentals-for-absolute-beginners-14194</a:t>
-            </a:r>
-            <a:endParaRPr lang="en-US" sz="2600" dirty="0" smtClean="0"/>
-          </a:p>
-          <a:p>
-            <a:r>
-              <a:rPr lang="en-US" sz="3000" dirty="0" smtClean="0"/>
-              <a:t>MDN Web Docs</a:t>
-            </a:r>
-          </a:p>
-          <a:p>
-            <a:pPr lvl="1"/>
-            <a:r>
-              <a:rPr lang="en-US" sz="2600" dirty="0">
-                <a:hlinkClick r:id="rId6"/>
-              </a:rPr>
-              <a:t>https://</a:t>
-            </a:r>
-            <a:r>
-              <a:rPr lang="en-US" sz="2600" dirty="0" smtClean="0">
-                <a:hlinkClick r:id="rId6"/>
-              </a:rPr>
-              <a:t>developer.mozilla.org/en-US/docs/Web/JavaScript/Language_Resources</a:t>
-            </a:r>
-            <a:endParaRPr lang="en-US" sz="2600" dirty="0" smtClean="0"/>
-          </a:p>
-          <a:p>
-            <a:r>
-              <a:rPr lang="en-US" sz="3000" dirty="0" err="1" smtClean="0"/>
-              <a:t>TypeScript</a:t>
-            </a:r>
-            <a:r>
-              <a:rPr lang="en-US" sz="3000" dirty="0" smtClean="0"/>
-              <a:t> Documentation</a:t>
-            </a:r>
-          </a:p>
-          <a:p>
-            <a:pPr lvl="1"/>
-            <a:r>
-              <a:rPr lang="en-US" sz="2800" dirty="0">
-                <a:hlinkClick r:id="rId7"/>
-              </a:rPr>
-              <a:t>https://</a:t>
-            </a:r>
-            <a:r>
-              <a:rPr lang="en-US" sz="2800" dirty="0" smtClean="0">
-                <a:hlinkClick r:id="rId7"/>
-              </a:rPr>
-              <a:t>www.typescriptlang.org/docs/home.html</a:t>
-            </a:r>
-            <a:endParaRPr lang="en-US" sz="2800" dirty="0"/>
-          </a:p>
-          <a:p>
-            <a:pPr lvl="1"/>
-            <a:endParaRPr lang="en-US" sz="2800" dirty="0" smtClean="0"/>
-          </a:p>
-        </p:txBody>
-      </p:sp>
-    </p:spTree>
-    <p:extLst>
-      <p:ext uri="{BB962C8B-B14F-4D97-AF65-F5344CB8AC3E}">
-        <p14:creationId xmlns:p14="http://schemas.microsoft.com/office/powerpoint/2010/main" val="187092781"/>
       </p:ext>
     </p:extLst>
   </p:cSld>
@@ -17827,6 +15459,36 @@
           </a:p>
         </p:txBody>
       </p:sp>
+      <p:pic>
+        <p:nvPicPr>
+          <p:cNvPr id="4" name="Content Placeholder 4"/>
+          <p:cNvPicPr>
+            <a:picLocks noChangeAspect="1"/>
+          </p:cNvPicPr>
+          <p:nvPr/>
+        </p:nvPicPr>
+        <p:blipFill>
+          <a:blip r:embed="rId3">
+            <a:extLst>
+              <a:ext uri="{28A0092B-C50C-407E-A947-70E740481C1C}">
+                <a14:useLocalDpi xmlns:a14="http://schemas.microsoft.com/office/drawing/2010/main" val="0"/>
+              </a:ext>
+            </a:extLst>
+          </a:blip>
+          <a:stretch>
+            <a:fillRect/>
+          </a:stretch>
+        </p:blipFill>
+        <p:spPr>
+          <a:xfrm>
+            <a:off x="1154955" y="563880"/>
+            <a:ext cx="3819192" cy="3055354"/>
+          </a:xfrm>
+          <a:prstGeom prst="rect">
+            <a:avLst/>
+          </a:prstGeom>
+        </p:spPr>
+      </p:pic>
     </p:spTree>
     <p:extLst>
       <p:ext uri="{BB962C8B-B14F-4D97-AF65-F5344CB8AC3E}">

--- a/Slides/06_JavaScriptTypescript_TrainingPlan.pptx
+++ b/Slides/06_JavaScriptTypescript_TrainingPlan.pptx
@@ -228,7 +228,7 @@
           <a:p>
             <a:fld id="{7658ED9B-649B-4A15-B2F1-1E96723C7FC4}" type="datetimeFigureOut">
               <a:rPr lang="en-US" smtClean="0"/>
-              <a:t>2/4/2018</a:t>
+              <a:t>2/21/2018</a:t>
             </a:fld>
             <a:endParaRPr lang="en-US"/>
           </a:p>
@@ -4162,19 +4162,7 @@
                 <a:ea typeface="+mn-ea"/>
                 <a:cs typeface="+mn-cs"/>
               </a:rPr>
-              <a:t>Write </a:t>
-            </a:r>
-            <a:r>
-              <a:rPr lang="en-US" sz="1200" kern="1200" dirty="0" smtClean="0">
-                <a:solidFill>
-                  <a:schemeClr val="tx1"/>
-                </a:solidFill>
-                <a:effectLst/>
-                <a:latin typeface="+mn-lt"/>
-                <a:ea typeface="+mn-ea"/>
-                <a:cs typeface="+mn-cs"/>
-              </a:rPr>
-              <a:t>on the board a class named Car with a variable named miles and a constructor that set miles to 100.</a:t>
+              <a:t>Write on the board a class named Car with a variable named miles and a constructor that set miles to 100.</a:t>
             </a:r>
           </a:p>
           <a:p>
@@ -5370,7 +5358,7 @@
           <a:p>
             <a:fld id="{96FB5D56-0812-4ED5-8B52-3D0DCBF578CB}" type="datetimeFigureOut">
               <a:rPr lang="en-US" smtClean="0"/>
-              <a:t>2/4/2018</a:t>
+              <a:t>2/21/2018</a:t>
             </a:fld>
             <a:endParaRPr lang="en-US"/>
           </a:p>
@@ -5645,7 +5633,7 @@
           <a:p>
             <a:fld id="{96FB5D56-0812-4ED5-8B52-3D0DCBF578CB}" type="datetimeFigureOut">
               <a:rPr lang="en-US" smtClean="0"/>
-              <a:t>2/4/2018</a:t>
+              <a:t>2/21/2018</a:t>
             </a:fld>
             <a:endParaRPr lang="en-US"/>
           </a:p>
@@ -5839,7 +5827,7 @@
           <a:p>
             <a:fld id="{96FB5D56-0812-4ED5-8B52-3D0DCBF578CB}" type="datetimeFigureOut">
               <a:rPr lang="en-US" smtClean="0"/>
-              <a:t>2/4/2018</a:t>
+              <a:t>2/21/2018</a:t>
             </a:fld>
             <a:endParaRPr lang="en-US"/>
           </a:p>
@@ -6112,7 +6100,7 @@
           <a:p>
             <a:fld id="{96FB5D56-0812-4ED5-8B52-3D0DCBF578CB}" type="datetimeFigureOut">
               <a:rPr lang="en-US" smtClean="0"/>
-              <a:t>2/4/2018</a:t>
+              <a:t>2/21/2018</a:t>
             </a:fld>
             <a:endParaRPr lang="en-US"/>
           </a:p>
@@ -6453,7 +6441,7 @@
           <a:p>
             <a:fld id="{96FB5D56-0812-4ED5-8B52-3D0DCBF578CB}" type="datetimeFigureOut">
               <a:rPr lang="en-US" smtClean="0"/>
-              <a:t>2/4/2018</a:t>
+              <a:t>2/21/2018</a:t>
             </a:fld>
             <a:endParaRPr lang="en-US"/>
           </a:p>
@@ -7076,7 +7064,7 @@
           <a:p>
             <a:fld id="{96FB5D56-0812-4ED5-8B52-3D0DCBF578CB}" type="datetimeFigureOut">
               <a:rPr lang="en-US" smtClean="0"/>
-              <a:t>2/4/2018</a:t>
+              <a:t>2/21/2018</a:t>
             </a:fld>
             <a:endParaRPr lang="en-US"/>
           </a:p>
@@ -7936,7 +7924,7 @@
           <a:p>
             <a:fld id="{96FB5D56-0812-4ED5-8B52-3D0DCBF578CB}" type="datetimeFigureOut">
               <a:rPr lang="en-US" smtClean="0"/>
-              <a:t>2/4/2018</a:t>
+              <a:t>2/21/2018</a:t>
             </a:fld>
             <a:endParaRPr lang="en-US"/>
           </a:p>
@@ -8106,7 +8094,7 @@
           <a:p>
             <a:fld id="{96FB5D56-0812-4ED5-8B52-3D0DCBF578CB}" type="datetimeFigureOut">
               <a:rPr lang="en-US" smtClean="0"/>
-              <a:t>2/4/2018</a:t>
+              <a:t>2/21/2018</a:t>
             </a:fld>
             <a:endParaRPr lang="en-US"/>
           </a:p>
@@ -8286,7 +8274,7 @@
           <a:p>
             <a:fld id="{96FB5D56-0812-4ED5-8B52-3D0DCBF578CB}" type="datetimeFigureOut">
               <a:rPr lang="en-US" smtClean="0"/>
-              <a:t>2/4/2018</a:t>
+              <a:t>2/21/2018</a:t>
             </a:fld>
             <a:endParaRPr lang="en-US"/>
           </a:p>
@@ -8456,7 +8444,7 @@
           <a:p>
             <a:fld id="{96FB5D56-0812-4ED5-8B52-3D0DCBF578CB}" type="datetimeFigureOut">
               <a:rPr lang="en-US" smtClean="0"/>
-              <a:t>2/4/2018</a:t>
+              <a:t>2/21/2018</a:t>
             </a:fld>
             <a:endParaRPr lang="en-US"/>
           </a:p>
@@ -8703,7 +8691,7 @@
           <a:p>
             <a:fld id="{96FB5D56-0812-4ED5-8B52-3D0DCBF578CB}" type="datetimeFigureOut">
               <a:rPr lang="en-US" smtClean="0"/>
-              <a:t>2/4/2018</a:t>
+              <a:t>2/21/2018</a:t>
             </a:fld>
             <a:endParaRPr lang="en-US"/>
           </a:p>
@@ -8995,7 +8983,7 @@
           <a:p>
             <a:fld id="{96FB5D56-0812-4ED5-8B52-3D0DCBF578CB}" type="datetimeFigureOut">
               <a:rPr lang="en-US" smtClean="0"/>
-              <a:t>2/4/2018</a:t>
+              <a:t>2/21/2018</a:t>
             </a:fld>
             <a:endParaRPr lang="en-US"/>
           </a:p>
@@ -9439,7 +9427,7 @@
           <a:p>
             <a:fld id="{96FB5D56-0812-4ED5-8B52-3D0DCBF578CB}" type="datetimeFigureOut">
               <a:rPr lang="en-US" smtClean="0"/>
-              <a:t>2/4/2018</a:t>
+              <a:t>2/21/2018</a:t>
             </a:fld>
             <a:endParaRPr lang="en-US"/>
           </a:p>
@@ -9557,7 +9545,7 @@
           <a:p>
             <a:fld id="{96FB5D56-0812-4ED5-8B52-3D0DCBF578CB}" type="datetimeFigureOut">
               <a:rPr lang="en-US" smtClean="0"/>
-              <a:t>2/4/2018</a:t>
+              <a:t>2/21/2018</a:t>
             </a:fld>
             <a:endParaRPr lang="en-US"/>
           </a:p>
@@ -9652,7 +9640,7 @@
           <a:p>
             <a:fld id="{96FB5D56-0812-4ED5-8B52-3D0DCBF578CB}" type="datetimeFigureOut">
               <a:rPr lang="en-US" smtClean="0"/>
-              <a:t>2/4/2018</a:t>
+              <a:t>2/21/2018</a:t>
             </a:fld>
             <a:endParaRPr lang="en-US"/>
           </a:p>
@@ -9931,7 +9919,7 @@
           <a:p>
             <a:fld id="{96FB5D56-0812-4ED5-8B52-3D0DCBF578CB}" type="datetimeFigureOut">
               <a:rPr lang="en-US" smtClean="0"/>
-              <a:t>2/4/2018</a:t>
+              <a:t>2/21/2018</a:t>
             </a:fld>
             <a:endParaRPr lang="en-US"/>
           </a:p>
@@ -10206,7 +10194,7 @@
           <a:p>
             <a:fld id="{96FB5D56-0812-4ED5-8B52-3D0DCBF578CB}" type="datetimeFigureOut">
               <a:rPr lang="en-US" smtClean="0"/>
-              <a:t>2/4/2018</a:t>
+              <a:t>2/21/2018</a:t>
             </a:fld>
             <a:endParaRPr lang="en-US"/>
           </a:p>
@@ -10635,7 +10623,7 @@
           <a:p>
             <a:fld id="{96FB5D56-0812-4ED5-8B52-3D0DCBF578CB}" type="datetimeFigureOut">
               <a:rPr lang="en-US" smtClean="0"/>
-              <a:t>2/4/2018</a:t>
+              <a:t>2/21/2018</a:t>
             </a:fld>
             <a:endParaRPr lang="en-US"/>
           </a:p>
@@ -11973,30 +11961,22 @@
             <a:pPr lvl="0"/>
             <a:r>
               <a:rPr lang="en-US" sz="2800" dirty="0" smtClean="0"/>
-              <a:t>Given an </a:t>
+              <a:t>Given </a:t>
             </a:r>
             <a:r>
               <a:rPr lang="en-US" sz="2800" dirty="0" smtClean="0"/>
-              <a:t>number variable</a:t>
+              <a:t>a </a:t>
             </a:r>
             <a:r>
               <a:rPr lang="en-US" sz="2800" dirty="0" smtClean="0"/>
-              <a:t>, write if else statements and console out the persons status.</a:t>
+              <a:t>number variable, write if else statements and console out the persons status.</a:t>
             </a:r>
           </a:p>
           <a:p>
             <a:pPr lvl="0"/>
             <a:r>
               <a:rPr lang="en-US" sz="2800" dirty="0" smtClean="0"/>
-              <a:t>Using the same </a:t>
-            </a:r>
-            <a:r>
-              <a:rPr lang="en-US" sz="2800" dirty="0" smtClean="0"/>
-              <a:t>number variable</a:t>
-            </a:r>
-            <a:r>
-              <a:rPr lang="en-US" sz="2800" dirty="0" smtClean="0"/>
-              <a:t>, modify your code to perform the same operation with a switch statement.</a:t>
+              <a:t>Using the same number variable, modify your code to perform the same operation with a switch statement.</a:t>
             </a:r>
             <a:endParaRPr lang="en-US" sz="2800" dirty="0"/>
           </a:p>
@@ -12109,8 +12089,13 @@
           <a:p>
             <a:r>
               <a:rPr lang="en-US" sz="2800" dirty="0" smtClean="0"/>
-              <a:t>for / in</a:t>
-            </a:r>
+              <a:t>for / </a:t>
+            </a:r>
+            <a:r>
+              <a:rPr lang="en-US" sz="2800" dirty="0" smtClean="0"/>
+              <a:t>of</a:t>
+            </a:r>
+            <a:endParaRPr lang="en-US" sz="2800" dirty="0" smtClean="0"/>
           </a:p>
           <a:p>
             <a:r>
@@ -12571,15 +12556,7 @@
             <a:pPr lvl="0"/>
             <a:r>
               <a:rPr lang="en-US" sz="2800" dirty="0" smtClean="0"/>
-              <a:t>Given an array of </a:t>
-            </a:r>
-            <a:r>
-              <a:rPr lang="en-US" sz="2800" dirty="0" smtClean="0"/>
-              <a:t>number variable</a:t>
-            </a:r>
-            <a:r>
-              <a:rPr lang="en-US" sz="2800" dirty="0" smtClean="0"/>
-              <a:t>, write loops with if else statements and console out everyone’s status.</a:t>
+              <a:t>Given an array of number variable, write loops with if else statements and console out everyone’s status.</a:t>
             </a:r>
           </a:p>
           <a:p>
@@ -14360,11 +14337,7 @@
             </a:r>
             <a:r>
               <a:rPr lang="en-US" sz="3200" dirty="0" smtClean="0"/>
-              <a:t> Syntax that you just created in JavaScript.  </a:t>
-            </a:r>
-            <a:r>
-              <a:rPr lang="en-US" sz="3200" dirty="0" smtClean="0"/>
-              <a:t>Make use of typing.</a:t>
+              <a:t> Syntax that you just created in JavaScript.  Make use of typing.</a:t>
             </a:r>
             <a:endParaRPr lang="en-US" sz="3200" dirty="0"/>
           </a:p>

--- a/Slides/06_JavaScriptTypescript_TrainingPlan.pptx
+++ b/Slides/06_JavaScriptTypescript_TrainingPlan.pptx
@@ -228,7 +228,7 @@
           <a:p>
             <a:fld id="{7658ED9B-649B-4A15-B2F1-1E96723C7FC4}" type="datetimeFigureOut">
               <a:rPr lang="en-US" smtClean="0"/>
-              <a:t>2/21/2018</a:t>
+              <a:t>2/23/2018</a:t>
             </a:fld>
             <a:endParaRPr lang="en-US"/>
           </a:p>
@@ -540,7 +540,7 @@
           <a:bodyPr/>
           <a:lstStyle/>
           <a:p>
-            <a:endParaRPr lang="en-US"/>
+            <a:endParaRPr lang="en-US" dirty="0"/>
           </a:p>
         </p:txBody>
       </p:sp>
@@ -5358,7 +5358,7 @@
           <a:p>
             <a:fld id="{96FB5D56-0812-4ED5-8B52-3D0DCBF578CB}" type="datetimeFigureOut">
               <a:rPr lang="en-US" smtClean="0"/>
-              <a:t>2/21/2018</a:t>
+              <a:t>2/23/2018</a:t>
             </a:fld>
             <a:endParaRPr lang="en-US"/>
           </a:p>
@@ -5633,7 +5633,7 @@
           <a:p>
             <a:fld id="{96FB5D56-0812-4ED5-8B52-3D0DCBF578CB}" type="datetimeFigureOut">
               <a:rPr lang="en-US" smtClean="0"/>
-              <a:t>2/21/2018</a:t>
+              <a:t>2/23/2018</a:t>
             </a:fld>
             <a:endParaRPr lang="en-US"/>
           </a:p>
@@ -5827,7 +5827,7 @@
           <a:p>
             <a:fld id="{96FB5D56-0812-4ED5-8B52-3D0DCBF578CB}" type="datetimeFigureOut">
               <a:rPr lang="en-US" smtClean="0"/>
-              <a:t>2/21/2018</a:t>
+              <a:t>2/23/2018</a:t>
             </a:fld>
             <a:endParaRPr lang="en-US"/>
           </a:p>
@@ -6100,7 +6100,7 @@
           <a:p>
             <a:fld id="{96FB5D56-0812-4ED5-8B52-3D0DCBF578CB}" type="datetimeFigureOut">
               <a:rPr lang="en-US" smtClean="0"/>
-              <a:t>2/21/2018</a:t>
+              <a:t>2/23/2018</a:t>
             </a:fld>
             <a:endParaRPr lang="en-US"/>
           </a:p>
@@ -6441,7 +6441,7 @@
           <a:p>
             <a:fld id="{96FB5D56-0812-4ED5-8B52-3D0DCBF578CB}" type="datetimeFigureOut">
               <a:rPr lang="en-US" smtClean="0"/>
-              <a:t>2/21/2018</a:t>
+              <a:t>2/23/2018</a:t>
             </a:fld>
             <a:endParaRPr lang="en-US"/>
           </a:p>
@@ -7064,7 +7064,7 @@
           <a:p>
             <a:fld id="{96FB5D56-0812-4ED5-8B52-3D0DCBF578CB}" type="datetimeFigureOut">
               <a:rPr lang="en-US" smtClean="0"/>
-              <a:t>2/21/2018</a:t>
+              <a:t>2/23/2018</a:t>
             </a:fld>
             <a:endParaRPr lang="en-US"/>
           </a:p>
@@ -7924,7 +7924,7 @@
           <a:p>
             <a:fld id="{96FB5D56-0812-4ED5-8B52-3D0DCBF578CB}" type="datetimeFigureOut">
               <a:rPr lang="en-US" smtClean="0"/>
-              <a:t>2/21/2018</a:t>
+              <a:t>2/23/2018</a:t>
             </a:fld>
             <a:endParaRPr lang="en-US"/>
           </a:p>
@@ -8094,7 +8094,7 @@
           <a:p>
             <a:fld id="{96FB5D56-0812-4ED5-8B52-3D0DCBF578CB}" type="datetimeFigureOut">
               <a:rPr lang="en-US" smtClean="0"/>
-              <a:t>2/21/2018</a:t>
+              <a:t>2/23/2018</a:t>
             </a:fld>
             <a:endParaRPr lang="en-US"/>
           </a:p>
@@ -8274,7 +8274,7 @@
           <a:p>
             <a:fld id="{96FB5D56-0812-4ED5-8B52-3D0DCBF578CB}" type="datetimeFigureOut">
               <a:rPr lang="en-US" smtClean="0"/>
-              <a:t>2/21/2018</a:t>
+              <a:t>2/23/2018</a:t>
             </a:fld>
             <a:endParaRPr lang="en-US"/>
           </a:p>
@@ -8444,7 +8444,7 @@
           <a:p>
             <a:fld id="{96FB5D56-0812-4ED5-8B52-3D0DCBF578CB}" type="datetimeFigureOut">
               <a:rPr lang="en-US" smtClean="0"/>
-              <a:t>2/21/2018</a:t>
+              <a:t>2/23/2018</a:t>
             </a:fld>
             <a:endParaRPr lang="en-US"/>
           </a:p>
@@ -8691,7 +8691,7 @@
           <a:p>
             <a:fld id="{96FB5D56-0812-4ED5-8B52-3D0DCBF578CB}" type="datetimeFigureOut">
               <a:rPr lang="en-US" smtClean="0"/>
-              <a:t>2/21/2018</a:t>
+              <a:t>2/23/2018</a:t>
             </a:fld>
             <a:endParaRPr lang="en-US"/>
           </a:p>
@@ -8983,7 +8983,7 @@
           <a:p>
             <a:fld id="{96FB5D56-0812-4ED5-8B52-3D0DCBF578CB}" type="datetimeFigureOut">
               <a:rPr lang="en-US" smtClean="0"/>
-              <a:t>2/21/2018</a:t>
+              <a:t>2/23/2018</a:t>
             </a:fld>
             <a:endParaRPr lang="en-US"/>
           </a:p>
@@ -9427,7 +9427,7 @@
           <a:p>
             <a:fld id="{96FB5D56-0812-4ED5-8B52-3D0DCBF578CB}" type="datetimeFigureOut">
               <a:rPr lang="en-US" smtClean="0"/>
-              <a:t>2/21/2018</a:t>
+              <a:t>2/23/2018</a:t>
             </a:fld>
             <a:endParaRPr lang="en-US"/>
           </a:p>
@@ -9545,7 +9545,7 @@
           <a:p>
             <a:fld id="{96FB5D56-0812-4ED5-8B52-3D0DCBF578CB}" type="datetimeFigureOut">
               <a:rPr lang="en-US" smtClean="0"/>
-              <a:t>2/21/2018</a:t>
+              <a:t>2/23/2018</a:t>
             </a:fld>
             <a:endParaRPr lang="en-US"/>
           </a:p>
@@ -9640,7 +9640,7 @@
           <a:p>
             <a:fld id="{96FB5D56-0812-4ED5-8B52-3D0DCBF578CB}" type="datetimeFigureOut">
               <a:rPr lang="en-US" smtClean="0"/>
-              <a:t>2/21/2018</a:t>
+              <a:t>2/23/2018</a:t>
             </a:fld>
             <a:endParaRPr lang="en-US"/>
           </a:p>
@@ -9919,7 +9919,7 @@
           <a:p>
             <a:fld id="{96FB5D56-0812-4ED5-8B52-3D0DCBF578CB}" type="datetimeFigureOut">
               <a:rPr lang="en-US" smtClean="0"/>
-              <a:t>2/21/2018</a:t>
+              <a:t>2/23/2018</a:t>
             </a:fld>
             <a:endParaRPr lang="en-US"/>
           </a:p>
@@ -10194,7 +10194,7 @@
           <a:p>
             <a:fld id="{96FB5D56-0812-4ED5-8B52-3D0DCBF578CB}" type="datetimeFigureOut">
               <a:rPr lang="en-US" smtClean="0"/>
-              <a:t>2/21/2018</a:t>
+              <a:t>2/23/2018</a:t>
             </a:fld>
             <a:endParaRPr lang="en-US"/>
           </a:p>
@@ -10623,7 +10623,7 @@
           <a:p>
             <a:fld id="{96FB5D56-0812-4ED5-8B52-3D0DCBF578CB}" type="datetimeFigureOut">
               <a:rPr lang="en-US" smtClean="0"/>
-              <a:t>2/21/2018</a:t>
+              <a:t>2/23/2018</a:t>
             </a:fld>
             <a:endParaRPr lang="en-US"/>
           </a:p>
@@ -11961,15 +11961,7 @@
             <a:pPr lvl="0"/>
             <a:r>
               <a:rPr lang="en-US" sz="2800" dirty="0" smtClean="0"/>
-              <a:t>Given </a:t>
-            </a:r>
-            <a:r>
-              <a:rPr lang="en-US" sz="2800" dirty="0" smtClean="0"/>
-              <a:t>a </a:t>
-            </a:r>
-            <a:r>
-              <a:rPr lang="en-US" sz="2800" dirty="0" smtClean="0"/>
-              <a:t>number variable, write if else statements and console out the persons status.</a:t>
+              <a:t>Given a number variable, write if else statements and console out the persons status.</a:t>
             </a:r>
           </a:p>
           <a:p>
@@ -12089,13 +12081,8 @@
           <a:p>
             <a:r>
               <a:rPr lang="en-US" sz="2800" dirty="0" smtClean="0"/>
-              <a:t>for / </a:t>
-            </a:r>
-            <a:r>
-              <a:rPr lang="en-US" sz="2800" dirty="0" smtClean="0"/>
-              <a:t>of</a:t>
-            </a:r>
-            <a:endParaRPr lang="en-US" sz="2800" dirty="0" smtClean="0"/>
+              <a:t>for / of</a:t>
+            </a:r>
           </a:p>
           <a:p>
             <a:r>
